--- a/Internship/Software Developer Internship Presentation.pptx
+++ b/Internship/Software Developer Internship Presentation.pptx
@@ -9,6 +9,9 @@
     <p:sldId id="257" r:id="rId3"/>
     <p:sldId id="258" r:id="rId4"/>
     <p:sldId id="259" r:id="rId5"/>
+    <p:sldId id="260" r:id="rId6"/>
+    <p:sldId id="261" r:id="rId7"/>
+    <p:sldId id="262" r:id="rId8"/>
   </p:sldIdLst>
   <p:sldSz cx="12192000" cy="6858000"/>
   <p:notesSz cx="6858000" cy="9144000"/>
@@ -107,6 +110,11 @@
       </a:defRPr>
     </a:lvl9pPr>
   </p:defaultTextStyle>
+  <p:extLst>
+    <p:ext uri="{EFAFB233-063F-42B5-8137-9DF3F51BA10A}">
+      <p15:sldGuideLst xmlns:p15="http://schemas.microsoft.com/office/powerpoint/2012/main"/>
+    </p:ext>
+  </p:extLst>
 </p:presentation>
 </file>
 
@@ -2351,6 +2359,753 @@
 </dgm:colorsDef>
 </file>
 
+<file path=ppt/diagrams/colors4.xml><?xml version="1.0" encoding="utf-8"?>
+<dgm:colorsDef xmlns:dgm="http://schemas.openxmlformats.org/drawingml/2006/diagram" xmlns:a="http://schemas.openxmlformats.org/drawingml/2006/main" uniqueId="urn:microsoft.com/office/officeart/2005/8/colors/accent1_2">
+  <dgm:title val=""/>
+  <dgm:desc val=""/>
+  <dgm:catLst>
+    <dgm:cat type="accent1" pri="11200"/>
+  </dgm:catLst>
+  <dgm:styleLbl name="node0">
+    <dgm:fillClrLst meth="repeat">
+      <a:schemeClr val="accent1"/>
+    </dgm:fillClrLst>
+    <dgm:linClrLst meth="repeat">
+      <a:schemeClr val="lt1"/>
+    </dgm:linClrLst>
+    <dgm:effectClrLst/>
+    <dgm:txLinClrLst/>
+    <dgm:txFillClrLst/>
+    <dgm:txEffectClrLst/>
+  </dgm:styleLbl>
+  <dgm:styleLbl name="alignNode1">
+    <dgm:fillClrLst meth="repeat">
+      <a:schemeClr val="accent1"/>
+    </dgm:fillClrLst>
+    <dgm:linClrLst meth="repeat">
+      <a:schemeClr val="accent1"/>
+    </dgm:linClrLst>
+    <dgm:effectClrLst/>
+    <dgm:txLinClrLst/>
+    <dgm:txFillClrLst/>
+    <dgm:txEffectClrLst/>
+  </dgm:styleLbl>
+  <dgm:styleLbl name="node1">
+    <dgm:fillClrLst meth="repeat">
+      <a:schemeClr val="accent1"/>
+    </dgm:fillClrLst>
+    <dgm:linClrLst meth="repeat">
+      <a:schemeClr val="lt1"/>
+    </dgm:linClrLst>
+    <dgm:effectClrLst/>
+    <dgm:txLinClrLst/>
+    <dgm:txFillClrLst/>
+    <dgm:txEffectClrLst/>
+  </dgm:styleLbl>
+  <dgm:styleLbl name="lnNode1">
+    <dgm:fillClrLst meth="repeat">
+      <a:schemeClr val="accent1"/>
+    </dgm:fillClrLst>
+    <dgm:linClrLst meth="repeat">
+      <a:schemeClr val="lt1"/>
+    </dgm:linClrLst>
+    <dgm:effectClrLst/>
+    <dgm:txLinClrLst/>
+    <dgm:txFillClrLst/>
+    <dgm:txEffectClrLst/>
+  </dgm:styleLbl>
+  <dgm:styleLbl name="vennNode1">
+    <dgm:fillClrLst meth="repeat">
+      <a:schemeClr val="accent1">
+        <a:alpha val="50000"/>
+      </a:schemeClr>
+    </dgm:fillClrLst>
+    <dgm:linClrLst meth="repeat">
+      <a:schemeClr val="lt1"/>
+    </dgm:linClrLst>
+    <dgm:effectClrLst/>
+    <dgm:txLinClrLst/>
+    <dgm:txFillClrLst/>
+    <dgm:txEffectClrLst/>
+  </dgm:styleLbl>
+  <dgm:styleLbl name="node2">
+    <dgm:fillClrLst meth="repeat">
+      <a:schemeClr val="accent1"/>
+    </dgm:fillClrLst>
+    <dgm:linClrLst meth="repeat">
+      <a:schemeClr val="lt1"/>
+    </dgm:linClrLst>
+    <dgm:effectClrLst/>
+    <dgm:txLinClrLst/>
+    <dgm:txFillClrLst/>
+    <dgm:txEffectClrLst/>
+  </dgm:styleLbl>
+  <dgm:styleLbl name="node3">
+    <dgm:fillClrLst meth="repeat">
+      <a:schemeClr val="accent1"/>
+    </dgm:fillClrLst>
+    <dgm:linClrLst meth="repeat">
+      <a:schemeClr val="lt1"/>
+    </dgm:linClrLst>
+    <dgm:effectClrLst/>
+    <dgm:txLinClrLst/>
+    <dgm:txFillClrLst/>
+    <dgm:txEffectClrLst/>
+  </dgm:styleLbl>
+  <dgm:styleLbl name="node4">
+    <dgm:fillClrLst meth="repeat">
+      <a:schemeClr val="accent1"/>
+    </dgm:fillClrLst>
+    <dgm:linClrLst meth="repeat">
+      <a:schemeClr val="lt1"/>
+    </dgm:linClrLst>
+    <dgm:effectClrLst/>
+    <dgm:txLinClrLst/>
+    <dgm:txFillClrLst/>
+    <dgm:txEffectClrLst/>
+  </dgm:styleLbl>
+  <dgm:styleLbl name="fgImgPlace1">
+    <dgm:fillClrLst meth="repeat">
+      <a:schemeClr val="accent1">
+        <a:tint val="50000"/>
+      </a:schemeClr>
+    </dgm:fillClrLst>
+    <dgm:linClrLst meth="repeat">
+      <a:schemeClr val="lt1"/>
+    </dgm:linClrLst>
+    <dgm:effectClrLst/>
+    <dgm:txLinClrLst/>
+    <dgm:txFillClrLst meth="repeat">
+      <a:schemeClr val="lt1"/>
+    </dgm:txFillClrLst>
+    <dgm:txEffectClrLst/>
+  </dgm:styleLbl>
+  <dgm:styleLbl name="alignImgPlace1">
+    <dgm:fillClrLst meth="repeat">
+      <a:schemeClr val="accent1">
+        <a:tint val="50000"/>
+      </a:schemeClr>
+    </dgm:fillClrLst>
+    <dgm:linClrLst meth="repeat">
+      <a:schemeClr val="lt1"/>
+    </dgm:linClrLst>
+    <dgm:effectClrLst/>
+    <dgm:txLinClrLst/>
+    <dgm:txFillClrLst meth="repeat">
+      <a:schemeClr val="lt1"/>
+    </dgm:txFillClrLst>
+    <dgm:txEffectClrLst/>
+  </dgm:styleLbl>
+  <dgm:styleLbl name="bgImgPlace1">
+    <dgm:fillClrLst meth="repeat">
+      <a:schemeClr val="accent1">
+        <a:tint val="50000"/>
+      </a:schemeClr>
+    </dgm:fillClrLst>
+    <dgm:linClrLst meth="repeat">
+      <a:schemeClr val="lt1"/>
+    </dgm:linClrLst>
+    <dgm:effectClrLst/>
+    <dgm:txLinClrLst/>
+    <dgm:txFillClrLst meth="repeat">
+      <a:schemeClr val="lt1"/>
+    </dgm:txFillClrLst>
+    <dgm:txEffectClrLst/>
+  </dgm:styleLbl>
+  <dgm:styleLbl name="sibTrans2D1">
+    <dgm:fillClrLst meth="repeat">
+      <a:schemeClr val="accent1">
+        <a:tint val="60000"/>
+      </a:schemeClr>
+    </dgm:fillClrLst>
+    <dgm:linClrLst meth="repeat">
+      <a:schemeClr val="accent1">
+        <a:tint val="60000"/>
+      </a:schemeClr>
+    </dgm:linClrLst>
+    <dgm:effectClrLst/>
+    <dgm:txLinClrLst/>
+    <dgm:txFillClrLst/>
+    <dgm:txEffectClrLst/>
+  </dgm:styleLbl>
+  <dgm:styleLbl name="fgSibTrans2D1">
+    <dgm:fillClrLst meth="repeat">
+      <a:schemeClr val="accent1">
+        <a:tint val="60000"/>
+      </a:schemeClr>
+    </dgm:fillClrLst>
+    <dgm:linClrLst meth="repeat">
+      <a:schemeClr val="accent1">
+        <a:tint val="60000"/>
+      </a:schemeClr>
+    </dgm:linClrLst>
+    <dgm:effectClrLst/>
+    <dgm:txLinClrLst/>
+    <dgm:txFillClrLst/>
+    <dgm:txEffectClrLst/>
+  </dgm:styleLbl>
+  <dgm:styleLbl name="bgSibTrans2D1">
+    <dgm:fillClrLst meth="repeat">
+      <a:schemeClr val="accent1">
+        <a:tint val="60000"/>
+      </a:schemeClr>
+    </dgm:fillClrLst>
+    <dgm:linClrLst meth="repeat">
+      <a:schemeClr val="accent1">
+        <a:tint val="60000"/>
+      </a:schemeClr>
+    </dgm:linClrLst>
+    <dgm:effectClrLst/>
+    <dgm:txLinClrLst/>
+    <dgm:txFillClrLst/>
+    <dgm:txEffectClrLst/>
+  </dgm:styleLbl>
+  <dgm:styleLbl name="sibTrans1D1">
+    <dgm:fillClrLst meth="repeat">
+      <a:schemeClr val="accent1"/>
+    </dgm:fillClrLst>
+    <dgm:linClrLst meth="repeat">
+      <a:schemeClr val="accent1"/>
+    </dgm:linClrLst>
+    <dgm:effectClrLst/>
+    <dgm:txLinClrLst/>
+    <dgm:txFillClrLst meth="repeat">
+      <a:schemeClr val="tx1"/>
+    </dgm:txFillClrLst>
+    <dgm:txEffectClrLst/>
+  </dgm:styleLbl>
+  <dgm:styleLbl name="callout">
+    <dgm:fillClrLst meth="repeat">
+      <a:schemeClr val="accent1"/>
+    </dgm:fillClrLst>
+    <dgm:linClrLst meth="repeat">
+      <a:schemeClr val="accent1">
+        <a:tint val="50000"/>
+      </a:schemeClr>
+    </dgm:linClrLst>
+    <dgm:effectClrLst/>
+    <dgm:txLinClrLst/>
+    <dgm:txFillClrLst meth="repeat">
+      <a:schemeClr val="tx1"/>
+    </dgm:txFillClrLst>
+    <dgm:txEffectClrLst/>
+  </dgm:styleLbl>
+  <dgm:styleLbl name="asst0">
+    <dgm:fillClrLst meth="repeat">
+      <a:schemeClr val="accent1"/>
+    </dgm:fillClrLst>
+    <dgm:linClrLst meth="repeat">
+      <a:schemeClr val="lt1"/>
+    </dgm:linClrLst>
+    <dgm:effectClrLst/>
+    <dgm:txLinClrLst/>
+    <dgm:txFillClrLst/>
+    <dgm:txEffectClrLst/>
+  </dgm:styleLbl>
+  <dgm:styleLbl name="asst1">
+    <dgm:fillClrLst meth="repeat">
+      <a:schemeClr val="accent1"/>
+    </dgm:fillClrLst>
+    <dgm:linClrLst meth="repeat">
+      <a:schemeClr val="lt1"/>
+    </dgm:linClrLst>
+    <dgm:effectClrLst/>
+    <dgm:txLinClrLst/>
+    <dgm:txFillClrLst/>
+    <dgm:txEffectClrLst/>
+  </dgm:styleLbl>
+  <dgm:styleLbl name="asst2">
+    <dgm:fillClrLst meth="repeat">
+      <a:schemeClr val="accent1"/>
+    </dgm:fillClrLst>
+    <dgm:linClrLst meth="repeat">
+      <a:schemeClr val="lt1"/>
+    </dgm:linClrLst>
+    <dgm:effectClrLst/>
+    <dgm:txLinClrLst/>
+    <dgm:txFillClrLst/>
+    <dgm:txEffectClrLst/>
+  </dgm:styleLbl>
+  <dgm:styleLbl name="asst3">
+    <dgm:fillClrLst meth="repeat">
+      <a:schemeClr val="accent1"/>
+    </dgm:fillClrLst>
+    <dgm:linClrLst meth="repeat">
+      <a:schemeClr val="lt1"/>
+    </dgm:linClrLst>
+    <dgm:effectClrLst/>
+    <dgm:txLinClrLst/>
+    <dgm:txFillClrLst/>
+    <dgm:txEffectClrLst/>
+  </dgm:styleLbl>
+  <dgm:styleLbl name="asst4">
+    <dgm:fillClrLst meth="repeat">
+      <a:schemeClr val="accent1"/>
+    </dgm:fillClrLst>
+    <dgm:linClrLst meth="repeat">
+      <a:schemeClr val="lt1"/>
+    </dgm:linClrLst>
+    <dgm:effectClrLst/>
+    <dgm:txLinClrLst/>
+    <dgm:txFillClrLst/>
+    <dgm:txEffectClrLst/>
+  </dgm:styleLbl>
+  <dgm:styleLbl name="parChTrans2D1">
+    <dgm:fillClrLst meth="repeat">
+      <a:schemeClr val="accent1">
+        <a:tint val="60000"/>
+      </a:schemeClr>
+    </dgm:fillClrLst>
+    <dgm:linClrLst meth="repeat">
+      <a:schemeClr val="accent1">
+        <a:tint val="60000"/>
+      </a:schemeClr>
+    </dgm:linClrLst>
+    <dgm:effectClrLst/>
+    <dgm:txLinClrLst/>
+    <dgm:txFillClrLst meth="repeat">
+      <a:schemeClr val="lt1"/>
+    </dgm:txFillClrLst>
+    <dgm:txEffectClrLst/>
+  </dgm:styleLbl>
+  <dgm:styleLbl name="parChTrans2D2">
+    <dgm:fillClrLst meth="repeat">
+      <a:schemeClr val="accent1"/>
+    </dgm:fillClrLst>
+    <dgm:linClrLst meth="repeat">
+      <a:schemeClr val="accent1"/>
+    </dgm:linClrLst>
+    <dgm:effectClrLst/>
+    <dgm:txLinClrLst/>
+    <dgm:txFillClrLst meth="repeat">
+      <a:schemeClr val="lt1"/>
+    </dgm:txFillClrLst>
+    <dgm:txEffectClrLst/>
+  </dgm:styleLbl>
+  <dgm:styleLbl name="parChTrans2D3">
+    <dgm:fillClrLst meth="repeat">
+      <a:schemeClr val="accent1"/>
+    </dgm:fillClrLst>
+    <dgm:linClrLst meth="repeat">
+      <a:schemeClr val="accent1"/>
+    </dgm:linClrLst>
+    <dgm:effectClrLst/>
+    <dgm:txLinClrLst/>
+    <dgm:txFillClrLst meth="repeat">
+      <a:schemeClr val="lt1"/>
+    </dgm:txFillClrLst>
+    <dgm:txEffectClrLst/>
+  </dgm:styleLbl>
+  <dgm:styleLbl name="parChTrans2D4">
+    <dgm:fillClrLst meth="repeat">
+      <a:schemeClr val="accent1"/>
+    </dgm:fillClrLst>
+    <dgm:linClrLst meth="repeat">
+      <a:schemeClr val="accent1"/>
+    </dgm:linClrLst>
+    <dgm:effectClrLst/>
+    <dgm:txLinClrLst/>
+    <dgm:txFillClrLst meth="repeat">
+      <a:schemeClr val="lt1"/>
+    </dgm:txFillClrLst>
+    <dgm:txEffectClrLst/>
+  </dgm:styleLbl>
+  <dgm:styleLbl name="parChTrans1D1">
+    <dgm:fillClrLst meth="repeat">
+      <a:schemeClr val="accent1"/>
+    </dgm:fillClrLst>
+    <dgm:linClrLst meth="repeat">
+      <a:schemeClr val="accent1">
+        <a:shade val="60000"/>
+      </a:schemeClr>
+    </dgm:linClrLst>
+    <dgm:effectClrLst/>
+    <dgm:txLinClrLst/>
+    <dgm:txFillClrLst meth="repeat">
+      <a:schemeClr val="tx1"/>
+    </dgm:txFillClrLst>
+    <dgm:txEffectClrLst/>
+  </dgm:styleLbl>
+  <dgm:styleLbl name="parChTrans1D2">
+    <dgm:fillClrLst meth="repeat">
+      <a:schemeClr val="accent1"/>
+    </dgm:fillClrLst>
+    <dgm:linClrLst meth="repeat">
+      <a:schemeClr val="accent1">
+        <a:shade val="60000"/>
+      </a:schemeClr>
+    </dgm:linClrLst>
+    <dgm:effectClrLst/>
+    <dgm:txLinClrLst/>
+    <dgm:txFillClrLst meth="repeat">
+      <a:schemeClr val="tx1"/>
+    </dgm:txFillClrLst>
+    <dgm:txEffectClrLst/>
+  </dgm:styleLbl>
+  <dgm:styleLbl name="parChTrans1D3">
+    <dgm:fillClrLst meth="repeat">
+      <a:schemeClr val="accent1"/>
+    </dgm:fillClrLst>
+    <dgm:linClrLst meth="repeat">
+      <a:schemeClr val="accent1">
+        <a:shade val="80000"/>
+      </a:schemeClr>
+    </dgm:linClrLst>
+    <dgm:effectClrLst/>
+    <dgm:txLinClrLst/>
+    <dgm:txFillClrLst meth="repeat">
+      <a:schemeClr val="tx1"/>
+    </dgm:txFillClrLst>
+    <dgm:txEffectClrLst/>
+  </dgm:styleLbl>
+  <dgm:styleLbl name="parChTrans1D4">
+    <dgm:fillClrLst meth="repeat">
+      <a:schemeClr val="accent1"/>
+    </dgm:fillClrLst>
+    <dgm:linClrLst meth="repeat">
+      <a:schemeClr val="accent1">
+        <a:shade val="80000"/>
+      </a:schemeClr>
+    </dgm:linClrLst>
+    <dgm:effectClrLst/>
+    <dgm:txLinClrLst/>
+    <dgm:txFillClrLst meth="repeat">
+      <a:schemeClr val="tx1"/>
+    </dgm:txFillClrLst>
+    <dgm:txEffectClrLst/>
+  </dgm:styleLbl>
+  <dgm:styleLbl name="fgAcc1">
+    <dgm:fillClrLst meth="repeat">
+      <a:schemeClr val="lt1">
+        <a:alpha val="90000"/>
+      </a:schemeClr>
+    </dgm:fillClrLst>
+    <dgm:linClrLst meth="repeat">
+      <a:schemeClr val="accent1"/>
+    </dgm:linClrLst>
+    <dgm:effectClrLst/>
+    <dgm:txLinClrLst/>
+    <dgm:txFillClrLst meth="repeat">
+      <a:schemeClr val="dk1"/>
+    </dgm:txFillClrLst>
+    <dgm:txEffectClrLst/>
+  </dgm:styleLbl>
+  <dgm:styleLbl name="conFgAcc1">
+    <dgm:fillClrLst meth="repeat">
+      <a:schemeClr val="lt1">
+        <a:alpha val="90000"/>
+      </a:schemeClr>
+    </dgm:fillClrLst>
+    <dgm:linClrLst meth="repeat">
+      <a:schemeClr val="accent1"/>
+    </dgm:linClrLst>
+    <dgm:effectClrLst/>
+    <dgm:txLinClrLst/>
+    <dgm:txFillClrLst meth="repeat">
+      <a:schemeClr val="dk1"/>
+    </dgm:txFillClrLst>
+    <dgm:txEffectClrLst/>
+  </dgm:styleLbl>
+  <dgm:styleLbl name="alignAcc1">
+    <dgm:fillClrLst meth="repeat">
+      <a:schemeClr val="lt1">
+        <a:alpha val="90000"/>
+      </a:schemeClr>
+    </dgm:fillClrLst>
+    <dgm:linClrLst meth="repeat">
+      <a:schemeClr val="accent1"/>
+    </dgm:linClrLst>
+    <dgm:effectClrLst/>
+    <dgm:txLinClrLst/>
+    <dgm:txFillClrLst meth="repeat">
+      <a:schemeClr val="dk1"/>
+    </dgm:txFillClrLst>
+    <dgm:txEffectClrLst/>
+  </dgm:styleLbl>
+  <dgm:styleLbl name="trAlignAcc1">
+    <dgm:fillClrLst meth="repeat">
+      <a:schemeClr val="lt1">
+        <a:alpha val="40000"/>
+      </a:schemeClr>
+    </dgm:fillClrLst>
+    <dgm:linClrLst meth="repeat">
+      <a:schemeClr val="accent1"/>
+    </dgm:linClrLst>
+    <dgm:effectClrLst/>
+    <dgm:txLinClrLst/>
+    <dgm:txFillClrLst meth="repeat">
+      <a:schemeClr val="dk1"/>
+    </dgm:txFillClrLst>
+    <dgm:txEffectClrLst/>
+  </dgm:styleLbl>
+  <dgm:styleLbl name="bgAcc1">
+    <dgm:fillClrLst meth="repeat">
+      <a:schemeClr val="lt1">
+        <a:alpha val="90000"/>
+      </a:schemeClr>
+    </dgm:fillClrLst>
+    <dgm:linClrLst meth="repeat">
+      <a:schemeClr val="accent1"/>
+    </dgm:linClrLst>
+    <dgm:effectClrLst/>
+    <dgm:txLinClrLst/>
+    <dgm:txFillClrLst meth="repeat">
+      <a:schemeClr val="dk1"/>
+    </dgm:txFillClrLst>
+    <dgm:txEffectClrLst/>
+  </dgm:styleLbl>
+  <dgm:styleLbl name="solidFgAcc1">
+    <dgm:fillClrLst meth="repeat">
+      <a:schemeClr val="lt1"/>
+    </dgm:fillClrLst>
+    <dgm:linClrLst meth="repeat">
+      <a:schemeClr val="accent1"/>
+    </dgm:linClrLst>
+    <dgm:effectClrLst/>
+    <dgm:txLinClrLst/>
+    <dgm:txFillClrLst meth="repeat">
+      <a:schemeClr val="dk1"/>
+    </dgm:txFillClrLst>
+    <dgm:txEffectClrLst/>
+  </dgm:styleLbl>
+  <dgm:styleLbl name="solidAlignAcc1">
+    <dgm:fillClrLst meth="repeat">
+      <a:schemeClr val="lt1"/>
+    </dgm:fillClrLst>
+    <dgm:linClrLst meth="repeat">
+      <a:schemeClr val="accent1"/>
+    </dgm:linClrLst>
+    <dgm:effectClrLst/>
+    <dgm:txLinClrLst/>
+    <dgm:txFillClrLst meth="repeat">
+      <a:schemeClr val="dk1"/>
+    </dgm:txFillClrLst>
+    <dgm:txEffectClrLst/>
+  </dgm:styleLbl>
+  <dgm:styleLbl name="solidBgAcc1">
+    <dgm:fillClrLst meth="repeat">
+      <a:schemeClr val="lt1"/>
+    </dgm:fillClrLst>
+    <dgm:linClrLst meth="repeat">
+      <a:schemeClr val="accent1"/>
+    </dgm:linClrLst>
+    <dgm:effectClrLst/>
+    <dgm:txLinClrLst/>
+    <dgm:txFillClrLst meth="repeat">
+      <a:schemeClr val="dk1"/>
+    </dgm:txFillClrLst>
+    <dgm:txEffectClrLst/>
+  </dgm:styleLbl>
+  <dgm:styleLbl name="fgAccFollowNode1">
+    <dgm:fillClrLst meth="repeat">
+      <a:schemeClr val="accent1">
+        <a:alpha val="90000"/>
+        <a:tint val="40000"/>
+      </a:schemeClr>
+    </dgm:fillClrLst>
+    <dgm:linClrLst meth="repeat">
+      <a:schemeClr val="accent1">
+        <a:alpha val="90000"/>
+        <a:tint val="40000"/>
+      </a:schemeClr>
+    </dgm:linClrLst>
+    <dgm:effectClrLst/>
+    <dgm:txLinClrLst/>
+    <dgm:txFillClrLst meth="repeat">
+      <a:schemeClr val="dk1"/>
+    </dgm:txFillClrLst>
+    <dgm:txEffectClrLst/>
+  </dgm:styleLbl>
+  <dgm:styleLbl name="alignAccFollowNode1">
+    <dgm:fillClrLst meth="repeat">
+      <a:schemeClr val="accent1">
+        <a:alpha val="90000"/>
+        <a:tint val="40000"/>
+      </a:schemeClr>
+    </dgm:fillClrLst>
+    <dgm:linClrLst meth="repeat">
+      <a:schemeClr val="accent1">
+        <a:alpha val="90000"/>
+        <a:tint val="40000"/>
+      </a:schemeClr>
+    </dgm:linClrLst>
+    <dgm:effectClrLst/>
+    <dgm:txLinClrLst/>
+    <dgm:txFillClrLst meth="repeat">
+      <a:schemeClr val="dk1"/>
+    </dgm:txFillClrLst>
+    <dgm:txEffectClrLst/>
+  </dgm:styleLbl>
+  <dgm:styleLbl name="bgAccFollowNode1">
+    <dgm:fillClrLst meth="repeat">
+      <a:schemeClr val="accent1">
+        <a:alpha val="90000"/>
+        <a:tint val="40000"/>
+      </a:schemeClr>
+    </dgm:fillClrLst>
+    <dgm:linClrLst meth="repeat">
+      <a:schemeClr val="accent1">
+        <a:alpha val="90000"/>
+        <a:tint val="40000"/>
+      </a:schemeClr>
+    </dgm:linClrLst>
+    <dgm:effectClrLst/>
+    <dgm:txLinClrLst/>
+    <dgm:txFillClrLst meth="repeat">
+      <a:schemeClr val="dk1"/>
+    </dgm:txFillClrLst>
+    <dgm:txEffectClrLst/>
+  </dgm:styleLbl>
+  <dgm:styleLbl name="fgAcc0">
+    <dgm:fillClrLst meth="repeat">
+      <a:schemeClr val="lt1">
+        <a:alpha val="90000"/>
+      </a:schemeClr>
+    </dgm:fillClrLst>
+    <dgm:linClrLst meth="repeat">
+      <a:schemeClr val="accent1"/>
+    </dgm:linClrLst>
+    <dgm:effectClrLst/>
+    <dgm:txLinClrLst/>
+    <dgm:txFillClrLst meth="repeat">
+      <a:schemeClr val="dk1"/>
+    </dgm:txFillClrLst>
+    <dgm:txEffectClrLst/>
+  </dgm:styleLbl>
+  <dgm:styleLbl name="fgAcc2">
+    <dgm:fillClrLst meth="repeat">
+      <a:schemeClr val="lt1">
+        <a:alpha val="90000"/>
+      </a:schemeClr>
+    </dgm:fillClrLst>
+    <dgm:linClrLst meth="repeat">
+      <a:schemeClr val="accent1"/>
+    </dgm:linClrLst>
+    <dgm:effectClrLst/>
+    <dgm:txLinClrLst/>
+    <dgm:txFillClrLst meth="repeat">
+      <a:schemeClr val="dk1"/>
+    </dgm:txFillClrLst>
+    <dgm:txEffectClrLst/>
+  </dgm:styleLbl>
+  <dgm:styleLbl name="fgAcc3">
+    <dgm:fillClrLst meth="repeat">
+      <a:schemeClr val="lt1">
+        <a:alpha val="90000"/>
+      </a:schemeClr>
+    </dgm:fillClrLst>
+    <dgm:linClrLst meth="repeat">
+      <a:schemeClr val="accent1"/>
+    </dgm:linClrLst>
+    <dgm:effectClrLst/>
+    <dgm:txLinClrLst/>
+    <dgm:txFillClrLst meth="repeat">
+      <a:schemeClr val="dk1"/>
+    </dgm:txFillClrLst>
+    <dgm:txEffectClrLst/>
+  </dgm:styleLbl>
+  <dgm:styleLbl name="fgAcc4">
+    <dgm:fillClrLst meth="repeat">
+      <a:schemeClr val="lt1">
+        <a:alpha val="90000"/>
+      </a:schemeClr>
+    </dgm:fillClrLst>
+    <dgm:linClrLst meth="repeat">
+      <a:schemeClr val="accent1"/>
+    </dgm:linClrLst>
+    <dgm:effectClrLst/>
+    <dgm:txLinClrLst/>
+    <dgm:txFillClrLst meth="repeat">
+      <a:schemeClr val="dk1"/>
+    </dgm:txFillClrLst>
+    <dgm:txEffectClrLst/>
+  </dgm:styleLbl>
+  <dgm:styleLbl name="bgShp">
+    <dgm:fillClrLst meth="repeat">
+      <a:schemeClr val="accent1">
+        <a:tint val="40000"/>
+      </a:schemeClr>
+    </dgm:fillClrLst>
+    <dgm:linClrLst meth="repeat">
+      <a:schemeClr val="accent1"/>
+    </dgm:linClrLst>
+    <dgm:effectClrLst/>
+    <dgm:txLinClrLst/>
+    <dgm:txFillClrLst meth="repeat">
+      <a:schemeClr val="dk1"/>
+    </dgm:txFillClrLst>
+    <dgm:txEffectClrLst/>
+  </dgm:styleLbl>
+  <dgm:styleLbl name="dkBgShp">
+    <dgm:fillClrLst meth="repeat">
+      <a:schemeClr val="accent1">
+        <a:shade val="80000"/>
+      </a:schemeClr>
+    </dgm:fillClrLst>
+    <dgm:linClrLst meth="repeat">
+      <a:schemeClr val="accent1"/>
+    </dgm:linClrLst>
+    <dgm:effectClrLst/>
+    <dgm:txLinClrLst/>
+    <dgm:txFillClrLst meth="repeat">
+      <a:schemeClr val="lt1"/>
+    </dgm:txFillClrLst>
+    <dgm:txEffectClrLst/>
+  </dgm:styleLbl>
+  <dgm:styleLbl name="trBgShp">
+    <dgm:fillClrLst meth="repeat">
+      <a:schemeClr val="accent1">
+        <a:tint val="50000"/>
+        <a:alpha val="40000"/>
+      </a:schemeClr>
+    </dgm:fillClrLst>
+    <dgm:linClrLst meth="repeat">
+      <a:schemeClr val="accent1"/>
+    </dgm:linClrLst>
+    <dgm:effectClrLst/>
+    <dgm:txLinClrLst/>
+    <dgm:txFillClrLst meth="repeat">
+      <a:schemeClr val="lt1"/>
+    </dgm:txFillClrLst>
+    <dgm:txEffectClrLst/>
+  </dgm:styleLbl>
+  <dgm:styleLbl name="fgShp">
+    <dgm:fillClrLst meth="repeat">
+      <a:schemeClr val="accent1">
+        <a:tint val="60000"/>
+      </a:schemeClr>
+    </dgm:fillClrLst>
+    <dgm:linClrLst meth="repeat">
+      <a:schemeClr val="lt1"/>
+    </dgm:linClrLst>
+    <dgm:effectClrLst/>
+    <dgm:txLinClrLst/>
+    <dgm:txFillClrLst meth="repeat">
+      <a:schemeClr val="dk1"/>
+    </dgm:txFillClrLst>
+    <dgm:txEffectClrLst/>
+  </dgm:styleLbl>
+  <dgm:styleLbl name="revTx">
+    <dgm:fillClrLst meth="repeat">
+      <a:schemeClr val="lt1">
+        <a:alpha val="0"/>
+      </a:schemeClr>
+    </dgm:fillClrLst>
+    <dgm:linClrLst meth="repeat">
+      <a:schemeClr val="dk1">
+        <a:alpha val="0"/>
+      </a:schemeClr>
+    </dgm:linClrLst>
+    <dgm:effectClrLst/>
+    <dgm:txLinClrLst/>
+    <dgm:txFillClrLst meth="repeat">
+      <a:schemeClr val="tx1"/>
+    </dgm:txFillClrLst>
+    <dgm:txEffectClrLst/>
+  </dgm:styleLbl>
+</dgm:colorsDef>
+</file>
+
 <file path=ppt/diagrams/data1.xml><?xml version="1.0" encoding="utf-8"?>
 <dgm:dataModel xmlns:dgm="http://schemas.openxmlformats.org/drawingml/2006/diagram" xmlns:a="http://schemas.openxmlformats.org/drawingml/2006/main">
   <dgm:ptLst>
@@ -2446,7 +3201,7 @@
         <a:p>
           <a:r>
             <a:rPr lang="en-US" dirty="0"/>
-            <a:t>Large Code Base</a:t>
+            <a:t>Diverse Code Base</a:t>
           </a:r>
         </a:p>
       </dgm:t>
@@ -4086,9 +4841,9 @@
     <dgm:cxn modelId="{86B54DD6-50CA-4D9D-8B28-D22E69619FF3}" type="presOf" srcId="{6BAA7D0D-B50F-44BF-AC90-F1DB6E35224E}" destId="{884A3916-AC02-45CD-969B-6D1E01E7441D}" srcOrd="0" destOrd="0" presId="urn:microsoft.com/office/officeart/2008/layout/HorizontalMultiLevelHierarchy"/>
     <dgm:cxn modelId="{D5C389F9-6838-4487-B772-C2C06DE0AF5E}" type="presOf" srcId="{95BE058A-0DA3-46D7-8705-FB8F4DC11A19}" destId="{B6470084-9E17-4B98-9075-EB1D283C48CD}" srcOrd="1" destOrd="0" presId="urn:microsoft.com/office/officeart/2008/layout/HorizontalMultiLevelHierarchy"/>
     <dgm:cxn modelId="{8347FA73-A92D-4403-B20E-AE2FF4D23564}" type="presOf" srcId="{7DA0B900-2625-43D3-87C7-C4CE4E5D448F}" destId="{DFA7C8DE-76D3-4CDE-8664-9642C45B2A9D}" srcOrd="0" destOrd="0" presId="urn:microsoft.com/office/officeart/2008/layout/HorizontalMultiLevelHierarchy"/>
-    <dgm:cxn modelId="{49EC727A-9498-494A-BA3D-23A33B4B4797}" type="presOf" srcId="{ED8BC21D-67D0-4CB3-BB98-C8B54711448F}" destId="{3D38707E-9F36-4AE7-93E1-6EF38A14E982}" srcOrd="0" destOrd="0" presId="urn:microsoft.com/office/officeart/2008/layout/HorizontalMultiLevelHierarchy"/>
     <dgm:cxn modelId="{BD1A8CB3-B76A-4A08-9C88-F7DDCF2FB888}" type="presOf" srcId="{1F94486C-F4B2-4F2E-920D-B596BA11B528}" destId="{74AFFCE3-727C-4D04-AE6E-691517ADF503}" srcOrd="0" destOrd="0" presId="urn:microsoft.com/office/officeart/2008/layout/HorizontalMultiLevelHierarchy"/>
     <dgm:cxn modelId="{E3294D8F-6B90-463C-8024-1B34D4AE64D8}" type="presOf" srcId="{E9021CE1-3E16-4DA7-9414-6BA5E6F8E3A9}" destId="{86E776EB-D7F3-438B-A92F-78D8FF4AE3EB}" srcOrd="0" destOrd="0" presId="urn:microsoft.com/office/officeart/2008/layout/HorizontalMultiLevelHierarchy"/>
+    <dgm:cxn modelId="{49EC727A-9498-494A-BA3D-23A33B4B4797}" type="presOf" srcId="{ED8BC21D-67D0-4CB3-BB98-C8B54711448F}" destId="{3D38707E-9F36-4AE7-93E1-6EF38A14E982}" srcOrd="0" destOrd="0" presId="urn:microsoft.com/office/officeart/2008/layout/HorizontalMultiLevelHierarchy"/>
     <dgm:cxn modelId="{4CC4DF3B-F0CC-4E35-B6EE-3BBB7D3B0E46}" type="presOf" srcId="{5AB7B8BF-A4F2-4DD8-B15C-5A51610B5C8D}" destId="{04E4A07B-366A-46BE-BF19-3D2CA2CC3B55}" srcOrd="1" destOrd="0" presId="urn:microsoft.com/office/officeart/2008/layout/HorizontalMultiLevelHierarchy"/>
     <dgm:cxn modelId="{06611130-7695-442F-8B42-C50D8B0E9CEE}" type="presOf" srcId="{95BE058A-0DA3-46D7-8705-FB8F4DC11A19}" destId="{4EED8A71-032B-4296-B210-E8455511F608}" srcOrd="0" destOrd="0" presId="urn:microsoft.com/office/officeart/2008/layout/HorizontalMultiLevelHierarchy"/>
     <dgm:cxn modelId="{9681D07F-DB91-4898-B3D4-2855D8B35512}" type="presOf" srcId="{5AB7B8BF-A4F2-4DD8-B15C-5A51610B5C8D}" destId="{C84B2B31-2D63-47C1-876A-F781C138D766}" srcOrd="0" destOrd="0" presId="urn:microsoft.com/office/officeart/2008/layout/HorizontalMultiLevelHierarchy"/>
@@ -4174,6 +4929,941 @@
 </dgm:dataModel>
 </file>
 
+<file path=ppt/diagrams/data4.xml><?xml version="1.0" encoding="utf-8"?>
+<dgm:dataModel xmlns:dgm="http://schemas.openxmlformats.org/drawingml/2006/diagram" xmlns:a="http://schemas.openxmlformats.org/drawingml/2006/main">
+  <dgm:ptLst>
+    <dgm:pt modelId="{83E4DED0-C102-410D-9E21-1DD98F0B8AD4}" type="doc">
+      <dgm:prSet loTypeId="urn:microsoft.com/office/officeart/2005/8/layout/hList1" loCatId="list" qsTypeId="urn:microsoft.com/office/officeart/2005/8/quickstyle/simple4" qsCatId="simple" csTypeId="urn:microsoft.com/office/officeart/2005/8/colors/accent1_2" csCatId="accent1" phldr="1"/>
+      <dgm:spPr/>
+      <dgm:t>
+        <a:bodyPr/>
+        <a:lstStyle/>
+        <a:p>
+          <a:endParaRPr lang="en-US"/>
+        </a:p>
+      </dgm:t>
+    </dgm:pt>
+    <dgm:pt modelId="{AAB1AD66-D45D-4407-BF5C-C6B6495F73AA}">
+      <dgm:prSet phldrT="[Text]"/>
+      <dgm:spPr/>
+      <dgm:t>
+        <a:bodyPr/>
+        <a:lstStyle/>
+        <a:p>
+          <a:r>
+            <a:rPr lang="en-US" dirty="0"/>
+            <a:t>Front-End</a:t>
+          </a:r>
+        </a:p>
+      </dgm:t>
+    </dgm:pt>
+    <dgm:pt modelId="{67B3C5AE-1D4F-464F-9781-BC60D36812A9}" type="parTrans" cxnId="{AD759646-2A8F-4420-B726-0CC57FCA0B63}">
+      <dgm:prSet/>
+      <dgm:spPr/>
+      <dgm:t>
+        <a:bodyPr/>
+        <a:lstStyle/>
+        <a:p>
+          <a:endParaRPr lang="en-US"/>
+        </a:p>
+      </dgm:t>
+    </dgm:pt>
+    <dgm:pt modelId="{D0DA8409-7A6F-42BF-AE3C-8A52BCC9F847}" type="sibTrans" cxnId="{AD759646-2A8F-4420-B726-0CC57FCA0B63}">
+      <dgm:prSet/>
+      <dgm:spPr/>
+      <dgm:t>
+        <a:bodyPr/>
+        <a:lstStyle/>
+        <a:p>
+          <a:endParaRPr lang="en-US"/>
+        </a:p>
+      </dgm:t>
+    </dgm:pt>
+    <dgm:pt modelId="{200E0FBE-83E3-42F0-8D46-3D946163700E}">
+      <dgm:prSet phldrT="[Text]"/>
+      <dgm:spPr/>
+      <dgm:t>
+        <a:bodyPr/>
+        <a:lstStyle/>
+        <a:p>
+          <a:r>
+            <a:rPr lang="en-US" dirty="0"/>
+            <a:t>Back-End</a:t>
+          </a:r>
+        </a:p>
+      </dgm:t>
+    </dgm:pt>
+    <dgm:pt modelId="{5D286626-C35B-4717-B9FB-E9DC31DD8354}" type="parTrans" cxnId="{29A30921-46CC-4026-8E5B-0D34F7E774AF}">
+      <dgm:prSet/>
+      <dgm:spPr/>
+      <dgm:t>
+        <a:bodyPr/>
+        <a:lstStyle/>
+        <a:p>
+          <a:endParaRPr lang="en-US"/>
+        </a:p>
+      </dgm:t>
+    </dgm:pt>
+    <dgm:pt modelId="{2327FAA8-3409-4E38-96F6-6650308FB7FE}" type="sibTrans" cxnId="{29A30921-46CC-4026-8E5B-0D34F7E774AF}">
+      <dgm:prSet/>
+      <dgm:spPr/>
+      <dgm:t>
+        <a:bodyPr/>
+        <a:lstStyle/>
+        <a:p>
+          <a:endParaRPr lang="en-US"/>
+        </a:p>
+      </dgm:t>
+    </dgm:pt>
+    <dgm:pt modelId="{51BF2318-0102-41A6-986B-162D8EC24324}">
+      <dgm:prSet/>
+      <dgm:spPr/>
+      <dgm:t>
+        <a:bodyPr/>
+        <a:lstStyle/>
+        <a:p>
+          <a:r>
+            <a:rPr lang="en-US" dirty="0"/>
+            <a:t>HTML</a:t>
+          </a:r>
+        </a:p>
+      </dgm:t>
+    </dgm:pt>
+    <dgm:pt modelId="{06F2AD8C-631D-472D-99E2-21B1101B2E43}" type="parTrans" cxnId="{FF9D34CD-C271-4496-AC9A-9E95A7230D77}">
+      <dgm:prSet/>
+      <dgm:spPr/>
+      <dgm:t>
+        <a:bodyPr/>
+        <a:lstStyle/>
+        <a:p>
+          <a:endParaRPr lang="en-US"/>
+        </a:p>
+      </dgm:t>
+    </dgm:pt>
+    <dgm:pt modelId="{DF553373-4437-4A04-9F5C-126E493A58E1}" type="sibTrans" cxnId="{FF9D34CD-C271-4496-AC9A-9E95A7230D77}">
+      <dgm:prSet/>
+      <dgm:spPr/>
+      <dgm:t>
+        <a:bodyPr/>
+        <a:lstStyle/>
+        <a:p>
+          <a:endParaRPr lang="en-US"/>
+        </a:p>
+      </dgm:t>
+    </dgm:pt>
+    <dgm:pt modelId="{39498846-3DF7-47D2-A8C7-09C2184B3908}">
+      <dgm:prSet/>
+      <dgm:spPr/>
+      <dgm:t>
+        <a:bodyPr/>
+        <a:lstStyle/>
+        <a:p>
+          <a:r>
+            <a:rPr lang="en-US" dirty="0"/>
+            <a:t>CSS</a:t>
+          </a:r>
+        </a:p>
+      </dgm:t>
+    </dgm:pt>
+    <dgm:pt modelId="{2EFC890C-D2FD-4751-BBEE-2D79B91A3C9D}" type="parTrans" cxnId="{ECCF02F3-3AE1-4563-A444-DCA25A239A20}">
+      <dgm:prSet/>
+      <dgm:spPr/>
+      <dgm:t>
+        <a:bodyPr/>
+        <a:lstStyle/>
+        <a:p>
+          <a:endParaRPr lang="en-US"/>
+        </a:p>
+      </dgm:t>
+    </dgm:pt>
+    <dgm:pt modelId="{3C9F18E5-0C98-409B-8390-B807C671BF87}" type="sibTrans" cxnId="{ECCF02F3-3AE1-4563-A444-DCA25A239A20}">
+      <dgm:prSet/>
+      <dgm:spPr/>
+      <dgm:t>
+        <a:bodyPr/>
+        <a:lstStyle/>
+        <a:p>
+          <a:endParaRPr lang="en-US"/>
+        </a:p>
+      </dgm:t>
+    </dgm:pt>
+    <dgm:pt modelId="{9B1F3C53-EF3E-4C23-810D-E0708D057C15}">
+      <dgm:prSet/>
+      <dgm:spPr/>
+      <dgm:t>
+        <a:bodyPr/>
+        <a:lstStyle/>
+        <a:p>
+          <a:r>
+            <a:rPr lang="en-US" dirty="0"/>
+            <a:t>JavaScript</a:t>
+          </a:r>
+        </a:p>
+      </dgm:t>
+    </dgm:pt>
+    <dgm:pt modelId="{F0745345-4440-4528-8344-84049C3EF9C3}" type="parTrans" cxnId="{B7EBAC30-F0FA-49A8-B32D-B03192B8D5E9}">
+      <dgm:prSet/>
+      <dgm:spPr/>
+      <dgm:t>
+        <a:bodyPr/>
+        <a:lstStyle/>
+        <a:p>
+          <a:endParaRPr lang="en-US"/>
+        </a:p>
+      </dgm:t>
+    </dgm:pt>
+    <dgm:pt modelId="{D4215864-1FC1-428F-9647-6B425FE964AF}" type="sibTrans" cxnId="{B7EBAC30-F0FA-49A8-B32D-B03192B8D5E9}">
+      <dgm:prSet/>
+      <dgm:spPr/>
+      <dgm:t>
+        <a:bodyPr/>
+        <a:lstStyle/>
+        <a:p>
+          <a:endParaRPr lang="en-US"/>
+        </a:p>
+      </dgm:t>
+    </dgm:pt>
+    <dgm:pt modelId="{38744C5C-BC64-4907-A672-7A63A8223998}">
+      <dgm:prSet/>
+      <dgm:spPr/>
+      <dgm:t>
+        <a:bodyPr/>
+        <a:lstStyle/>
+        <a:p>
+          <a:r>
+            <a:rPr lang="en-US" dirty="0" err="1"/>
+            <a:t>VisaulForce</a:t>
+          </a:r>
+          <a:endParaRPr lang="en-US" dirty="0"/>
+        </a:p>
+      </dgm:t>
+    </dgm:pt>
+    <dgm:pt modelId="{8F24910B-2B94-4A16-AE80-01B7B15AAFAA}" type="parTrans" cxnId="{5860294B-3400-4D41-BCCB-1F56F0634E76}">
+      <dgm:prSet/>
+      <dgm:spPr/>
+      <dgm:t>
+        <a:bodyPr/>
+        <a:lstStyle/>
+        <a:p>
+          <a:endParaRPr lang="en-US"/>
+        </a:p>
+      </dgm:t>
+    </dgm:pt>
+    <dgm:pt modelId="{0B53F0D2-AE1F-4E77-B6B9-35BD7C1A031D}" type="sibTrans" cxnId="{5860294B-3400-4D41-BCCB-1F56F0634E76}">
+      <dgm:prSet/>
+      <dgm:spPr/>
+      <dgm:t>
+        <a:bodyPr/>
+        <a:lstStyle/>
+        <a:p>
+          <a:endParaRPr lang="en-US"/>
+        </a:p>
+      </dgm:t>
+    </dgm:pt>
+    <dgm:pt modelId="{E8E05644-9864-45E4-9558-02C7DBDBC8FB}">
+      <dgm:prSet/>
+      <dgm:spPr/>
+      <dgm:t>
+        <a:bodyPr/>
+        <a:lstStyle/>
+        <a:p>
+          <a:r>
+            <a:rPr lang="en-US" dirty="0" err="1"/>
+            <a:t>Jquery</a:t>
+          </a:r>
+          <a:endParaRPr lang="en-US" dirty="0"/>
+        </a:p>
+      </dgm:t>
+    </dgm:pt>
+    <dgm:pt modelId="{A205A3A5-6F89-4AE5-BBED-18560D04A658}" type="parTrans" cxnId="{B00DBAAB-B5BF-4459-ADD8-3E85395381B7}">
+      <dgm:prSet/>
+      <dgm:spPr/>
+      <dgm:t>
+        <a:bodyPr/>
+        <a:lstStyle/>
+        <a:p>
+          <a:endParaRPr lang="en-US"/>
+        </a:p>
+      </dgm:t>
+    </dgm:pt>
+    <dgm:pt modelId="{1FE41B29-5295-4135-BF9F-D3CD3FE14712}" type="sibTrans" cxnId="{B00DBAAB-B5BF-4459-ADD8-3E85395381B7}">
+      <dgm:prSet/>
+      <dgm:spPr/>
+      <dgm:t>
+        <a:bodyPr/>
+        <a:lstStyle/>
+        <a:p>
+          <a:endParaRPr lang="en-US"/>
+        </a:p>
+      </dgm:t>
+    </dgm:pt>
+    <dgm:pt modelId="{9C889853-D96B-4500-976F-7743D2C26634}">
+      <dgm:prSet/>
+      <dgm:spPr/>
+      <dgm:t>
+        <a:bodyPr/>
+        <a:lstStyle/>
+        <a:p>
+          <a:r>
+            <a:rPr lang="en-US" dirty="0"/>
+            <a:t>Data Tables Plugin</a:t>
+          </a:r>
+        </a:p>
+      </dgm:t>
+    </dgm:pt>
+    <dgm:pt modelId="{80A68447-F60F-4B75-A37A-1FFA126EB20F}" type="parTrans" cxnId="{C239930F-408A-4BFA-B715-E9E2A174EA72}">
+      <dgm:prSet/>
+      <dgm:spPr/>
+      <dgm:t>
+        <a:bodyPr/>
+        <a:lstStyle/>
+        <a:p>
+          <a:endParaRPr lang="en-US"/>
+        </a:p>
+      </dgm:t>
+    </dgm:pt>
+    <dgm:pt modelId="{98BB5B1D-B48B-4888-BEEF-FA2A138ADE3C}" type="sibTrans" cxnId="{C239930F-408A-4BFA-B715-E9E2A174EA72}">
+      <dgm:prSet/>
+      <dgm:spPr/>
+      <dgm:t>
+        <a:bodyPr/>
+        <a:lstStyle/>
+        <a:p>
+          <a:endParaRPr lang="en-US"/>
+        </a:p>
+      </dgm:t>
+    </dgm:pt>
+    <dgm:pt modelId="{C312B871-5F62-4B4D-9BB1-C13894730A8E}">
+      <dgm:prSet/>
+      <dgm:spPr/>
+      <dgm:t>
+        <a:bodyPr/>
+        <a:lstStyle/>
+        <a:p>
+          <a:r>
+            <a:rPr lang="en-US" dirty="0"/>
+            <a:t>AngularJS</a:t>
+          </a:r>
+        </a:p>
+      </dgm:t>
+    </dgm:pt>
+    <dgm:pt modelId="{CB1E8351-ECE3-4B39-86FF-814002D9A373}" type="parTrans" cxnId="{64593871-02EF-42E8-9211-4209A1D46FA4}">
+      <dgm:prSet/>
+      <dgm:spPr/>
+      <dgm:t>
+        <a:bodyPr/>
+        <a:lstStyle/>
+        <a:p>
+          <a:endParaRPr lang="en-US"/>
+        </a:p>
+      </dgm:t>
+    </dgm:pt>
+    <dgm:pt modelId="{2ED824BD-C4D0-483E-84BC-8D9CAE2B7F33}" type="sibTrans" cxnId="{64593871-02EF-42E8-9211-4209A1D46FA4}">
+      <dgm:prSet/>
+      <dgm:spPr/>
+      <dgm:t>
+        <a:bodyPr/>
+        <a:lstStyle/>
+        <a:p>
+          <a:endParaRPr lang="en-US"/>
+        </a:p>
+      </dgm:t>
+    </dgm:pt>
+    <dgm:pt modelId="{41745A8A-2E44-486F-B16D-089C7027B39A}">
+      <dgm:prSet/>
+      <dgm:spPr/>
+      <dgm:t>
+        <a:bodyPr/>
+        <a:lstStyle/>
+        <a:p>
+          <a:r>
+            <a:rPr lang="en-US" dirty="0"/>
+            <a:t>Salesforce Ajax Toolkit (REST API)</a:t>
+          </a:r>
+        </a:p>
+      </dgm:t>
+    </dgm:pt>
+    <dgm:pt modelId="{34C95D74-DC43-4964-999F-0EFA3201BC22}" type="parTrans" cxnId="{0DDFC1FE-B569-4BF4-867B-99449B0618B0}">
+      <dgm:prSet/>
+      <dgm:spPr/>
+      <dgm:t>
+        <a:bodyPr/>
+        <a:lstStyle/>
+        <a:p>
+          <a:endParaRPr lang="en-US"/>
+        </a:p>
+      </dgm:t>
+    </dgm:pt>
+    <dgm:pt modelId="{B9648689-F4FB-4646-9261-0D025ECF0C39}" type="sibTrans" cxnId="{0DDFC1FE-B569-4BF4-867B-99449B0618B0}">
+      <dgm:prSet/>
+      <dgm:spPr/>
+      <dgm:t>
+        <a:bodyPr/>
+        <a:lstStyle/>
+        <a:p>
+          <a:endParaRPr lang="en-US"/>
+        </a:p>
+      </dgm:t>
+    </dgm:pt>
+    <dgm:pt modelId="{56FB372E-3ED5-4E42-B6D7-3B103531B363}">
+      <dgm:prSet phldrT="[Text]"/>
+      <dgm:spPr/>
+      <dgm:t>
+        <a:bodyPr/>
+        <a:lstStyle/>
+        <a:p>
+          <a:r>
+            <a:rPr lang="en-US" dirty="0"/>
+            <a:t>Apex</a:t>
+          </a:r>
+        </a:p>
+      </dgm:t>
+    </dgm:pt>
+    <dgm:pt modelId="{DA4A3B2A-2355-4679-B601-19E18CA389B2}" type="parTrans" cxnId="{2FF8BCAA-7624-44B5-B767-1C0F0BC67ABC}">
+      <dgm:prSet/>
+      <dgm:spPr/>
+      <dgm:t>
+        <a:bodyPr/>
+        <a:lstStyle/>
+        <a:p>
+          <a:endParaRPr lang="en-US"/>
+        </a:p>
+      </dgm:t>
+    </dgm:pt>
+    <dgm:pt modelId="{F6B98DF5-6244-4879-95E0-523BCDEDE7F2}" type="sibTrans" cxnId="{2FF8BCAA-7624-44B5-B767-1C0F0BC67ABC}">
+      <dgm:prSet/>
+      <dgm:spPr/>
+      <dgm:t>
+        <a:bodyPr/>
+        <a:lstStyle/>
+        <a:p>
+          <a:endParaRPr lang="en-US"/>
+        </a:p>
+      </dgm:t>
+    </dgm:pt>
+    <dgm:pt modelId="{D02C43E6-BEDC-4FE4-A04C-2ECF5E021154}">
+      <dgm:prSet phldrT="[Text]"/>
+      <dgm:spPr/>
+      <dgm:t>
+        <a:bodyPr/>
+        <a:lstStyle/>
+        <a:p>
+          <a:r>
+            <a:rPr lang="en-US" dirty="0"/>
+            <a:t>SOQL</a:t>
+          </a:r>
+        </a:p>
+      </dgm:t>
+    </dgm:pt>
+    <dgm:pt modelId="{C265E120-3D44-4ADC-8BBB-C01719D61DE7}" type="parTrans" cxnId="{39C5E853-DB5C-4D08-ACD0-D04803357029}">
+      <dgm:prSet/>
+      <dgm:spPr/>
+      <dgm:t>
+        <a:bodyPr/>
+        <a:lstStyle/>
+        <a:p>
+          <a:endParaRPr lang="en-US"/>
+        </a:p>
+      </dgm:t>
+    </dgm:pt>
+    <dgm:pt modelId="{922F564A-41A5-422E-BD57-8AC0E340A14B}" type="sibTrans" cxnId="{39C5E853-DB5C-4D08-ACD0-D04803357029}">
+      <dgm:prSet/>
+      <dgm:spPr/>
+      <dgm:t>
+        <a:bodyPr/>
+        <a:lstStyle/>
+        <a:p>
+          <a:endParaRPr lang="en-US"/>
+        </a:p>
+      </dgm:t>
+    </dgm:pt>
+    <dgm:pt modelId="{F4B5EDE9-B292-405A-8745-D8FCC5F6FF82}">
+      <dgm:prSet phldrT="[Text]"/>
+      <dgm:spPr/>
+      <dgm:t>
+        <a:bodyPr/>
+        <a:lstStyle/>
+        <a:p>
+          <a:r>
+            <a:rPr lang="en-US" dirty="0"/>
+            <a:t>Triggers</a:t>
+          </a:r>
+        </a:p>
+      </dgm:t>
+    </dgm:pt>
+    <dgm:pt modelId="{51223421-01A1-4AE5-AFC8-0837793A9931}" type="parTrans" cxnId="{2A6F220C-D74A-4789-AAE1-0A988C19AA3D}">
+      <dgm:prSet/>
+      <dgm:spPr/>
+      <dgm:t>
+        <a:bodyPr/>
+        <a:lstStyle/>
+        <a:p>
+          <a:endParaRPr lang="en-US"/>
+        </a:p>
+      </dgm:t>
+    </dgm:pt>
+    <dgm:pt modelId="{4D8444F1-4B4E-4FF0-859A-BBDB03B181A8}" type="sibTrans" cxnId="{2A6F220C-D74A-4789-AAE1-0A988C19AA3D}">
+      <dgm:prSet/>
+      <dgm:spPr/>
+      <dgm:t>
+        <a:bodyPr/>
+        <a:lstStyle/>
+        <a:p>
+          <a:endParaRPr lang="en-US"/>
+        </a:p>
+      </dgm:t>
+    </dgm:pt>
+    <dgm:pt modelId="{EF5F6A81-6161-4F75-83E3-385BACD7AD7A}">
+      <dgm:prSet/>
+      <dgm:spPr/>
+      <dgm:t>
+        <a:bodyPr/>
+        <a:lstStyle/>
+        <a:p>
+          <a:r>
+            <a:rPr lang="en-US" dirty="0"/>
+            <a:t>Bootstrap</a:t>
+          </a:r>
+        </a:p>
+      </dgm:t>
+    </dgm:pt>
+    <dgm:pt modelId="{F1E8B83F-324D-4288-8DDA-72590065AF15}" type="parTrans" cxnId="{041B9092-6638-4B68-8214-3FA83A1FF8F4}">
+      <dgm:prSet/>
+      <dgm:spPr/>
+      <dgm:t>
+        <a:bodyPr/>
+        <a:lstStyle/>
+        <a:p>
+          <a:endParaRPr lang="en-US"/>
+        </a:p>
+      </dgm:t>
+    </dgm:pt>
+    <dgm:pt modelId="{6163DBF6-C564-4576-9A5E-08BD7DC7C47C}" type="sibTrans" cxnId="{041B9092-6638-4B68-8214-3FA83A1FF8F4}">
+      <dgm:prSet/>
+      <dgm:spPr/>
+      <dgm:t>
+        <a:bodyPr/>
+        <a:lstStyle/>
+        <a:p>
+          <a:endParaRPr lang="en-US"/>
+        </a:p>
+      </dgm:t>
+    </dgm:pt>
+    <dgm:pt modelId="{98F8A4B4-167F-4CF7-BF96-61DB8FA07D23}">
+      <dgm:prSet phldrT="[Text]"/>
+      <dgm:spPr/>
+      <dgm:t>
+        <a:bodyPr/>
+        <a:lstStyle/>
+        <a:p>
+          <a:r>
+            <a:rPr lang="en-US" dirty="0"/>
+            <a:t>Unit Testing</a:t>
+          </a:r>
+        </a:p>
+      </dgm:t>
+    </dgm:pt>
+    <dgm:pt modelId="{4CD1D270-0901-4E5E-8B3E-D90BA80C7A81}" type="parTrans" cxnId="{F4099D85-A9E2-4427-B3D1-5FF3CD7C3674}">
+      <dgm:prSet/>
+      <dgm:spPr/>
+      <dgm:t>
+        <a:bodyPr/>
+        <a:lstStyle/>
+        <a:p>
+          <a:endParaRPr lang="en-US"/>
+        </a:p>
+      </dgm:t>
+    </dgm:pt>
+    <dgm:pt modelId="{B23E1952-81C6-4394-A97C-8949CC73DA02}" type="sibTrans" cxnId="{F4099D85-A9E2-4427-B3D1-5FF3CD7C3674}">
+      <dgm:prSet/>
+      <dgm:spPr/>
+      <dgm:t>
+        <a:bodyPr/>
+        <a:lstStyle/>
+        <a:p>
+          <a:endParaRPr lang="en-US"/>
+        </a:p>
+      </dgm:t>
+    </dgm:pt>
+    <dgm:pt modelId="{10B6F8E1-A1B7-4A1F-9B42-2AC5B35D77E2}">
+      <dgm:prSet/>
+      <dgm:spPr/>
+      <dgm:t>
+        <a:bodyPr/>
+        <a:lstStyle/>
+        <a:p>
+          <a:r>
+            <a:rPr lang="en-US" dirty="0"/>
+            <a:t>JSON</a:t>
+          </a:r>
+        </a:p>
+      </dgm:t>
+    </dgm:pt>
+    <dgm:pt modelId="{0DC05C56-04C9-4B48-A85C-ECD801A25AD2}" type="parTrans" cxnId="{814243C9-2A94-4441-A56E-F40AC1893AB1}">
+      <dgm:prSet/>
+      <dgm:spPr/>
+      <dgm:t>
+        <a:bodyPr/>
+        <a:lstStyle/>
+        <a:p>
+          <a:endParaRPr lang="en-US"/>
+        </a:p>
+      </dgm:t>
+    </dgm:pt>
+    <dgm:pt modelId="{B6E8F449-098E-49B2-A15A-4BA538C782CB}" type="sibTrans" cxnId="{814243C9-2A94-4441-A56E-F40AC1893AB1}">
+      <dgm:prSet/>
+      <dgm:spPr/>
+      <dgm:t>
+        <a:bodyPr/>
+        <a:lstStyle/>
+        <a:p>
+          <a:endParaRPr lang="en-US"/>
+        </a:p>
+      </dgm:t>
+    </dgm:pt>
+    <dgm:pt modelId="{725D7DCF-93AE-4A52-95ED-E155DBCA7BDF}">
+      <dgm:prSet phldrT="[Text]"/>
+      <dgm:spPr/>
+      <dgm:t>
+        <a:bodyPr/>
+        <a:lstStyle/>
+        <a:p>
+          <a:r>
+            <a:rPr lang="en-US" dirty="0"/>
+            <a:t>Applications</a:t>
+          </a:r>
+        </a:p>
+      </dgm:t>
+    </dgm:pt>
+    <dgm:pt modelId="{1945638D-D711-48C5-8A33-3B229B84F2FD}" type="parTrans" cxnId="{0A27F702-823E-4241-A970-CEA027F00BEA}">
+      <dgm:prSet/>
+      <dgm:spPr/>
+    </dgm:pt>
+    <dgm:pt modelId="{5957B2D3-C4CE-4253-B403-15CC8BDC2433}" type="sibTrans" cxnId="{0A27F702-823E-4241-A970-CEA027F00BEA}">
+      <dgm:prSet/>
+      <dgm:spPr/>
+    </dgm:pt>
+    <dgm:pt modelId="{9FFC4EE8-6B36-433B-8526-D52120EC14A7}">
+      <dgm:prSet phldrT="[Text]"/>
+      <dgm:spPr/>
+      <dgm:t>
+        <a:bodyPr/>
+        <a:lstStyle/>
+        <a:p>
+          <a:r>
+            <a:rPr lang="en-US" dirty="0"/>
+            <a:t>Salesforce </a:t>
+          </a:r>
+          <a:r>
+            <a:rPr lang="en-US" dirty="0" err="1"/>
+            <a:t>Adminstration</a:t>
+          </a:r>
+          <a:endParaRPr lang="en-US" dirty="0"/>
+        </a:p>
+      </dgm:t>
+    </dgm:pt>
+    <dgm:pt modelId="{D425FEB1-66BC-4ABD-B81B-261713C032FD}" type="parTrans" cxnId="{76B70D95-0521-41BF-97C3-ADD2BE92FF95}">
+      <dgm:prSet/>
+      <dgm:spPr/>
+    </dgm:pt>
+    <dgm:pt modelId="{52124075-E042-4FD3-9288-DC4DC0958AB4}" type="sibTrans" cxnId="{76B70D95-0521-41BF-97C3-ADD2BE92FF95}">
+      <dgm:prSet/>
+      <dgm:spPr/>
+    </dgm:pt>
+    <dgm:pt modelId="{7054D06F-AB30-4FB6-8103-F657DC6808D6}">
+      <dgm:prSet phldrT="[Text]"/>
+      <dgm:spPr/>
+      <dgm:t>
+        <a:bodyPr/>
+        <a:lstStyle/>
+        <a:p>
+          <a:r>
+            <a:rPr lang="en-US" dirty="0"/>
+            <a:t>Excel</a:t>
+          </a:r>
+        </a:p>
+      </dgm:t>
+    </dgm:pt>
+    <dgm:pt modelId="{69A012B9-91EF-4E0F-BAFE-856F3C899724}" type="parTrans" cxnId="{2B51BB2A-80EA-4752-AF77-835EA450DFC9}">
+      <dgm:prSet/>
+      <dgm:spPr/>
+    </dgm:pt>
+    <dgm:pt modelId="{E459C357-4BFA-4E2E-A5F0-7BE1BD530887}" type="sibTrans" cxnId="{2B51BB2A-80EA-4752-AF77-835EA450DFC9}">
+      <dgm:prSet/>
+      <dgm:spPr/>
+    </dgm:pt>
+    <dgm:pt modelId="{A8F1ACFC-0AFF-42E0-96DF-D33BC67906D6}">
+      <dgm:prSet phldrT="[Text]"/>
+      <dgm:spPr/>
+      <dgm:t>
+        <a:bodyPr/>
+        <a:lstStyle/>
+        <a:p>
+          <a:r>
+            <a:rPr lang="en-US" dirty="0"/>
+            <a:t>Data Loader IO</a:t>
+          </a:r>
+        </a:p>
+      </dgm:t>
+    </dgm:pt>
+    <dgm:pt modelId="{68DFC5C5-CDDD-4AA3-AC6B-75D592227015}" type="parTrans" cxnId="{B9D09074-DD26-4994-B9B1-C26036A1A4A6}">
+      <dgm:prSet/>
+      <dgm:spPr/>
+    </dgm:pt>
+    <dgm:pt modelId="{E9E7FABE-EEC2-4DAF-BDD9-401CD4DFB4FD}" type="sibTrans" cxnId="{B9D09074-DD26-4994-B9B1-C26036A1A4A6}">
+      <dgm:prSet/>
+      <dgm:spPr/>
+    </dgm:pt>
+    <dgm:pt modelId="{B9C6DCC6-92CF-45EF-B261-7CF890938BA3}">
+      <dgm:prSet phldrT="[Text]"/>
+      <dgm:spPr/>
+      <dgm:t>
+        <a:bodyPr/>
+        <a:lstStyle/>
+        <a:p>
+          <a:r>
+            <a:rPr lang="en-US" dirty="0" err="1"/>
+            <a:t>Gearset</a:t>
+          </a:r>
+          <a:r>
+            <a:rPr lang="en-US" dirty="0"/>
+            <a:t> Deployments</a:t>
+          </a:r>
+        </a:p>
+      </dgm:t>
+    </dgm:pt>
+    <dgm:pt modelId="{BD75E16C-034A-43F6-AEB8-D9CA27BA38E8}" type="parTrans" cxnId="{E93D844A-6F8C-4B03-8C56-C01D2F2897B1}">
+      <dgm:prSet/>
+      <dgm:spPr/>
+    </dgm:pt>
+    <dgm:pt modelId="{0A539A62-B65F-4F89-AA85-B5C266C57354}" type="sibTrans" cxnId="{E93D844A-6F8C-4B03-8C56-C01D2F2897B1}">
+      <dgm:prSet/>
+      <dgm:spPr/>
+    </dgm:pt>
+    <dgm:pt modelId="{35E98205-8BFC-466B-B915-AB4137FDA4F7}">
+      <dgm:prSet phldrT="[Text]"/>
+      <dgm:spPr/>
+      <dgm:t>
+        <a:bodyPr/>
+        <a:lstStyle/>
+        <a:p>
+          <a:r>
+            <a:rPr lang="en-US" dirty="0" err="1"/>
+            <a:t>Github</a:t>
+          </a:r>
+          <a:endParaRPr lang="en-US" dirty="0"/>
+        </a:p>
+      </dgm:t>
+    </dgm:pt>
+    <dgm:pt modelId="{0707C13E-009C-40FB-9031-85351EF04536}" type="parTrans" cxnId="{87226183-2261-42CE-A6A3-3CB876A231C3}">
+      <dgm:prSet/>
+      <dgm:spPr/>
+    </dgm:pt>
+    <dgm:pt modelId="{0187EB27-2057-4935-9E0E-78298047F72B}" type="sibTrans" cxnId="{87226183-2261-42CE-A6A3-3CB876A231C3}">
+      <dgm:prSet/>
+      <dgm:spPr/>
+    </dgm:pt>
+    <dgm:pt modelId="{D5DA8B52-7D62-4670-A8FA-FE25399F37E5}">
+      <dgm:prSet phldrT="[Text]"/>
+      <dgm:spPr/>
+      <dgm:t>
+        <a:bodyPr/>
+        <a:lstStyle/>
+        <a:p>
+          <a:r>
+            <a:rPr lang="en-US" dirty="0"/>
+            <a:t>Atom Text Editor</a:t>
+          </a:r>
+        </a:p>
+      </dgm:t>
+    </dgm:pt>
+    <dgm:pt modelId="{5F528E83-67A4-43E8-9530-9813FF0454E5}" type="parTrans" cxnId="{067399C2-5D73-402C-BF0E-979C81DB43A1}">
+      <dgm:prSet/>
+      <dgm:spPr/>
+    </dgm:pt>
+    <dgm:pt modelId="{491D76D7-6A5B-4CD4-9357-440A92CD1A07}" type="sibTrans" cxnId="{067399C2-5D73-402C-BF0E-979C81DB43A1}">
+      <dgm:prSet/>
+      <dgm:spPr/>
+    </dgm:pt>
+    <dgm:pt modelId="{26D58E02-94D7-40AC-83F5-0CD028CC40B3}">
+      <dgm:prSet phldrT="[Text]"/>
+      <dgm:spPr/>
+      <dgm:t>
+        <a:bodyPr/>
+        <a:lstStyle/>
+        <a:p>
+          <a:r>
+            <a:rPr lang="en-US" dirty="0"/>
+            <a:t>Maven’s Mate SFDC add-on</a:t>
+          </a:r>
+        </a:p>
+      </dgm:t>
+    </dgm:pt>
+    <dgm:pt modelId="{B4597663-EFFD-4B92-BE8C-E0D8B5B0F821}" type="parTrans" cxnId="{337228F8-FECF-48C8-8AD1-FC6C9B6428B8}">
+      <dgm:prSet/>
+      <dgm:spPr/>
+    </dgm:pt>
+    <dgm:pt modelId="{076B6721-A43E-4EBC-B370-B4570D4B4DE3}" type="sibTrans" cxnId="{337228F8-FECF-48C8-8AD1-FC6C9B6428B8}">
+      <dgm:prSet/>
+      <dgm:spPr/>
+    </dgm:pt>
+    <dgm:pt modelId="{304F1C19-6C65-49A2-812C-A3EDAA440B07}" type="pres">
+      <dgm:prSet presAssocID="{83E4DED0-C102-410D-9E21-1DD98F0B8AD4}" presName="Name0" presStyleCnt="0">
+        <dgm:presLayoutVars>
+          <dgm:dir/>
+          <dgm:animLvl val="lvl"/>
+          <dgm:resizeHandles val="exact"/>
+        </dgm:presLayoutVars>
+      </dgm:prSet>
+      <dgm:spPr/>
+    </dgm:pt>
+    <dgm:pt modelId="{80862311-817D-471E-93E9-18E6585A1229}" type="pres">
+      <dgm:prSet presAssocID="{AAB1AD66-D45D-4407-BF5C-C6B6495F73AA}" presName="composite" presStyleCnt="0"/>
+      <dgm:spPr/>
+    </dgm:pt>
+    <dgm:pt modelId="{0EAD40F2-6553-4243-8109-F2CAE252D6FD}" type="pres">
+      <dgm:prSet presAssocID="{AAB1AD66-D45D-4407-BF5C-C6B6495F73AA}" presName="parTx" presStyleLbl="alignNode1" presStyleIdx="0" presStyleCnt="3">
+        <dgm:presLayoutVars>
+          <dgm:chMax val="0"/>
+          <dgm:chPref val="0"/>
+          <dgm:bulletEnabled val="1"/>
+        </dgm:presLayoutVars>
+      </dgm:prSet>
+      <dgm:spPr/>
+    </dgm:pt>
+    <dgm:pt modelId="{835C3738-74C4-4D05-99C8-D4A66A42C937}" type="pres">
+      <dgm:prSet presAssocID="{AAB1AD66-D45D-4407-BF5C-C6B6495F73AA}" presName="desTx" presStyleLbl="alignAccFollowNode1" presStyleIdx="0" presStyleCnt="3">
+        <dgm:presLayoutVars>
+          <dgm:bulletEnabled val="1"/>
+        </dgm:presLayoutVars>
+      </dgm:prSet>
+      <dgm:spPr/>
+    </dgm:pt>
+    <dgm:pt modelId="{C30DC6FD-2693-4B5E-947D-8EB4D3FBB6AF}" type="pres">
+      <dgm:prSet presAssocID="{D0DA8409-7A6F-42BF-AE3C-8A52BCC9F847}" presName="space" presStyleCnt="0"/>
+      <dgm:spPr/>
+    </dgm:pt>
+    <dgm:pt modelId="{7051C96F-9F28-4304-B643-7D799CF5B612}" type="pres">
+      <dgm:prSet presAssocID="{200E0FBE-83E3-42F0-8D46-3D946163700E}" presName="composite" presStyleCnt="0"/>
+      <dgm:spPr/>
+    </dgm:pt>
+    <dgm:pt modelId="{70CDA61D-B7AF-4659-AEFF-83700DC83F40}" type="pres">
+      <dgm:prSet presAssocID="{200E0FBE-83E3-42F0-8D46-3D946163700E}" presName="parTx" presStyleLbl="alignNode1" presStyleIdx="1" presStyleCnt="3">
+        <dgm:presLayoutVars>
+          <dgm:chMax val="0"/>
+          <dgm:chPref val="0"/>
+          <dgm:bulletEnabled val="1"/>
+        </dgm:presLayoutVars>
+      </dgm:prSet>
+      <dgm:spPr/>
+    </dgm:pt>
+    <dgm:pt modelId="{4EACBC7E-2486-417E-9192-479408F2490C}" type="pres">
+      <dgm:prSet presAssocID="{200E0FBE-83E3-42F0-8D46-3D946163700E}" presName="desTx" presStyleLbl="alignAccFollowNode1" presStyleIdx="1" presStyleCnt="3">
+        <dgm:presLayoutVars>
+          <dgm:bulletEnabled val="1"/>
+        </dgm:presLayoutVars>
+      </dgm:prSet>
+      <dgm:spPr/>
+    </dgm:pt>
+    <dgm:pt modelId="{C690161B-F61C-4515-BEB1-ADA25AEE229A}" type="pres">
+      <dgm:prSet presAssocID="{2327FAA8-3409-4E38-96F6-6650308FB7FE}" presName="space" presStyleCnt="0"/>
+      <dgm:spPr/>
+    </dgm:pt>
+    <dgm:pt modelId="{88BC2046-9FA2-418A-AF60-2BE611032CD8}" type="pres">
+      <dgm:prSet presAssocID="{725D7DCF-93AE-4A52-95ED-E155DBCA7BDF}" presName="composite" presStyleCnt="0"/>
+      <dgm:spPr/>
+    </dgm:pt>
+    <dgm:pt modelId="{2A16A1E8-399E-48BC-A949-785F170708E4}" type="pres">
+      <dgm:prSet presAssocID="{725D7DCF-93AE-4A52-95ED-E155DBCA7BDF}" presName="parTx" presStyleLbl="alignNode1" presStyleIdx="2" presStyleCnt="3">
+        <dgm:presLayoutVars>
+          <dgm:chMax val="0"/>
+          <dgm:chPref val="0"/>
+          <dgm:bulletEnabled val="1"/>
+        </dgm:presLayoutVars>
+      </dgm:prSet>
+      <dgm:spPr/>
+    </dgm:pt>
+    <dgm:pt modelId="{D47A92D7-51A8-4A56-B0FB-AEB960BD3688}" type="pres">
+      <dgm:prSet presAssocID="{725D7DCF-93AE-4A52-95ED-E155DBCA7BDF}" presName="desTx" presStyleLbl="alignAccFollowNode1" presStyleIdx="2" presStyleCnt="3">
+        <dgm:presLayoutVars>
+          <dgm:bulletEnabled val="1"/>
+        </dgm:presLayoutVars>
+      </dgm:prSet>
+      <dgm:spPr/>
+    </dgm:pt>
+  </dgm:ptLst>
+  <dgm:cxnLst>
+    <dgm:cxn modelId="{B00DBAAB-B5BF-4459-ADD8-3E85395381B7}" srcId="{AAB1AD66-D45D-4407-BF5C-C6B6495F73AA}" destId="{E8E05644-9864-45E4-9558-02C7DBDBC8FB}" srcOrd="4" destOrd="0" parTransId="{A205A3A5-6F89-4AE5-BBED-18560D04A658}" sibTransId="{1FE41B29-5295-4135-BF9F-D3CD3FE14712}"/>
+    <dgm:cxn modelId="{C09DD6F1-720B-4E93-A5D7-4BC845304295}" type="presOf" srcId="{AAB1AD66-D45D-4407-BF5C-C6B6495F73AA}" destId="{0EAD40F2-6553-4243-8109-F2CAE252D6FD}" srcOrd="0" destOrd="0" presId="urn:microsoft.com/office/officeart/2005/8/layout/hList1"/>
+    <dgm:cxn modelId="{A1CB535F-077E-4484-B6B6-D0100222BBD7}" type="presOf" srcId="{38744C5C-BC64-4907-A672-7A63A8223998}" destId="{835C3738-74C4-4D05-99C8-D4A66A42C937}" srcOrd="0" destOrd="0" presId="urn:microsoft.com/office/officeart/2005/8/layout/hList1"/>
+    <dgm:cxn modelId="{067399C2-5D73-402C-BF0E-979C81DB43A1}" srcId="{725D7DCF-93AE-4A52-95ED-E155DBCA7BDF}" destId="{D5DA8B52-7D62-4670-A8FA-FE25399F37E5}" srcOrd="5" destOrd="0" parTransId="{5F528E83-67A4-43E8-9530-9813FF0454E5}" sibTransId="{491D76D7-6A5B-4CD4-9357-440A92CD1A07}"/>
+    <dgm:cxn modelId="{231F5FD5-72F1-471B-AC94-522E6F8BD871}" type="presOf" srcId="{39498846-3DF7-47D2-A8C7-09C2184B3908}" destId="{835C3738-74C4-4D05-99C8-D4A66A42C937}" srcOrd="0" destOrd="2" presId="urn:microsoft.com/office/officeart/2005/8/layout/hList1"/>
+    <dgm:cxn modelId="{814243C9-2A94-4441-A56E-F40AC1893AB1}" srcId="{AAB1AD66-D45D-4407-BF5C-C6B6495F73AA}" destId="{10B6F8E1-A1B7-4A1F-9B42-2AC5B35D77E2}" srcOrd="9" destOrd="0" parTransId="{0DC05C56-04C9-4B48-A85C-ECD801A25AD2}" sibTransId="{B6E8F449-098E-49B2-A15A-4BA538C782CB}"/>
+    <dgm:cxn modelId="{0DDFC1FE-B569-4BF4-867B-99449B0618B0}" srcId="{AAB1AD66-D45D-4407-BF5C-C6B6495F73AA}" destId="{41745A8A-2E44-486F-B16D-089C7027B39A}" srcOrd="7" destOrd="0" parTransId="{34C95D74-DC43-4964-999F-0EFA3201BC22}" sibTransId="{B9648689-F4FB-4646-9261-0D025ECF0C39}"/>
+    <dgm:cxn modelId="{BEA6C240-0468-45F4-B1E5-9E6602C35FC6}" type="presOf" srcId="{F4B5EDE9-B292-405A-8745-D8FCC5F6FF82}" destId="{4EACBC7E-2486-417E-9192-479408F2490C}" srcOrd="0" destOrd="2" presId="urn:microsoft.com/office/officeart/2005/8/layout/hList1"/>
+    <dgm:cxn modelId="{4CB2BB28-189C-4775-9546-D01C8B9E94DF}" type="presOf" srcId="{35E98205-8BFC-466B-B915-AB4137FDA4F7}" destId="{D47A92D7-51A8-4A56-B0FB-AEB960BD3688}" srcOrd="0" destOrd="4" presId="urn:microsoft.com/office/officeart/2005/8/layout/hList1"/>
+    <dgm:cxn modelId="{E93D844A-6F8C-4B03-8C56-C01D2F2897B1}" srcId="{725D7DCF-93AE-4A52-95ED-E155DBCA7BDF}" destId="{B9C6DCC6-92CF-45EF-B261-7CF890938BA3}" srcOrd="3" destOrd="0" parTransId="{BD75E16C-034A-43F6-AEB8-D9CA27BA38E8}" sibTransId="{0A539A62-B65F-4F89-AA85-B5C266C57354}"/>
+    <dgm:cxn modelId="{B9D09074-DD26-4994-B9B1-C26036A1A4A6}" srcId="{725D7DCF-93AE-4A52-95ED-E155DBCA7BDF}" destId="{A8F1ACFC-0AFF-42E0-96DF-D33BC67906D6}" srcOrd="2" destOrd="0" parTransId="{68DFC5C5-CDDD-4AA3-AC6B-75D592227015}" sibTransId="{E9E7FABE-EEC2-4DAF-BDD9-401CD4DFB4FD}"/>
+    <dgm:cxn modelId="{29A30921-46CC-4026-8E5B-0D34F7E774AF}" srcId="{83E4DED0-C102-410D-9E21-1DD98F0B8AD4}" destId="{200E0FBE-83E3-42F0-8D46-3D946163700E}" srcOrd="1" destOrd="0" parTransId="{5D286626-C35B-4717-B9FB-E9DC31DD8354}" sibTransId="{2327FAA8-3409-4E38-96F6-6650308FB7FE}"/>
+    <dgm:cxn modelId="{DC08DB8E-FE99-45D7-81FB-2195E1313943}" type="presOf" srcId="{D02C43E6-BEDC-4FE4-A04C-2ECF5E021154}" destId="{4EACBC7E-2486-417E-9192-479408F2490C}" srcOrd="0" destOrd="1" presId="urn:microsoft.com/office/officeart/2005/8/layout/hList1"/>
+    <dgm:cxn modelId="{2A6F220C-D74A-4789-AAE1-0A988C19AA3D}" srcId="{200E0FBE-83E3-42F0-8D46-3D946163700E}" destId="{F4B5EDE9-B292-405A-8745-D8FCC5F6FF82}" srcOrd="2" destOrd="0" parTransId="{51223421-01A1-4AE5-AFC8-0837793A9931}" sibTransId="{4D8444F1-4B4E-4FF0-859A-BBDB03B181A8}"/>
+    <dgm:cxn modelId="{20F9A779-9489-4974-883F-E63CA44EF186}" type="presOf" srcId="{725D7DCF-93AE-4A52-95ED-E155DBCA7BDF}" destId="{2A16A1E8-399E-48BC-A949-785F170708E4}" srcOrd="0" destOrd="0" presId="urn:microsoft.com/office/officeart/2005/8/layout/hList1"/>
+    <dgm:cxn modelId="{13373E17-831A-4388-BC00-CE94D8224C9B}" type="presOf" srcId="{C312B871-5F62-4B4D-9BB1-C13894730A8E}" destId="{835C3738-74C4-4D05-99C8-D4A66A42C937}" srcOrd="0" destOrd="6" presId="urn:microsoft.com/office/officeart/2005/8/layout/hList1"/>
+    <dgm:cxn modelId="{337228F8-FECF-48C8-8AD1-FC6C9B6428B8}" srcId="{725D7DCF-93AE-4A52-95ED-E155DBCA7BDF}" destId="{26D58E02-94D7-40AC-83F5-0CD028CC40B3}" srcOrd="6" destOrd="0" parTransId="{B4597663-EFFD-4B92-BE8C-E0D8B5B0F821}" sibTransId="{076B6721-A43E-4EBC-B370-B4570D4B4DE3}"/>
+    <dgm:cxn modelId="{0A27F702-823E-4241-A970-CEA027F00BEA}" srcId="{83E4DED0-C102-410D-9E21-1DD98F0B8AD4}" destId="{725D7DCF-93AE-4A52-95ED-E155DBCA7BDF}" srcOrd="2" destOrd="0" parTransId="{1945638D-D711-48C5-8A33-3B229B84F2FD}" sibTransId="{5957B2D3-C4CE-4253-B403-15CC8BDC2433}"/>
+    <dgm:cxn modelId="{0CF9EB40-21F3-497A-A0D6-4292BE04DA7C}" type="presOf" srcId="{10B6F8E1-A1B7-4A1F-9B42-2AC5B35D77E2}" destId="{835C3738-74C4-4D05-99C8-D4A66A42C937}" srcOrd="0" destOrd="9" presId="urn:microsoft.com/office/officeart/2005/8/layout/hList1"/>
+    <dgm:cxn modelId="{C76FB494-36A5-48CD-93E1-F3FD28D9FAC9}" type="presOf" srcId="{A8F1ACFC-0AFF-42E0-96DF-D33BC67906D6}" destId="{D47A92D7-51A8-4A56-B0FB-AEB960BD3688}" srcOrd="0" destOrd="2" presId="urn:microsoft.com/office/officeart/2005/8/layout/hList1"/>
+    <dgm:cxn modelId="{B7EBAC30-F0FA-49A8-B32D-B03192B8D5E9}" srcId="{AAB1AD66-D45D-4407-BF5C-C6B6495F73AA}" destId="{9B1F3C53-EF3E-4C23-810D-E0708D057C15}" srcOrd="3" destOrd="0" parTransId="{F0745345-4440-4528-8344-84049C3EF9C3}" sibTransId="{D4215864-1FC1-428F-9647-6B425FE964AF}"/>
+    <dgm:cxn modelId="{87226183-2261-42CE-A6A3-3CB876A231C3}" srcId="{725D7DCF-93AE-4A52-95ED-E155DBCA7BDF}" destId="{35E98205-8BFC-466B-B915-AB4137FDA4F7}" srcOrd="4" destOrd="0" parTransId="{0707C13E-009C-40FB-9031-85351EF04536}" sibTransId="{0187EB27-2057-4935-9E0E-78298047F72B}"/>
+    <dgm:cxn modelId="{F0F50DEE-1B15-4ACB-8B2F-C869A45A19EB}" type="presOf" srcId="{98F8A4B4-167F-4CF7-BF96-61DB8FA07D23}" destId="{4EACBC7E-2486-417E-9192-479408F2490C}" srcOrd="0" destOrd="3" presId="urn:microsoft.com/office/officeart/2005/8/layout/hList1"/>
+    <dgm:cxn modelId="{6A715321-44EE-45E4-9F5B-73572247974A}" type="presOf" srcId="{9FFC4EE8-6B36-433B-8526-D52120EC14A7}" destId="{D47A92D7-51A8-4A56-B0FB-AEB960BD3688}" srcOrd="0" destOrd="0" presId="urn:microsoft.com/office/officeart/2005/8/layout/hList1"/>
+    <dgm:cxn modelId="{AD759646-2A8F-4420-B726-0CC57FCA0B63}" srcId="{83E4DED0-C102-410D-9E21-1DD98F0B8AD4}" destId="{AAB1AD66-D45D-4407-BF5C-C6B6495F73AA}" srcOrd="0" destOrd="0" parTransId="{67B3C5AE-1D4F-464F-9781-BC60D36812A9}" sibTransId="{D0DA8409-7A6F-42BF-AE3C-8A52BCC9F847}"/>
+    <dgm:cxn modelId="{2FF8BCAA-7624-44B5-B767-1C0F0BC67ABC}" srcId="{200E0FBE-83E3-42F0-8D46-3D946163700E}" destId="{56FB372E-3ED5-4E42-B6D7-3B103531B363}" srcOrd="0" destOrd="0" parTransId="{DA4A3B2A-2355-4679-B601-19E18CA389B2}" sibTransId="{F6B98DF5-6244-4879-95E0-523BCDEDE7F2}"/>
+    <dgm:cxn modelId="{AC104014-762F-44EA-A1CC-3F9B91D49B1C}" type="presOf" srcId="{D5DA8B52-7D62-4670-A8FA-FE25399F37E5}" destId="{D47A92D7-51A8-4A56-B0FB-AEB960BD3688}" srcOrd="0" destOrd="5" presId="urn:microsoft.com/office/officeart/2005/8/layout/hList1"/>
+    <dgm:cxn modelId="{F2F4DEFA-6BE8-4010-9FBD-686F25B9AAB8}" type="presOf" srcId="{E8E05644-9864-45E4-9558-02C7DBDBC8FB}" destId="{835C3738-74C4-4D05-99C8-D4A66A42C937}" srcOrd="0" destOrd="4" presId="urn:microsoft.com/office/officeart/2005/8/layout/hList1"/>
+    <dgm:cxn modelId="{8379F873-1713-4DC4-A606-C37A618EC90D}" type="presOf" srcId="{9C889853-D96B-4500-976F-7743D2C26634}" destId="{835C3738-74C4-4D05-99C8-D4A66A42C937}" srcOrd="0" destOrd="5" presId="urn:microsoft.com/office/officeart/2005/8/layout/hList1"/>
+    <dgm:cxn modelId="{5860294B-3400-4D41-BCCB-1F56F0634E76}" srcId="{AAB1AD66-D45D-4407-BF5C-C6B6495F73AA}" destId="{38744C5C-BC64-4907-A672-7A63A8223998}" srcOrd="0" destOrd="0" parTransId="{8F24910B-2B94-4A16-AE80-01B7B15AAFAA}" sibTransId="{0B53F0D2-AE1F-4E77-B6B9-35BD7C1A031D}"/>
+    <dgm:cxn modelId="{39C5E853-DB5C-4D08-ACD0-D04803357029}" srcId="{200E0FBE-83E3-42F0-8D46-3D946163700E}" destId="{D02C43E6-BEDC-4FE4-A04C-2ECF5E021154}" srcOrd="1" destOrd="0" parTransId="{C265E120-3D44-4ADC-8BBB-C01719D61DE7}" sibTransId="{922F564A-41A5-422E-BD57-8AC0E340A14B}"/>
+    <dgm:cxn modelId="{FF9D34CD-C271-4496-AC9A-9E95A7230D77}" srcId="{AAB1AD66-D45D-4407-BF5C-C6B6495F73AA}" destId="{51BF2318-0102-41A6-986B-162D8EC24324}" srcOrd="1" destOrd="0" parTransId="{06F2AD8C-631D-472D-99E2-21B1101B2E43}" sibTransId="{DF553373-4437-4A04-9F5C-126E493A58E1}"/>
+    <dgm:cxn modelId="{2B51BB2A-80EA-4752-AF77-835EA450DFC9}" srcId="{725D7DCF-93AE-4A52-95ED-E155DBCA7BDF}" destId="{7054D06F-AB30-4FB6-8103-F657DC6808D6}" srcOrd="1" destOrd="0" parTransId="{69A012B9-91EF-4E0F-BAFE-856F3C899724}" sibTransId="{E459C357-4BFA-4E2E-A5F0-7BE1BD530887}"/>
+    <dgm:cxn modelId="{041B9092-6638-4B68-8214-3FA83A1FF8F4}" srcId="{AAB1AD66-D45D-4407-BF5C-C6B6495F73AA}" destId="{EF5F6A81-6161-4F75-83E3-385BACD7AD7A}" srcOrd="8" destOrd="0" parTransId="{F1E8B83F-324D-4288-8DDA-72590065AF15}" sibTransId="{6163DBF6-C564-4576-9A5E-08BD7DC7C47C}"/>
+    <dgm:cxn modelId="{CB9143FA-EF60-4C13-B6AD-CE5D8CA730F7}" type="presOf" srcId="{9B1F3C53-EF3E-4C23-810D-E0708D057C15}" destId="{835C3738-74C4-4D05-99C8-D4A66A42C937}" srcOrd="0" destOrd="3" presId="urn:microsoft.com/office/officeart/2005/8/layout/hList1"/>
+    <dgm:cxn modelId="{ECCF02F3-3AE1-4563-A444-DCA25A239A20}" srcId="{AAB1AD66-D45D-4407-BF5C-C6B6495F73AA}" destId="{39498846-3DF7-47D2-A8C7-09C2184B3908}" srcOrd="2" destOrd="0" parTransId="{2EFC890C-D2FD-4751-BBEE-2D79B91A3C9D}" sibTransId="{3C9F18E5-0C98-409B-8390-B807C671BF87}"/>
+    <dgm:cxn modelId="{37C36442-2D28-458D-9E64-4960AC0C3326}" type="presOf" srcId="{51BF2318-0102-41A6-986B-162D8EC24324}" destId="{835C3738-74C4-4D05-99C8-D4A66A42C937}" srcOrd="0" destOrd="1" presId="urn:microsoft.com/office/officeart/2005/8/layout/hList1"/>
+    <dgm:cxn modelId="{A733C710-9CCE-45A7-A073-5568182B92D1}" type="presOf" srcId="{200E0FBE-83E3-42F0-8D46-3D946163700E}" destId="{70CDA61D-B7AF-4659-AEFF-83700DC83F40}" srcOrd="0" destOrd="0" presId="urn:microsoft.com/office/officeart/2005/8/layout/hList1"/>
+    <dgm:cxn modelId="{76B70D95-0521-41BF-97C3-ADD2BE92FF95}" srcId="{725D7DCF-93AE-4A52-95ED-E155DBCA7BDF}" destId="{9FFC4EE8-6B36-433B-8526-D52120EC14A7}" srcOrd="0" destOrd="0" parTransId="{D425FEB1-66BC-4ABD-B81B-261713C032FD}" sibTransId="{52124075-E042-4FD3-9288-DC4DC0958AB4}"/>
+    <dgm:cxn modelId="{5D876BE8-36DA-4484-BD9C-ECDBA583B572}" type="presOf" srcId="{EF5F6A81-6161-4F75-83E3-385BACD7AD7A}" destId="{835C3738-74C4-4D05-99C8-D4A66A42C937}" srcOrd="0" destOrd="8" presId="urn:microsoft.com/office/officeart/2005/8/layout/hList1"/>
+    <dgm:cxn modelId="{9D459AF9-703B-44AE-B26A-30F0F4DC95DE}" type="presOf" srcId="{26D58E02-94D7-40AC-83F5-0CD028CC40B3}" destId="{D47A92D7-51A8-4A56-B0FB-AEB960BD3688}" srcOrd="0" destOrd="6" presId="urn:microsoft.com/office/officeart/2005/8/layout/hList1"/>
+    <dgm:cxn modelId="{6C52956D-9F7C-4CC7-A581-900449AC42ED}" type="presOf" srcId="{41745A8A-2E44-486F-B16D-089C7027B39A}" destId="{835C3738-74C4-4D05-99C8-D4A66A42C937}" srcOrd="0" destOrd="7" presId="urn:microsoft.com/office/officeart/2005/8/layout/hList1"/>
+    <dgm:cxn modelId="{FCC63D5C-E1C9-4369-9DED-EE4E5FA197C7}" type="presOf" srcId="{83E4DED0-C102-410D-9E21-1DD98F0B8AD4}" destId="{304F1C19-6C65-49A2-812C-A3EDAA440B07}" srcOrd="0" destOrd="0" presId="urn:microsoft.com/office/officeart/2005/8/layout/hList1"/>
+    <dgm:cxn modelId="{F4099D85-A9E2-4427-B3D1-5FF3CD7C3674}" srcId="{200E0FBE-83E3-42F0-8D46-3D946163700E}" destId="{98F8A4B4-167F-4CF7-BF96-61DB8FA07D23}" srcOrd="3" destOrd="0" parTransId="{4CD1D270-0901-4E5E-8B3E-D90BA80C7A81}" sibTransId="{B23E1952-81C6-4394-A97C-8949CC73DA02}"/>
+    <dgm:cxn modelId="{64593871-02EF-42E8-9211-4209A1D46FA4}" srcId="{AAB1AD66-D45D-4407-BF5C-C6B6495F73AA}" destId="{C312B871-5F62-4B4D-9BB1-C13894730A8E}" srcOrd="6" destOrd="0" parTransId="{CB1E8351-ECE3-4B39-86FF-814002D9A373}" sibTransId="{2ED824BD-C4D0-483E-84BC-8D9CAE2B7F33}"/>
+    <dgm:cxn modelId="{1564573E-4261-4257-B61C-A235C1B9E827}" type="presOf" srcId="{7054D06F-AB30-4FB6-8103-F657DC6808D6}" destId="{D47A92D7-51A8-4A56-B0FB-AEB960BD3688}" srcOrd="0" destOrd="1" presId="urn:microsoft.com/office/officeart/2005/8/layout/hList1"/>
+    <dgm:cxn modelId="{C239930F-408A-4BFA-B715-E9E2A174EA72}" srcId="{AAB1AD66-D45D-4407-BF5C-C6B6495F73AA}" destId="{9C889853-D96B-4500-976F-7743D2C26634}" srcOrd="5" destOrd="0" parTransId="{80A68447-F60F-4B75-A37A-1FFA126EB20F}" sibTransId="{98BB5B1D-B48B-4888-BEEF-FA2A138ADE3C}"/>
+    <dgm:cxn modelId="{1E11B982-46C9-426A-9C96-0B8C31428AC0}" type="presOf" srcId="{B9C6DCC6-92CF-45EF-B261-7CF890938BA3}" destId="{D47A92D7-51A8-4A56-B0FB-AEB960BD3688}" srcOrd="0" destOrd="3" presId="urn:microsoft.com/office/officeart/2005/8/layout/hList1"/>
+    <dgm:cxn modelId="{4DBFEDD4-15FD-4EDC-86A9-CC999690C516}" type="presOf" srcId="{56FB372E-3ED5-4E42-B6D7-3B103531B363}" destId="{4EACBC7E-2486-417E-9192-479408F2490C}" srcOrd="0" destOrd="0" presId="urn:microsoft.com/office/officeart/2005/8/layout/hList1"/>
+    <dgm:cxn modelId="{E112A4C8-DF15-4503-A321-20D9DCDBCAA3}" type="presParOf" srcId="{304F1C19-6C65-49A2-812C-A3EDAA440B07}" destId="{80862311-817D-471E-93E9-18E6585A1229}" srcOrd="0" destOrd="0" presId="urn:microsoft.com/office/officeart/2005/8/layout/hList1"/>
+    <dgm:cxn modelId="{21655533-7CF4-413C-ACD5-AC86CCB0D609}" type="presParOf" srcId="{80862311-817D-471E-93E9-18E6585A1229}" destId="{0EAD40F2-6553-4243-8109-F2CAE252D6FD}" srcOrd="0" destOrd="0" presId="urn:microsoft.com/office/officeart/2005/8/layout/hList1"/>
+    <dgm:cxn modelId="{47274058-51C1-4475-89BA-5BC00CA2572B}" type="presParOf" srcId="{80862311-817D-471E-93E9-18E6585A1229}" destId="{835C3738-74C4-4D05-99C8-D4A66A42C937}" srcOrd="1" destOrd="0" presId="urn:microsoft.com/office/officeart/2005/8/layout/hList1"/>
+    <dgm:cxn modelId="{000863A8-CB37-4848-BD8B-38D0F73BF551}" type="presParOf" srcId="{304F1C19-6C65-49A2-812C-A3EDAA440B07}" destId="{C30DC6FD-2693-4B5E-947D-8EB4D3FBB6AF}" srcOrd="1" destOrd="0" presId="urn:microsoft.com/office/officeart/2005/8/layout/hList1"/>
+    <dgm:cxn modelId="{01A67FAE-EC80-4A05-8B46-26A923B1BABF}" type="presParOf" srcId="{304F1C19-6C65-49A2-812C-A3EDAA440B07}" destId="{7051C96F-9F28-4304-B643-7D799CF5B612}" srcOrd="2" destOrd="0" presId="urn:microsoft.com/office/officeart/2005/8/layout/hList1"/>
+    <dgm:cxn modelId="{0CE3CDD2-71AC-4BBE-A72C-42DBFBD98CDB}" type="presParOf" srcId="{7051C96F-9F28-4304-B643-7D799CF5B612}" destId="{70CDA61D-B7AF-4659-AEFF-83700DC83F40}" srcOrd="0" destOrd="0" presId="urn:microsoft.com/office/officeart/2005/8/layout/hList1"/>
+    <dgm:cxn modelId="{A5F46378-E8B2-4E46-A4A1-373FD560EE1C}" type="presParOf" srcId="{7051C96F-9F28-4304-B643-7D799CF5B612}" destId="{4EACBC7E-2486-417E-9192-479408F2490C}" srcOrd="1" destOrd="0" presId="urn:microsoft.com/office/officeart/2005/8/layout/hList1"/>
+    <dgm:cxn modelId="{C6F6D079-9EF3-42D4-B78A-8B76B7BF75F3}" type="presParOf" srcId="{304F1C19-6C65-49A2-812C-A3EDAA440B07}" destId="{C690161B-F61C-4515-BEB1-ADA25AEE229A}" srcOrd="3" destOrd="0" presId="urn:microsoft.com/office/officeart/2005/8/layout/hList1"/>
+    <dgm:cxn modelId="{D9298B35-1E83-4FD8-A26E-2F53B46AEB2D}" type="presParOf" srcId="{304F1C19-6C65-49A2-812C-A3EDAA440B07}" destId="{88BC2046-9FA2-418A-AF60-2BE611032CD8}" srcOrd="4" destOrd="0" presId="urn:microsoft.com/office/officeart/2005/8/layout/hList1"/>
+    <dgm:cxn modelId="{E8B1D32F-BC1E-4A74-8824-E0B6B37F068D}" type="presParOf" srcId="{88BC2046-9FA2-418A-AF60-2BE611032CD8}" destId="{2A16A1E8-399E-48BC-A949-785F170708E4}" srcOrd="0" destOrd="0" presId="urn:microsoft.com/office/officeart/2005/8/layout/hList1"/>
+    <dgm:cxn modelId="{2CDFF4E0-A17C-4B1F-B601-AE922BA4B0FC}" type="presParOf" srcId="{88BC2046-9FA2-418A-AF60-2BE611032CD8}" destId="{D47A92D7-51A8-4A56-B0FB-AEB960BD3688}" srcOrd="1" destOrd="0" presId="urn:microsoft.com/office/officeart/2005/8/layout/hList1"/>
+  </dgm:cxnLst>
+  <dgm:bg/>
+  <dgm:whole/>
+  <dgm:extLst>
+    <a:ext uri="http://schemas.microsoft.com/office/drawing/2008/diagram">
+      <dsp:dataModelExt xmlns:dsp="http://schemas.microsoft.com/office/drawing/2008/diagram" relId="rId6" minVer="http://schemas.openxmlformats.org/drawingml/2006/diagram"/>
+    </a:ext>
+  </dgm:extLst>
+</dgm:dataModel>
+</file>
+
 <file path=ppt/diagrams/drawing1.xml><?xml version="1.0" encoding="utf-8"?>
 <dsp:drawing xmlns:dgm="http://schemas.openxmlformats.org/drawingml/2006/diagram" xmlns:dsp="http://schemas.microsoft.com/office/drawing/2008/diagram" xmlns:a="http://schemas.openxmlformats.org/drawingml/2006/main">
   <dsp:spTree>
@@ -4404,7 +6094,7 @@
           </a:pPr>
           <a:r>
             <a:rPr lang="en-US" sz="3000" kern="1200" dirty="0"/>
-            <a:t>Large Code Base</a:t>
+            <a:t>Diverse Code Base</a:t>
           </a:r>
         </a:p>
       </dsp:txBody>
@@ -7249,6 +8939,912 @@
       <dsp:txXfrm>
         <a:off x="5127345" y="4167572"/>
         <a:ext cx="1366269" cy="416545"/>
+      </dsp:txXfrm>
+    </dsp:sp>
+  </dsp:spTree>
+</dsp:drawing>
+</file>
+
+<file path=ppt/diagrams/drawing4.xml><?xml version="1.0" encoding="utf-8"?>
+<dsp:drawing xmlns:dgm="http://schemas.openxmlformats.org/drawingml/2006/diagram" xmlns:dsp="http://schemas.microsoft.com/office/drawing/2008/diagram" xmlns:a="http://schemas.openxmlformats.org/drawingml/2006/main">
+  <dsp:spTree>
+    <dsp:nvGrpSpPr>
+      <dsp:cNvPr id="0" name=""/>
+      <dsp:cNvGrpSpPr/>
+    </dsp:nvGrpSpPr>
+    <dsp:grpSpPr/>
+    <dsp:sp modelId="{0EAD40F2-6553-4243-8109-F2CAE252D6FD}">
+      <dsp:nvSpPr>
+        <dsp:cNvPr id="0" name=""/>
+        <dsp:cNvSpPr/>
+      </dsp:nvSpPr>
+      <dsp:spPr>
+        <a:xfrm>
+          <a:off x="2903" y="45058"/>
+          <a:ext cx="2831101" cy="460800"/>
+        </a:xfrm>
+        <a:prstGeom prst="rect">
+          <a:avLst/>
+        </a:prstGeom>
+        <a:gradFill rotWithShape="0">
+          <a:gsLst>
+            <a:gs pos="0">
+              <a:schemeClr val="accent1">
+                <a:hueOff val="0"/>
+                <a:satOff val="0"/>
+                <a:lumOff val="0"/>
+                <a:alphaOff val="0"/>
+                <a:tint val="98000"/>
+                <a:satMod val="110000"/>
+                <a:lumMod val="104000"/>
+              </a:schemeClr>
+            </a:gs>
+            <a:gs pos="69000">
+              <a:schemeClr val="accent1">
+                <a:hueOff val="0"/>
+                <a:satOff val="0"/>
+                <a:lumOff val="0"/>
+                <a:alphaOff val="0"/>
+                <a:shade val="88000"/>
+                <a:satMod val="130000"/>
+                <a:lumMod val="92000"/>
+              </a:schemeClr>
+            </a:gs>
+            <a:gs pos="100000">
+              <a:schemeClr val="accent1">
+                <a:hueOff val="0"/>
+                <a:satOff val="0"/>
+                <a:lumOff val="0"/>
+                <a:alphaOff val="0"/>
+                <a:shade val="78000"/>
+                <a:satMod val="130000"/>
+                <a:lumMod val="92000"/>
+              </a:schemeClr>
+            </a:gs>
+          </a:gsLst>
+          <a:lin ang="5400000" scaled="0"/>
+        </a:gradFill>
+        <a:ln w="9525" cap="flat" cmpd="sng" algn="ctr">
+          <a:solidFill>
+            <a:schemeClr val="accent1">
+              <a:hueOff val="0"/>
+              <a:satOff val="0"/>
+              <a:lumOff val="0"/>
+              <a:alphaOff val="0"/>
+            </a:schemeClr>
+          </a:solidFill>
+          <a:prstDash val="solid"/>
+        </a:ln>
+        <a:effectLst/>
+      </dsp:spPr>
+      <dsp:style>
+        <a:lnRef idx="1">
+          <a:scrgbClr r="0" g="0" b="0"/>
+        </a:lnRef>
+        <a:fillRef idx="3">
+          <a:scrgbClr r="0" g="0" b="0"/>
+        </a:fillRef>
+        <a:effectRef idx="2">
+          <a:scrgbClr r="0" g="0" b="0"/>
+        </a:effectRef>
+        <a:fontRef idx="minor">
+          <a:schemeClr val="lt1"/>
+        </a:fontRef>
+      </dsp:style>
+      <dsp:txBody>
+        <a:bodyPr spcFirstLastPara="0" vert="horz" wrap="square" lIns="113792" tIns="65024" rIns="113792" bIns="65024" numCol="1" spcCol="1270" anchor="ctr" anchorCtr="0">
+          <a:noAutofit/>
+        </a:bodyPr>
+        <a:lstStyle/>
+        <a:p>
+          <a:pPr marL="0" lvl="0" indent="0" algn="ctr" defTabSz="711200">
+            <a:lnSpc>
+              <a:spcPct val="90000"/>
+            </a:lnSpc>
+            <a:spcBef>
+              <a:spcPct val="0"/>
+            </a:spcBef>
+            <a:spcAft>
+              <a:spcPct val="35000"/>
+            </a:spcAft>
+            <a:buNone/>
+          </a:pPr>
+          <a:r>
+            <a:rPr lang="en-US" sz="1600" kern="1200" dirty="0"/>
+            <a:t>Front-End</a:t>
+          </a:r>
+        </a:p>
+      </dsp:txBody>
+      <dsp:txXfrm>
+        <a:off x="2903" y="45058"/>
+        <a:ext cx="2831101" cy="460800"/>
+      </dsp:txXfrm>
+    </dsp:sp>
+    <dsp:sp modelId="{835C3738-74C4-4D05-99C8-D4A66A42C937}">
+      <dsp:nvSpPr>
+        <dsp:cNvPr id="0" name=""/>
+        <dsp:cNvSpPr/>
+      </dsp:nvSpPr>
+      <dsp:spPr>
+        <a:xfrm>
+          <a:off x="2903" y="505859"/>
+          <a:ext cx="2831101" cy="2898720"/>
+        </a:xfrm>
+        <a:prstGeom prst="rect">
+          <a:avLst/>
+        </a:prstGeom>
+        <a:solidFill>
+          <a:schemeClr val="accent1">
+            <a:alpha val="90000"/>
+            <a:tint val="40000"/>
+            <a:hueOff val="0"/>
+            <a:satOff val="0"/>
+            <a:lumOff val="0"/>
+            <a:alphaOff val="0"/>
+          </a:schemeClr>
+        </a:solidFill>
+        <a:ln w="9525" cap="flat" cmpd="sng" algn="ctr">
+          <a:solidFill>
+            <a:schemeClr val="accent1">
+              <a:alpha val="90000"/>
+              <a:tint val="40000"/>
+              <a:hueOff val="0"/>
+              <a:satOff val="0"/>
+              <a:lumOff val="0"/>
+              <a:alphaOff val="0"/>
+            </a:schemeClr>
+          </a:solidFill>
+          <a:prstDash val="solid"/>
+        </a:ln>
+        <a:effectLst/>
+      </dsp:spPr>
+      <dsp:style>
+        <a:lnRef idx="1">
+          <a:scrgbClr r="0" g="0" b="0"/>
+        </a:lnRef>
+        <a:fillRef idx="1">
+          <a:scrgbClr r="0" g="0" b="0"/>
+        </a:fillRef>
+        <a:effectRef idx="0">
+          <a:scrgbClr r="0" g="0" b="0"/>
+        </a:effectRef>
+        <a:fontRef idx="minor"/>
+      </dsp:style>
+      <dsp:txBody>
+        <a:bodyPr spcFirstLastPara="0" vert="horz" wrap="square" lIns="85344" tIns="85344" rIns="113792" bIns="128016" numCol="1" spcCol="1270" anchor="t" anchorCtr="0">
+          <a:noAutofit/>
+        </a:bodyPr>
+        <a:lstStyle/>
+        <a:p>
+          <a:pPr marL="171450" lvl="1" indent="-171450" algn="l" defTabSz="711200">
+            <a:lnSpc>
+              <a:spcPct val="90000"/>
+            </a:lnSpc>
+            <a:spcBef>
+              <a:spcPct val="0"/>
+            </a:spcBef>
+            <a:spcAft>
+              <a:spcPct val="15000"/>
+            </a:spcAft>
+            <a:buChar char="•"/>
+          </a:pPr>
+          <a:r>
+            <a:rPr lang="en-US" sz="1600" kern="1200" dirty="0" err="1"/>
+            <a:t>VisaulForce</a:t>
+          </a:r>
+          <a:endParaRPr lang="en-US" sz="1600" kern="1200" dirty="0"/>
+        </a:p>
+        <a:p>
+          <a:pPr marL="171450" lvl="1" indent="-171450" algn="l" defTabSz="711200">
+            <a:lnSpc>
+              <a:spcPct val="90000"/>
+            </a:lnSpc>
+            <a:spcBef>
+              <a:spcPct val="0"/>
+            </a:spcBef>
+            <a:spcAft>
+              <a:spcPct val="15000"/>
+            </a:spcAft>
+            <a:buChar char="•"/>
+          </a:pPr>
+          <a:r>
+            <a:rPr lang="en-US" sz="1600" kern="1200" dirty="0"/>
+            <a:t>HTML</a:t>
+          </a:r>
+        </a:p>
+        <a:p>
+          <a:pPr marL="171450" lvl="1" indent="-171450" algn="l" defTabSz="711200">
+            <a:lnSpc>
+              <a:spcPct val="90000"/>
+            </a:lnSpc>
+            <a:spcBef>
+              <a:spcPct val="0"/>
+            </a:spcBef>
+            <a:spcAft>
+              <a:spcPct val="15000"/>
+            </a:spcAft>
+            <a:buChar char="•"/>
+          </a:pPr>
+          <a:r>
+            <a:rPr lang="en-US" sz="1600" kern="1200" dirty="0"/>
+            <a:t>CSS</a:t>
+          </a:r>
+        </a:p>
+        <a:p>
+          <a:pPr marL="171450" lvl="1" indent="-171450" algn="l" defTabSz="711200">
+            <a:lnSpc>
+              <a:spcPct val="90000"/>
+            </a:lnSpc>
+            <a:spcBef>
+              <a:spcPct val="0"/>
+            </a:spcBef>
+            <a:spcAft>
+              <a:spcPct val="15000"/>
+            </a:spcAft>
+            <a:buChar char="•"/>
+          </a:pPr>
+          <a:r>
+            <a:rPr lang="en-US" sz="1600" kern="1200" dirty="0"/>
+            <a:t>JavaScript</a:t>
+          </a:r>
+        </a:p>
+        <a:p>
+          <a:pPr marL="171450" lvl="1" indent="-171450" algn="l" defTabSz="711200">
+            <a:lnSpc>
+              <a:spcPct val="90000"/>
+            </a:lnSpc>
+            <a:spcBef>
+              <a:spcPct val="0"/>
+            </a:spcBef>
+            <a:spcAft>
+              <a:spcPct val="15000"/>
+            </a:spcAft>
+            <a:buChar char="•"/>
+          </a:pPr>
+          <a:r>
+            <a:rPr lang="en-US" sz="1600" kern="1200" dirty="0" err="1"/>
+            <a:t>Jquery</a:t>
+          </a:r>
+          <a:endParaRPr lang="en-US" sz="1600" kern="1200" dirty="0"/>
+        </a:p>
+        <a:p>
+          <a:pPr marL="171450" lvl="1" indent="-171450" algn="l" defTabSz="711200">
+            <a:lnSpc>
+              <a:spcPct val="90000"/>
+            </a:lnSpc>
+            <a:spcBef>
+              <a:spcPct val="0"/>
+            </a:spcBef>
+            <a:spcAft>
+              <a:spcPct val="15000"/>
+            </a:spcAft>
+            <a:buChar char="•"/>
+          </a:pPr>
+          <a:r>
+            <a:rPr lang="en-US" sz="1600" kern="1200" dirty="0"/>
+            <a:t>Data Tables Plugin</a:t>
+          </a:r>
+        </a:p>
+        <a:p>
+          <a:pPr marL="171450" lvl="1" indent="-171450" algn="l" defTabSz="711200">
+            <a:lnSpc>
+              <a:spcPct val="90000"/>
+            </a:lnSpc>
+            <a:spcBef>
+              <a:spcPct val="0"/>
+            </a:spcBef>
+            <a:spcAft>
+              <a:spcPct val="15000"/>
+            </a:spcAft>
+            <a:buChar char="•"/>
+          </a:pPr>
+          <a:r>
+            <a:rPr lang="en-US" sz="1600" kern="1200" dirty="0"/>
+            <a:t>AngularJS</a:t>
+          </a:r>
+        </a:p>
+        <a:p>
+          <a:pPr marL="171450" lvl="1" indent="-171450" algn="l" defTabSz="711200">
+            <a:lnSpc>
+              <a:spcPct val="90000"/>
+            </a:lnSpc>
+            <a:spcBef>
+              <a:spcPct val="0"/>
+            </a:spcBef>
+            <a:spcAft>
+              <a:spcPct val="15000"/>
+            </a:spcAft>
+            <a:buChar char="•"/>
+          </a:pPr>
+          <a:r>
+            <a:rPr lang="en-US" sz="1600" kern="1200" dirty="0"/>
+            <a:t>Salesforce Ajax Toolkit (REST API)</a:t>
+          </a:r>
+        </a:p>
+        <a:p>
+          <a:pPr marL="171450" lvl="1" indent="-171450" algn="l" defTabSz="711200">
+            <a:lnSpc>
+              <a:spcPct val="90000"/>
+            </a:lnSpc>
+            <a:spcBef>
+              <a:spcPct val="0"/>
+            </a:spcBef>
+            <a:spcAft>
+              <a:spcPct val="15000"/>
+            </a:spcAft>
+            <a:buChar char="•"/>
+          </a:pPr>
+          <a:r>
+            <a:rPr lang="en-US" sz="1600" kern="1200" dirty="0"/>
+            <a:t>Bootstrap</a:t>
+          </a:r>
+        </a:p>
+        <a:p>
+          <a:pPr marL="171450" lvl="1" indent="-171450" algn="l" defTabSz="711200">
+            <a:lnSpc>
+              <a:spcPct val="90000"/>
+            </a:lnSpc>
+            <a:spcBef>
+              <a:spcPct val="0"/>
+            </a:spcBef>
+            <a:spcAft>
+              <a:spcPct val="15000"/>
+            </a:spcAft>
+            <a:buChar char="•"/>
+          </a:pPr>
+          <a:r>
+            <a:rPr lang="en-US" sz="1600" kern="1200" dirty="0"/>
+            <a:t>JSON</a:t>
+          </a:r>
+        </a:p>
+      </dsp:txBody>
+      <dsp:txXfrm>
+        <a:off x="2903" y="505859"/>
+        <a:ext cx="2831101" cy="2898720"/>
+      </dsp:txXfrm>
+    </dsp:sp>
+    <dsp:sp modelId="{70CDA61D-B7AF-4659-AEFF-83700DC83F40}">
+      <dsp:nvSpPr>
+        <dsp:cNvPr id="0" name=""/>
+        <dsp:cNvSpPr/>
+      </dsp:nvSpPr>
+      <dsp:spPr>
+        <a:xfrm>
+          <a:off x="3230358" y="45058"/>
+          <a:ext cx="2831101" cy="460800"/>
+        </a:xfrm>
+        <a:prstGeom prst="rect">
+          <a:avLst/>
+        </a:prstGeom>
+        <a:gradFill rotWithShape="0">
+          <a:gsLst>
+            <a:gs pos="0">
+              <a:schemeClr val="accent1">
+                <a:hueOff val="0"/>
+                <a:satOff val="0"/>
+                <a:lumOff val="0"/>
+                <a:alphaOff val="0"/>
+                <a:tint val="98000"/>
+                <a:satMod val="110000"/>
+                <a:lumMod val="104000"/>
+              </a:schemeClr>
+            </a:gs>
+            <a:gs pos="69000">
+              <a:schemeClr val="accent1">
+                <a:hueOff val="0"/>
+                <a:satOff val="0"/>
+                <a:lumOff val="0"/>
+                <a:alphaOff val="0"/>
+                <a:shade val="88000"/>
+                <a:satMod val="130000"/>
+                <a:lumMod val="92000"/>
+              </a:schemeClr>
+            </a:gs>
+            <a:gs pos="100000">
+              <a:schemeClr val="accent1">
+                <a:hueOff val="0"/>
+                <a:satOff val="0"/>
+                <a:lumOff val="0"/>
+                <a:alphaOff val="0"/>
+                <a:shade val="78000"/>
+                <a:satMod val="130000"/>
+                <a:lumMod val="92000"/>
+              </a:schemeClr>
+            </a:gs>
+          </a:gsLst>
+          <a:lin ang="5400000" scaled="0"/>
+        </a:gradFill>
+        <a:ln w="9525" cap="flat" cmpd="sng" algn="ctr">
+          <a:solidFill>
+            <a:schemeClr val="accent1">
+              <a:hueOff val="0"/>
+              <a:satOff val="0"/>
+              <a:lumOff val="0"/>
+              <a:alphaOff val="0"/>
+            </a:schemeClr>
+          </a:solidFill>
+          <a:prstDash val="solid"/>
+        </a:ln>
+        <a:effectLst/>
+      </dsp:spPr>
+      <dsp:style>
+        <a:lnRef idx="1">
+          <a:scrgbClr r="0" g="0" b="0"/>
+        </a:lnRef>
+        <a:fillRef idx="3">
+          <a:scrgbClr r="0" g="0" b="0"/>
+        </a:fillRef>
+        <a:effectRef idx="2">
+          <a:scrgbClr r="0" g="0" b="0"/>
+        </a:effectRef>
+        <a:fontRef idx="minor">
+          <a:schemeClr val="lt1"/>
+        </a:fontRef>
+      </dsp:style>
+      <dsp:txBody>
+        <a:bodyPr spcFirstLastPara="0" vert="horz" wrap="square" lIns="113792" tIns="65024" rIns="113792" bIns="65024" numCol="1" spcCol="1270" anchor="ctr" anchorCtr="0">
+          <a:noAutofit/>
+        </a:bodyPr>
+        <a:lstStyle/>
+        <a:p>
+          <a:pPr marL="0" lvl="0" indent="0" algn="ctr" defTabSz="711200">
+            <a:lnSpc>
+              <a:spcPct val="90000"/>
+            </a:lnSpc>
+            <a:spcBef>
+              <a:spcPct val="0"/>
+            </a:spcBef>
+            <a:spcAft>
+              <a:spcPct val="35000"/>
+            </a:spcAft>
+            <a:buNone/>
+          </a:pPr>
+          <a:r>
+            <a:rPr lang="en-US" sz="1600" kern="1200" dirty="0"/>
+            <a:t>Back-End</a:t>
+          </a:r>
+        </a:p>
+      </dsp:txBody>
+      <dsp:txXfrm>
+        <a:off x="3230358" y="45058"/>
+        <a:ext cx="2831101" cy="460800"/>
+      </dsp:txXfrm>
+    </dsp:sp>
+    <dsp:sp modelId="{4EACBC7E-2486-417E-9192-479408F2490C}">
+      <dsp:nvSpPr>
+        <dsp:cNvPr id="0" name=""/>
+        <dsp:cNvSpPr/>
+      </dsp:nvSpPr>
+      <dsp:spPr>
+        <a:xfrm>
+          <a:off x="3230358" y="505859"/>
+          <a:ext cx="2831101" cy="2898720"/>
+        </a:xfrm>
+        <a:prstGeom prst="rect">
+          <a:avLst/>
+        </a:prstGeom>
+        <a:solidFill>
+          <a:schemeClr val="accent1">
+            <a:alpha val="90000"/>
+            <a:tint val="40000"/>
+            <a:hueOff val="0"/>
+            <a:satOff val="0"/>
+            <a:lumOff val="0"/>
+            <a:alphaOff val="0"/>
+          </a:schemeClr>
+        </a:solidFill>
+        <a:ln w="9525" cap="flat" cmpd="sng" algn="ctr">
+          <a:solidFill>
+            <a:schemeClr val="accent1">
+              <a:alpha val="90000"/>
+              <a:tint val="40000"/>
+              <a:hueOff val="0"/>
+              <a:satOff val="0"/>
+              <a:lumOff val="0"/>
+              <a:alphaOff val="0"/>
+            </a:schemeClr>
+          </a:solidFill>
+          <a:prstDash val="solid"/>
+        </a:ln>
+        <a:effectLst/>
+      </dsp:spPr>
+      <dsp:style>
+        <a:lnRef idx="1">
+          <a:scrgbClr r="0" g="0" b="0"/>
+        </a:lnRef>
+        <a:fillRef idx="1">
+          <a:scrgbClr r="0" g="0" b="0"/>
+        </a:fillRef>
+        <a:effectRef idx="0">
+          <a:scrgbClr r="0" g="0" b="0"/>
+        </a:effectRef>
+        <a:fontRef idx="minor"/>
+      </dsp:style>
+      <dsp:txBody>
+        <a:bodyPr spcFirstLastPara="0" vert="horz" wrap="square" lIns="85344" tIns="85344" rIns="113792" bIns="128016" numCol="1" spcCol="1270" anchor="t" anchorCtr="0">
+          <a:noAutofit/>
+        </a:bodyPr>
+        <a:lstStyle/>
+        <a:p>
+          <a:pPr marL="171450" lvl="1" indent="-171450" algn="l" defTabSz="711200">
+            <a:lnSpc>
+              <a:spcPct val="90000"/>
+            </a:lnSpc>
+            <a:spcBef>
+              <a:spcPct val="0"/>
+            </a:spcBef>
+            <a:spcAft>
+              <a:spcPct val="15000"/>
+            </a:spcAft>
+            <a:buChar char="•"/>
+          </a:pPr>
+          <a:r>
+            <a:rPr lang="en-US" sz="1600" kern="1200" dirty="0"/>
+            <a:t>Apex</a:t>
+          </a:r>
+        </a:p>
+        <a:p>
+          <a:pPr marL="171450" lvl="1" indent="-171450" algn="l" defTabSz="711200">
+            <a:lnSpc>
+              <a:spcPct val="90000"/>
+            </a:lnSpc>
+            <a:spcBef>
+              <a:spcPct val="0"/>
+            </a:spcBef>
+            <a:spcAft>
+              <a:spcPct val="15000"/>
+            </a:spcAft>
+            <a:buChar char="•"/>
+          </a:pPr>
+          <a:r>
+            <a:rPr lang="en-US" sz="1600" kern="1200" dirty="0"/>
+            <a:t>SOQL</a:t>
+          </a:r>
+        </a:p>
+        <a:p>
+          <a:pPr marL="171450" lvl="1" indent="-171450" algn="l" defTabSz="711200">
+            <a:lnSpc>
+              <a:spcPct val="90000"/>
+            </a:lnSpc>
+            <a:spcBef>
+              <a:spcPct val="0"/>
+            </a:spcBef>
+            <a:spcAft>
+              <a:spcPct val="15000"/>
+            </a:spcAft>
+            <a:buChar char="•"/>
+          </a:pPr>
+          <a:r>
+            <a:rPr lang="en-US" sz="1600" kern="1200" dirty="0"/>
+            <a:t>Triggers</a:t>
+          </a:r>
+        </a:p>
+        <a:p>
+          <a:pPr marL="171450" lvl="1" indent="-171450" algn="l" defTabSz="711200">
+            <a:lnSpc>
+              <a:spcPct val="90000"/>
+            </a:lnSpc>
+            <a:spcBef>
+              <a:spcPct val="0"/>
+            </a:spcBef>
+            <a:spcAft>
+              <a:spcPct val="15000"/>
+            </a:spcAft>
+            <a:buChar char="•"/>
+          </a:pPr>
+          <a:r>
+            <a:rPr lang="en-US" sz="1600" kern="1200" dirty="0"/>
+            <a:t>Unit Testing</a:t>
+          </a:r>
+        </a:p>
+      </dsp:txBody>
+      <dsp:txXfrm>
+        <a:off x="3230358" y="505859"/>
+        <a:ext cx="2831101" cy="2898720"/>
+      </dsp:txXfrm>
+    </dsp:sp>
+    <dsp:sp modelId="{2A16A1E8-399E-48BC-A949-785F170708E4}">
+      <dsp:nvSpPr>
+        <dsp:cNvPr id="0" name=""/>
+        <dsp:cNvSpPr/>
+      </dsp:nvSpPr>
+      <dsp:spPr>
+        <a:xfrm>
+          <a:off x="6457814" y="45058"/>
+          <a:ext cx="2831101" cy="460800"/>
+        </a:xfrm>
+        <a:prstGeom prst="rect">
+          <a:avLst/>
+        </a:prstGeom>
+        <a:gradFill rotWithShape="0">
+          <a:gsLst>
+            <a:gs pos="0">
+              <a:schemeClr val="accent1">
+                <a:hueOff val="0"/>
+                <a:satOff val="0"/>
+                <a:lumOff val="0"/>
+                <a:alphaOff val="0"/>
+                <a:tint val="98000"/>
+                <a:satMod val="110000"/>
+                <a:lumMod val="104000"/>
+              </a:schemeClr>
+            </a:gs>
+            <a:gs pos="69000">
+              <a:schemeClr val="accent1">
+                <a:hueOff val="0"/>
+                <a:satOff val="0"/>
+                <a:lumOff val="0"/>
+                <a:alphaOff val="0"/>
+                <a:shade val="88000"/>
+                <a:satMod val="130000"/>
+                <a:lumMod val="92000"/>
+              </a:schemeClr>
+            </a:gs>
+            <a:gs pos="100000">
+              <a:schemeClr val="accent1">
+                <a:hueOff val="0"/>
+                <a:satOff val="0"/>
+                <a:lumOff val="0"/>
+                <a:alphaOff val="0"/>
+                <a:shade val="78000"/>
+                <a:satMod val="130000"/>
+                <a:lumMod val="92000"/>
+              </a:schemeClr>
+            </a:gs>
+          </a:gsLst>
+          <a:lin ang="5400000" scaled="0"/>
+        </a:gradFill>
+        <a:ln w="9525" cap="flat" cmpd="sng" algn="ctr">
+          <a:solidFill>
+            <a:schemeClr val="accent1">
+              <a:hueOff val="0"/>
+              <a:satOff val="0"/>
+              <a:lumOff val="0"/>
+              <a:alphaOff val="0"/>
+            </a:schemeClr>
+          </a:solidFill>
+          <a:prstDash val="solid"/>
+        </a:ln>
+        <a:effectLst/>
+      </dsp:spPr>
+      <dsp:style>
+        <a:lnRef idx="1">
+          <a:scrgbClr r="0" g="0" b="0"/>
+        </a:lnRef>
+        <a:fillRef idx="3">
+          <a:scrgbClr r="0" g="0" b="0"/>
+        </a:fillRef>
+        <a:effectRef idx="2">
+          <a:scrgbClr r="0" g="0" b="0"/>
+        </a:effectRef>
+        <a:fontRef idx="minor">
+          <a:schemeClr val="lt1"/>
+        </a:fontRef>
+      </dsp:style>
+      <dsp:txBody>
+        <a:bodyPr spcFirstLastPara="0" vert="horz" wrap="square" lIns="113792" tIns="65024" rIns="113792" bIns="65024" numCol="1" spcCol="1270" anchor="ctr" anchorCtr="0">
+          <a:noAutofit/>
+        </a:bodyPr>
+        <a:lstStyle/>
+        <a:p>
+          <a:pPr marL="0" lvl="0" indent="0" algn="ctr" defTabSz="711200">
+            <a:lnSpc>
+              <a:spcPct val="90000"/>
+            </a:lnSpc>
+            <a:spcBef>
+              <a:spcPct val="0"/>
+            </a:spcBef>
+            <a:spcAft>
+              <a:spcPct val="35000"/>
+            </a:spcAft>
+            <a:buNone/>
+          </a:pPr>
+          <a:r>
+            <a:rPr lang="en-US" sz="1600" kern="1200" dirty="0"/>
+            <a:t>Applications</a:t>
+          </a:r>
+        </a:p>
+      </dsp:txBody>
+      <dsp:txXfrm>
+        <a:off x="6457814" y="45058"/>
+        <a:ext cx="2831101" cy="460800"/>
+      </dsp:txXfrm>
+    </dsp:sp>
+    <dsp:sp modelId="{D47A92D7-51A8-4A56-B0FB-AEB960BD3688}">
+      <dsp:nvSpPr>
+        <dsp:cNvPr id="0" name=""/>
+        <dsp:cNvSpPr/>
+      </dsp:nvSpPr>
+      <dsp:spPr>
+        <a:xfrm>
+          <a:off x="6457814" y="505859"/>
+          <a:ext cx="2831101" cy="2898720"/>
+        </a:xfrm>
+        <a:prstGeom prst="rect">
+          <a:avLst/>
+        </a:prstGeom>
+        <a:solidFill>
+          <a:schemeClr val="accent1">
+            <a:alpha val="90000"/>
+            <a:tint val="40000"/>
+            <a:hueOff val="0"/>
+            <a:satOff val="0"/>
+            <a:lumOff val="0"/>
+            <a:alphaOff val="0"/>
+          </a:schemeClr>
+        </a:solidFill>
+        <a:ln w="9525" cap="flat" cmpd="sng" algn="ctr">
+          <a:solidFill>
+            <a:schemeClr val="accent1">
+              <a:alpha val="90000"/>
+              <a:tint val="40000"/>
+              <a:hueOff val="0"/>
+              <a:satOff val="0"/>
+              <a:lumOff val="0"/>
+              <a:alphaOff val="0"/>
+            </a:schemeClr>
+          </a:solidFill>
+          <a:prstDash val="solid"/>
+        </a:ln>
+        <a:effectLst/>
+      </dsp:spPr>
+      <dsp:style>
+        <a:lnRef idx="1">
+          <a:scrgbClr r="0" g="0" b="0"/>
+        </a:lnRef>
+        <a:fillRef idx="1">
+          <a:scrgbClr r="0" g="0" b="0"/>
+        </a:fillRef>
+        <a:effectRef idx="0">
+          <a:scrgbClr r="0" g="0" b="0"/>
+        </a:effectRef>
+        <a:fontRef idx="minor"/>
+      </dsp:style>
+      <dsp:txBody>
+        <a:bodyPr spcFirstLastPara="0" vert="horz" wrap="square" lIns="85344" tIns="85344" rIns="113792" bIns="128016" numCol="1" spcCol="1270" anchor="t" anchorCtr="0">
+          <a:noAutofit/>
+        </a:bodyPr>
+        <a:lstStyle/>
+        <a:p>
+          <a:pPr marL="171450" lvl="1" indent="-171450" algn="l" defTabSz="711200">
+            <a:lnSpc>
+              <a:spcPct val="90000"/>
+            </a:lnSpc>
+            <a:spcBef>
+              <a:spcPct val="0"/>
+            </a:spcBef>
+            <a:spcAft>
+              <a:spcPct val="15000"/>
+            </a:spcAft>
+            <a:buChar char="•"/>
+          </a:pPr>
+          <a:r>
+            <a:rPr lang="en-US" sz="1600" kern="1200" dirty="0"/>
+            <a:t>Salesforce </a:t>
+          </a:r>
+          <a:r>
+            <a:rPr lang="en-US" sz="1600" kern="1200" dirty="0" err="1"/>
+            <a:t>Adminstration</a:t>
+          </a:r>
+          <a:endParaRPr lang="en-US" sz="1600" kern="1200" dirty="0"/>
+        </a:p>
+        <a:p>
+          <a:pPr marL="171450" lvl="1" indent="-171450" algn="l" defTabSz="711200">
+            <a:lnSpc>
+              <a:spcPct val="90000"/>
+            </a:lnSpc>
+            <a:spcBef>
+              <a:spcPct val="0"/>
+            </a:spcBef>
+            <a:spcAft>
+              <a:spcPct val="15000"/>
+            </a:spcAft>
+            <a:buChar char="•"/>
+          </a:pPr>
+          <a:r>
+            <a:rPr lang="en-US" sz="1600" kern="1200" dirty="0"/>
+            <a:t>Excel</a:t>
+          </a:r>
+        </a:p>
+        <a:p>
+          <a:pPr marL="171450" lvl="1" indent="-171450" algn="l" defTabSz="711200">
+            <a:lnSpc>
+              <a:spcPct val="90000"/>
+            </a:lnSpc>
+            <a:spcBef>
+              <a:spcPct val="0"/>
+            </a:spcBef>
+            <a:spcAft>
+              <a:spcPct val="15000"/>
+            </a:spcAft>
+            <a:buChar char="•"/>
+          </a:pPr>
+          <a:r>
+            <a:rPr lang="en-US" sz="1600" kern="1200" dirty="0"/>
+            <a:t>Data Loader IO</a:t>
+          </a:r>
+        </a:p>
+        <a:p>
+          <a:pPr marL="171450" lvl="1" indent="-171450" algn="l" defTabSz="711200">
+            <a:lnSpc>
+              <a:spcPct val="90000"/>
+            </a:lnSpc>
+            <a:spcBef>
+              <a:spcPct val="0"/>
+            </a:spcBef>
+            <a:spcAft>
+              <a:spcPct val="15000"/>
+            </a:spcAft>
+            <a:buChar char="•"/>
+          </a:pPr>
+          <a:r>
+            <a:rPr lang="en-US" sz="1600" kern="1200" dirty="0" err="1"/>
+            <a:t>Gearset</a:t>
+          </a:r>
+          <a:r>
+            <a:rPr lang="en-US" sz="1600" kern="1200" dirty="0"/>
+            <a:t> Deployments</a:t>
+          </a:r>
+        </a:p>
+        <a:p>
+          <a:pPr marL="171450" lvl="1" indent="-171450" algn="l" defTabSz="711200">
+            <a:lnSpc>
+              <a:spcPct val="90000"/>
+            </a:lnSpc>
+            <a:spcBef>
+              <a:spcPct val="0"/>
+            </a:spcBef>
+            <a:spcAft>
+              <a:spcPct val="15000"/>
+            </a:spcAft>
+            <a:buChar char="•"/>
+          </a:pPr>
+          <a:r>
+            <a:rPr lang="en-US" sz="1600" kern="1200" dirty="0" err="1"/>
+            <a:t>Github</a:t>
+          </a:r>
+          <a:endParaRPr lang="en-US" sz="1600" kern="1200" dirty="0"/>
+        </a:p>
+        <a:p>
+          <a:pPr marL="171450" lvl="1" indent="-171450" algn="l" defTabSz="711200">
+            <a:lnSpc>
+              <a:spcPct val="90000"/>
+            </a:lnSpc>
+            <a:spcBef>
+              <a:spcPct val="0"/>
+            </a:spcBef>
+            <a:spcAft>
+              <a:spcPct val="15000"/>
+            </a:spcAft>
+            <a:buChar char="•"/>
+          </a:pPr>
+          <a:r>
+            <a:rPr lang="en-US" sz="1600" kern="1200" dirty="0"/>
+            <a:t>Atom Text Editor</a:t>
+          </a:r>
+        </a:p>
+        <a:p>
+          <a:pPr marL="171450" lvl="1" indent="-171450" algn="l" defTabSz="711200">
+            <a:lnSpc>
+              <a:spcPct val="90000"/>
+            </a:lnSpc>
+            <a:spcBef>
+              <a:spcPct val="0"/>
+            </a:spcBef>
+            <a:spcAft>
+              <a:spcPct val="15000"/>
+            </a:spcAft>
+            <a:buChar char="•"/>
+          </a:pPr>
+          <a:r>
+            <a:rPr lang="en-US" sz="1600" kern="1200" dirty="0"/>
+            <a:t>Maven’s Mate SFDC add-on</a:t>
+          </a:r>
+        </a:p>
+      </dsp:txBody>
+      <dsp:txXfrm>
+        <a:off x="6457814" y="505859"/>
+        <a:ext cx="2831101" cy="2898720"/>
       </dsp:txXfrm>
     </dsp:sp>
   </dsp:spTree>
@@ -7930,6 +10526,223 @@
 </dgm:layoutDef>
 </file>
 
+<file path=ppt/diagrams/layout4.xml><?xml version="1.0" encoding="utf-8"?>
+<dgm:layoutDef xmlns:dgm="http://schemas.openxmlformats.org/drawingml/2006/diagram" xmlns:a="http://schemas.openxmlformats.org/drawingml/2006/main" uniqueId="urn:microsoft.com/office/officeart/2005/8/layout/hList1">
+  <dgm:title val=""/>
+  <dgm:desc val=""/>
+  <dgm:catLst>
+    <dgm:cat type="list" pri="5000"/>
+    <dgm:cat type="convert" pri="5000"/>
+  </dgm:catLst>
+  <dgm:sampData>
+    <dgm:dataModel>
+      <dgm:ptLst>
+        <dgm:pt modelId="0" type="doc"/>
+        <dgm:pt modelId="1">
+          <dgm:prSet phldr="1"/>
+        </dgm:pt>
+        <dgm:pt modelId="11">
+          <dgm:prSet phldr="1"/>
+        </dgm:pt>
+        <dgm:pt modelId="12">
+          <dgm:prSet phldr="1"/>
+        </dgm:pt>
+        <dgm:pt modelId="2">
+          <dgm:prSet phldr="1"/>
+        </dgm:pt>
+        <dgm:pt modelId="21">
+          <dgm:prSet phldr="1"/>
+        </dgm:pt>
+        <dgm:pt modelId="22">
+          <dgm:prSet phldr="1"/>
+        </dgm:pt>
+        <dgm:pt modelId="3">
+          <dgm:prSet phldr="1"/>
+        </dgm:pt>
+        <dgm:pt modelId="31">
+          <dgm:prSet phldr="1"/>
+        </dgm:pt>
+        <dgm:pt modelId="32">
+          <dgm:prSet phldr="1"/>
+        </dgm:pt>
+      </dgm:ptLst>
+      <dgm:cxnLst>
+        <dgm:cxn modelId="4" srcId="0" destId="1" srcOrd="0" destOrd="0"/>
+        <dgm:cxn modelId="5" srcId="0" destId="2" srcOrd="1" destOrd="0"/>
+        <dgm:cxn modelId="6" srcId="0" destId="3" srcOrd="2" destOrd="0"/>
+        <dgm:cxn modelId="13" srcId="1" destId="11" srcOrd="0" destOrd="0"/>
+        <dgm:cxn modelId="14" srcId="1" destId="12" srcOrd="1" destOrd="0"/>
+        <dgm:cxn modelId="23" srcId="2" destId="21" srcOrd="0" destOrd="0"/>
+        <dgm:cxn modelId="24" srcId="2" destId="22" srcOrd="1" destOrd="0"/>
+        <dgm:cxn modelId="33" srcId="3" destId="31" srcOrd="0" destOrd="0"/>
+        <dgm:cxn modelId="34" srcId="3" destId="32" srcOrd="1" destOrd="0"/>
+      </dgm:cxnLst>
+      <dgm:bg/>
+      <dgm:whole/>
+    </dgm:dataModel>
+  </dgm:sampData>
+  <dgm:styleData>
+    <dgm:dataModel>
+      <dgm:ptLst>
+        <dgm:pt modelId="0" type="doc"/>
+        <dgm:pt modelId="1">
+          <dgm:prSet phldr="1"/>
+        </dgm:pt>
+        <dgm:pt modelId="2">
+          <dgm:prSet phldr="1"/>
+        </dgm:pt>
+      </dgm:ptLst>
+      <dgm:cxnLst>
+        <dgm:cxn modelId="3" srcId="0" destId="1" srcOrd="0" destOrd="0"/>
+        <dgm:cxn modelId="4" srcId="0" destId="2" srcOrd="1" destOrd="0"/>
+      </dgm:cxnLst>
+      <dgm:bg/>
+      <dgm:whole/>
+    </dgm:dataModel>
+  </dgm:styleData>
+  <dgm:clrData>
+    <dgm:dataModel>
+      <dgm:ptLst>
+        <dgm:pt modelId="0" type="doc"/>
+        <dgm:pt modelId="1">
+          <dgm:prSet phldr="1"/>
+        </dgm:pt>
+        <dgm:pt modelId="2">
+          <dgm:prSet phldr="1"/>
+        </dgm:pt>
+        <dgm:pt modelId="3">
+          <dgm:prSet phldr="1"/>
+        </dgm:pt>
+        <dgm:pt modelId="4">
+          <dgm:prSet phldr="1"/>
+        </dgm:pt>
+      </dgm:ptLst>
+      <dgm:cxnLst>
+        <dgm:cxn modelId="5" srcId="0" destId="1" srcOrd="0" destOrd="0"/>
+        <dgm:cxn modelId="6" srcId="0" destId="2" srcOrd="1" destOrd="0"/>
+        <dgm:cxn modelId="7" srcId="0" destId="3" srcOrd="2" destOrd="0"/>
+        <dgm:cxn modelId="8" srcId="0" destId="4" srcOrd="3" destOrd="0"/>
+      </dgm:cxnLst>
+      <dgm:bg/>
+      <dgm:whole/>
+    </dgm:dataModel>
+  </dgm:clrData>
+  <dgm:layoutNode name="Name0">
+    <dgm:varLst>
+      <dgm:dir/>
+      <dgm:animLvl val="lvl"/>
+      <dgm:resizeHandles val="exact"/>
+    </dgm:varLst>
+    <dgm:choose name="Name1">
+      <dgm:if name="Name2" func="var" arg="dir" op="equ" val="norm">
+        <dgm:alg type="lin"/>
+      </dgm:if>
+      <dgm:else name="Name3">
+        <dgm:alg type="lin">
+          <dgm:param type="linDir" val="fromR"/>
+        </dgm:alg>
+      </dgm:else>
+    </dgm:choose>
+    <dgm:shape xmlns:r="http://schemas.openxmlformats.org/officeDocument/2006/relationships" r:blip="">
+      <dgm:adjLst/>
+    </dgm:shape>
+    <dgm:presOf/>
+    <dgm:constrLst>
+      <dgm:constr type="h" for="ch" forName="composite" refType="h"/>
+      <dgm:constr type="w" for="ch" forName="composite" refType="w"/>
+      <dgm:constr type="w" for="des" forName="parTx"/>
+      <dgm:constr type="h" for="des" forName="parTx" op="equ"/>
+      <dgm:constr type="w" for="des" forName="desTx"/>
+      <dgm:constr type="h" for="des" forName="desTx" op="equ"/>
+      <dgm:constr type="primFontSz" for="des" forName="parTx" val="65"/>
+      <dgm:constr type="secFontSz" for="des" forName="desTx" refType="primFontSz" refFor="des" refForName="parTx" op="equ"/>
+      <dgm:constr type="h" for="des" forName="parTx" refType="primFontSz" refFor="des" refForName="parTx" fact="0.8"/>
+      <dgm:constr type="h" for="des" forName="desTx" refType="primFontSz" refFor="des" refForName="parTx" fact="1.22"/>
+      <dgm:constr type="w" for="ch" forName="space" refType="w" refFor="ch" refForName="composite" op="equ" fact="0.14"/>
+    </dgm:constrLst>
+    <dgm:ruleLst>
+      <dgm:rule type="w" for="ch" forName="composite" val="0" fact="NaN" max="NaN"/>
+      <dgm:rule type="primFontSz" for="des" forName="parTx" val="5" fact="NaN" max="NaN"/>
+    </dgm:ruleLst>
+    <dgm:forEach name="Name4" axis="ch" ptType="node">
+      <dgm:layoutNode name="composite">
+        <dgm:alg type="composite"/>
+        <dgm:shape xmlns:r="http://schemas.openxmlformats.org/officeDocument/2006/relationships" r:blip="">
+          <dgm:adjLst/>
+        </dgm:shape>
+        <dgm:presOf/>
+        <dgm:constrLst>
+          <dgm:constr type="l" for="ch" forName="parTx"/>
+          <dgm:constr type="w" for="ch" forName="parTx" refType="w"/>
+          <dgm:constr type="t" for="ch" forName="parTx"/>
+          <dgm:constr type="l" for="ch" forName="desTx"/>
+          <dgm:constr type="w" for="ch" forName="desTx" refType="w" refFor="ch" refForName="parTx"/>
+          <dgm:constr type="t" for="ch" forName="desTx" refType="h" refFor="ch" refForName="parTx"/>
+        </dgm:constrLst>
+        <dgm:ruleLst>
+          <dgm:rule type="h" val="INF" fact="NaN" max="NaN"/>
+        </dgm:ruleLst>
+        <dgm:layoutNode name="parTx" styleLbl="alignNode1">
+          <dgm:varLst>
+            <dgm:chMax val="0"/>
+            <dgm:chPref val="0"/>
+            <dgm:bulletEnabled val="1"/>
+          </dgm:varLst>
+          <dgm:alg type="tx"/>
+          <dgm:shape xmlns:r="http://schemas.openxmlformats.org/officeDocument/2006/relationships" type="rect" r:blip="">
+            <dgm:adjLst/>
+          </dgm:shape>
+          <dgm:presOf axis="self" ptType="node"/>
+          <dgm:constrLst>
+            <dgm:constr type="h" refType="w" op="lte" fact="0.4"/>
+            <dgm:constr type="h"/>
+            <dgm:constr type="tMarg" refType="primFontSz" fact="0.32"/>
+            <dgm:constr type="bMarg" refType="primFontSz" fact="0.32"/>
+          </dgm:constrLst>
+          <dgm:ruleLst>
+            <dgm:rule type="h" val="INF" fact="NaN" max="NaN"/>
+          </dgm:ruleLst>
+        </dgm:layoutNode>
+        <dgm:layoutNode name="desTx" styleLbl="alignAccFollowNode1">
+          <dgm:varLst>
+            <dgm:bulletEnabled val="1"/>
+          </dgm:varLst>
+          <dgm:alg type="tx">
+            <dgm:param type="stBulletLvl" val="1"/>
+          </dgm:alg>
+          <dgm:shape xmlns:r="http://schemas.openxmlformats.org/officeDocument/2006/relationships" type="rect" r:blip="">
+            <dgm:adjLst/>
+          </dgm:shape>
+          <dgm:presOf axis="des" ptType="node"/>
+          <dgm:constrLst>
+            <dgm:constr type="secFontSz" val="65"/>
+            <dgm:constr type="primFontSz" refType="secFontSz"/>
+            <dgm:constr type="h"/>
+            <dgm:constr type="lMarg" refType="primFontSz" fact="0.42"/>
+            <dgm:constr type="tMarg" refType="primFontSz" fact="0.42"/>
+            <dgm:constr type="bMarg" refType="primFontSz" fact="0.63"/>
+          </dgm:constrLst>
+          <dgm:ruleLst>
+            <dgm:rule type="h" val="INF" fact="NaN" max="NaN"/>
+          </dgm:ruleLst>
+        </dgm:layoutNode>
+      </dgm:layoutNode>
+      <dgm:forEach name="Name5" axis="followSib" ptType="sibTrans" cnt="1">
+        <dgm:layoutNode name="space">
+          <dgm:alg type="sp"/>
+          <dgm:shape xmlns:r="http://schemas.openxmlformats.org/officeDocument/2006/relationships" r:blip="">
+            <dgm:adjLst/>
+          </dgm:shape>
+          <dgm:presOf/>
+          <dgm:constrLst/>
+          <dgm:ruleLst/>
+        </dgm:layoutNode>
+      </dgm:forEach>
+    </dgm:forEach>
+  </dgm:layoutNode>
+</dgm:layoutDef>
+</file>
+
 <file path=ppt/diagrams/quickStyle1.xml><?xml version="1.0" encoding="utf-8"?>
 <dgm:styleDef xmlns:dgm="http://schemas.openxmlformats.org/drawingml/2006/diagram" xmlns:a="http://schemas.openxmlformats.org/drawingml/2006/main" uniqueId="urn:microsoft.com/office/officeart/2005/8/quickstyle/simple1">
   <dgm:title val=""/>
@@ -11004,6 +13817,1040 @@
         <a:scrgbClr r="0" g="0" b="0"/>
       </a:fillRef>
       <a:effectRef idx="0">
+        <a:scrgbClr r="0" g="0" b="0"/>
+      </a:effectRef>
+      <a:fontRef idx="minor"/>
+    </dgm:style>
+  </dgm:styleLbl>
+  <dgm:styleLbl name="revTx">
+    <dgm:scene3d>
+      <a:camera prst="orthographicFront"/>
+      <a:lightRig rig="threePt" dir="t"/>
+    </dgm:scene3d>
+    <dgm:sp3d/>
+    <dgm:txPr/>
+    <dgm:style>
+      <a:lnRef idx="0">
+        <a:scrgbClr r="0" g="0" b="0"/>
+      </a:lnRef>
+      <a:fillRef idx="0">
+        <a:scrgbClr r="0" g="0" b="0"/>
+      </a:fillRef>
+      <a:effectRef idx="0">
+        <a:scrgbClr r="0" g="0" b="0"/>
+      </a:effectRef>
+      <a:fontRef idx="minor"/>
+    </dgm:style>
+  </dgm:styleLbl>
+</dgm:styleDef>
+</file>
+
+<file path=ppt/diagrams/quickStyle4.xml><?xml version="1.0" encoding="utf-8"?>
+<dgm:styleDef xmlns:dgm="http://schemas.openxmlformats.org/drawingml/2006/diagram" xmlns:a="http://schemas.openxmlformats.org/drawingml/2006/main" uniqueId="urn:microsoft.com/office/officeart/2005/8/quickstyle/simple4">
+  <dgm:title val=""/>
+  <dgm:desc val=""/>
+  <dgm:catLst>
+    <dgm:cat type="simple" pri="10400"/>
+  </dgm:catLst>
+  <dgm:scene3d>
+    <a:camera prst="orthographicFront"/>
+    <a:lightRig rig="threePt" dir="t"/>
+  </dgm:scene3d>
+  <dgm:styleLbl name="node0">
+    <dgm:scene3d>
+      <a:camera prst="orthographicFront"/>
+      <a:lightRig rig="threePt" dir="t"/>
+    </dgm:scene3d>
+    <dgm:sp3d/>
+    <dgm:txPr/>
+    <dgm:style>
+      <a:lnRef idx="0">
+        <a:scrgbClr r="0" g="0" b="0"/>
+      </a:lnRef>
+      <a:fillRef idx="3">
+        <a:scrgbClr r="0" g="0" b="0"/>
+      </a:fillRef>
+      <a:effectRef idx="2">
+        <a:scrgbClr r="0" g="0" b="0"/>
+      </a:effectRef>
+      <a:fontRef idx="minor">
+        <a:schemeClr val="lt1"/>
+      </a:fontRef>
+    </dgm:style>
+  </dgm:styleLbl>
+  <dgm:styleLbl name="lnNode1">
+    <dgm:scene3d>
+      <a:camera prst="orthographicFront"/>
+      <a:lightRig rig="threePt" dir="t"/>
+    </dgm:scene3d>
+    <dgm:sp3d/>
+    <dgm:txPr/>
+    <dgm:style>
+      <a:lnRef idx="1">
+        <a:scrgbClr r="0" g="0" b="0"/>
+      </a:lnRef>
+      <a:fillRef idx="3">
+        <a:scrgbClr r="0" g="0" b="0"/>
+      </a:fillRef>
+      <a:effectRef idx="2">
+        <a:scrgbClr r="0" g="0" b="0"/>
+      </a:effectRef>
+      <a:fontRef idx="minor">
+        <a:schemeClr val="lt1"/>
+      </a:fontRef>
+    </dgm:style>
+  </dgm:styleLbl>
+  <dgm:styleLbl name="vennNode1">
+    <dgm:scene3d>
+      <a:camera prst="orthographicFront"/>
+      <a:lightRig rig="threePt" dir="t"/>
+    </dgm:scene3d>
+    <dgm:sp3d/>
+    <dgm:txPr/>
+    <dgm:style>
+      <a:lnRef idx="0">
+        <a:scrgbClr r="0" g="0" b="0"/>
+      </a:lnRef>
+      <a:fillRef idx="3">
+        <a:scrgbClr r="0" g="0" b="0"/>
+      </a:fillRef>
+      <a:effectRef idx="0">
+        <a:scrgbClr r="0" g="0" b="0"/>
+      </a:effectRef>
+      <a:fontRef idx="minor">
+        <a:schemeClr val="tx1"/>
+      </a:fontRef>
+    </dgm:style>
+  </dgm:styleLbl>
+  <dgm:styleLbl name="alignNode1">
+    <dgm:scene3d>
+      <a:camera prst="orthographicFront"/>
+      <a:lightRig rig="threePt" dir="t"/>
+    </dgm:scene3d>
+    <dgm:sp3d/>
+    <dgm:txPr/>
+    <dgm:style>
+      <a:lnRef idx="1">
+        <a:scrgbClr r="0" g="0" b="0"/>
+      </a:lnRef>
+      <a:fillRef idx="3">
+        <a:scrgbClr r="0" g="0" b="0"/>
+      </a:fillRef>
+      <a:effectRef idx="2">
+        <a:scrgbClr r="0" g="0" b="0"/>
+      </a:effectRef>
+      <a:fontRef idx="minor">
+        <a:schemeClr val="lt1"/>
+      </a:fontRef>
+    </dgm:style>
+  </dgm:styleLbl>
+  <dgm:styleLbl name="node1">
+    <dgm:scene3d>
+      <a:camera prst="orthographicFront"/>
+      <a:lightRig rig="threePt" dir="t"/>
+    </dgm:scene3d>
+    <dgm:sp3d/>
+    <dgm:txPr/>
+    <dgm:style>
+      <a:lnRef idx="0">
+        <a:scrgbClr r="0" g="0" b="0"/>
+      </a:lnRef>
+      <a:fillRef idx="3">
+        <a:scrgbClr r="0" g="0" b="0"/>
+      </a:fillRef>
+      <a:effectRef idx="2">
+        <a:scrgbClr r="0" g="0" b="0"/>
+      </a:effectRef>
+      <a:fontRef idx="minor">
+        <a:schemeClr val="lt1"/>
+      </a:fontRef>
+    </dgm:style>
+  </dgm:styleLbl>
+  <dgm:styleLbl name="node2">
+    <dgm:scene3d>
+      <a:camera prst="orthographicFront"/>
+      <a:lightRig rig="threePt" dir="t"/>
+    </dgm:scene3d>
+    <dgm:sp3d/>
+    <dgm:txPr/>
+    <dgm:style>
+      <a:lnRef idx="0">
+        <a:scrgbClr r="0" g="0" b="0"/>
+      </a:lnRef>
+      <a:fillRef idx="3">
+        <a:scrgbClr r="0" g="0" b="0"/>
+      </a:fillRef>
+      <a:effectRef idx="2">
+        <a:scrgbClr r="0" g="0" b="0"/>
+      </a:effectRef>
+      <a:fontRef idx="minor">
+        <a:schemeClr val="lt1"/>
+      </a:fontRef>
+    </dgm:style>
+  </dgm:styleLbl>
+  <dgm:styleLbl name="node3">
+    <dgm:scene3d>
+      <a:camera prst="orthographicFront"/>
+      <a:lightRig rig="threePt" dir="t"/>
+    </dgm:scene3d>
+    <dgm:sp3d/>
+    <dgm:txPr/>
+    <dgm:style>
+      <a:lnRef idx="0">
+        <a:scrgbClr r="0" g="0" b="0"/>
+      </a:lnRef>
+      <a:fillRef idx="3">
+        <a:scrgbClr r="0" g="0" b="0"/>
+      </a:fillRef>
+      <a:effectRef idx="2">
+        <a:scrgbClr r="0" g="0" b="0"/>
+      </a:effectRef>
+      <a:fontRef idx="minor">
+        <a:schemeClr val="lt1"/>
+      </a:fontRef>
+    </dgm:style>
+  </dgm:styleLbl>
+  <dgm:styleLbl name="node4">
+    <dgm:scene3d>
+      <a:camera prst="orthographicFront"/>
+      <a:lightRig rig="threePt" dir="t"/>
+    </dgm:scene3d>
+    <dgm:sp3d/>
+    <dgm:txPr/>
+    <dgm:style>
+      <a:lnRef idx="0">
+        <a:scrgbClr r="0" g="0" b="0"/>
+      </a:lnRef>
+      <a:fillRef idx="3">
+        <a:scrgbClr r="0" g="0" b="0"/>
+      </a:fillRef>
+      <a:effectRef idx="2">
+        <a:scrgbClr r="0" g="0" b="0"/>
+      </a:effectRef>
+      <a:fontRef idx="minor">
+        <a:schemeClr val="lt1"/>
+      </a:fontRef>
+    </dgm:style>
+  </dgm:styleLbl>
+  <dgm:styleLbl name="fgImgPlace1">
+    <dgm:scene3d>
+      <a:camera prst="orthographicFront"/>
+      <a:lightRig rig="threePt" dir="t"/>
+    </dgm:scene3d>
+    <dgm:sp3d/>
+    <dgm:txPr/>
+    <dgm:style>
+      <a:lnRef idx="0">
+        <a:scrgbClr r="0" g="0" b="0"/>
+      </a:lnRef>
+      <a:fillRef idx="1">
+        <a:scrgbClr r="0" g="0" b="0"/>
+      </a:fillRef>
+      <a:effectRef idx="2">
+        <a:scrgbClr r="0" g="0" b="0"/>
+      </a:effectRef>
+      <a:fontRef idx="minor"/>
+    </dgm:style>
+  </dgm:styleLbl>
+  <dgm:styleLbl name="alignImgPlace1">
+    <dgm:scene3d>
+      <a:camera prst="orthographicFront"/>
+      <a:lightRig rig="threePt" dir="t"/>
+    </dgm:scene3d>
+    <dgm:sp3d/>
+    <dgm:txPr/>
+    <dgm:style>
+      <a:lnRef idx="0">
+        <a:scrgbClr r="0" g="0" b="0"/>
+      </a:lnRef>
+      <a:fillRef idx="1">
+        <a:scrgbClr r="0" g="0" b="0"/>
+      </a:fillRef>
+      <a:effectRef idx="2">
+        <a:scrgbClr r="0" g="0" b="0"/>
+      </a:effectRef>
+      <a:fontRef idx="minor"/>
+    </dgm:style>
+  </dgm:styleLbl>
+  <dgm:styleLbl name="bgImgPlace1">
+    <dgm:scene3d>
+      <a:camera prst="orthographicFront"/>
+      <a:lightRig rig="threePt" dir="t"/>
+    </dgm:scene3d>
+    <dgm:sp3d/>
+    <dgm:txPr/>
+    <dgm:style>
+      <a:lnRef idx="0">
+        <a:scrgbClr r="0" g="0" b="0"/>
+      </a:lnRef>
+      <a:fillRef idx="1">
+        <a:scrgbClr r="0" g="0" b="0"/>
+      </a:fillRef>
+      <a:effectRef idx="2">
+        <a:scrgbClr r="0" g="0" b="0"/>
+      </a:effectRef>
+      <a:fontRef idx="minor"/>
+    </dgm:style>
+  </dgm:styleLbl>
+  <dgm:styleLbl name="sibTrans2D1">
+    <dgm:scene3d>
+      <a:camera prst="orthographicFront"/>
+      <a:lightRig rig="threePt" dir="t"/>
+    </dgm:scene3d>
+    <dgm:sp3d/>
+    <dgm:txPr/>
+    <dgm:style>
+      <a:lnRef idx="0">
+        <a:scrgbClr r="0" g="0" b="0"/>
+      </a:lnRef>
+      <a:fillRef idx="3">
+        <a:scrgbClr r="0" g="0" b="0"/>
+      </a:fillRef>
+      <a:effectRef idx="2">
+        <a:scrgbClr r="0" g="0" b="0"/>
+      </a:effectRef>
+      <a:fontRef idx="minor">
+        <a:schemeClr val="lt1"/>
+      </a:fontRef>
+    </dgm:style>
+  </dgm:styleLbl>
+  <dgm:styleLbl name="fgSibTrans2D1">
+    <dgm:scene3d>
+      <a:camera prst="orthographicFront"/>
+      <a:lightRig rig="threePt" dir="t"/>
+    </dgm:scene3d>
+    <dgm:sp3d/>
+    <dgm:txPr/>
+    <dgm:style>
+      <a:lnRef idx="0">
+        <a:scrgbClr r="0" g="0" b="0"/>
+      </a:lnRef>
+      <a:fillRef idx="3">
+        <a:scrgbClr r="0" g="0" b="0"/>
+      </a:fillRef>
+      <a:effectRef idx="2">
+        <a:scrgbClr r="0" g="0" b="0"/>
+      </a:effectRef>
+      <a:fontRef idx="minor">
+        <a:schemeClr val="lt1"/>
+      </a:fontRef>
+    </dgm:style>
+  </dgm:styleLbl>
+  <dgm:styleLbl name="bgSibTrans2D1">
+    <dgm:scene3d>
+      <a:camera prst="orthographicFront"/>
+      <a:lightRig rig="threePt" dir="t"/>
+    </dgm:scene3d>
+    <dgm:sp3d/>
+    <dgm:txPr/>
+    <dgm:style>
+      <a:lnRef idx="0">
+        <a:scrgbClr r="0" g="0" b="0"/>
+      </a:lnRef>
+      <a:fillRef idx="3">
+        <a:scrgbClr r="0" g="0" b="0"/>
+      </a:fillRef>
+      <a:effectRef idx="2">
+        <a:scrgbClr r="0" g="0" b="0"/>
+      </a:effectRef>
+      <a:fontRef idx="minor">
+        <a:schemeClr val="lt1"/>
+      </a:fontRef>
+    </dgm:style>
+  </dgm:styleLbl>
+  <dgm:styleLbl name="sibTrans1D1">
+    <dgm:scene3d>
+      <a:camera prst="orthographicFront"/>
+      <a:lightRig rig="threePt" dir="t"/>
+    </dgm:scene3d>
+    <dgm:sp3d/>
+    <dgm:txPr/>
+    <dgm:style>
+      <a:lnRef idx="1">
+        <a:scrgbClr r="0" g="0" b="0"/>
+      </a:lnRef>
+      <a:fillRef idx="0">
+        <a:scrgbClr r="0" g="0" b="0"/>
+      </a:fillRef>
+      <a:effectRef idx="0">
+        <a:scrgbClr r="0" g="0" b="0"/>
+      </a:effectRef>
+      <a:fontRef idx="minor"/>
+    </dgm:style>
+  </dgm:styleLbl>
+  <dgm:styleLbl name="callout">
+    <dgm:scene3d>
+      <a:camera prst="orthographicFront"/>
+      <a:lightRig rig="threePt" dir="t"/>
+    </dgm:scene3d>
+    <dgm:sp3d/>
+    <dgm:txPr/>
+    <dgm:style>
+      <a:lnRef idx="2">
+        <a:scrgbClr r="0" g="0" b="0"/>
+      </a:lnRef>
+      <a:fillRef idx="1">
+        <a:scrgbClr r="0" g="0" b="0"/>
+      </a:fillRef>
+      <a:effectRef idx="1">
+        <a:scrgbClr r="0" g="0" b="0"/>
+      </a:effectRef>
+      <a:fontRef idx="minor"/>
+    </dgm:style>
+  </dgm:styleLbl>
+  <dgm:styleLbl name="asst0">
+    <dgm:scene3d>
+      <a:camera prst="orthographicFront"/>
+      <a:lightRig rig="threePt" dir="t"/>
+    </dgm:scene3d>
+    <dgm:sp3d/>
+    <dgm:txPr/>
+    <dgm:style>
+      <a:lnRef idx="0">
+        <a:scrgbClr r="0" g="0" b="0"/>
+      </a:lnRef>
+      <a:fillRef idx="3">
+        <a:scrgbClr r="0" g="0" b="0"/>
+      </a:fillRef>
+      <a:effectRef idx="2">
+        <a:scrgbClr r="0" g="0" b="0"/>
+      </a:effectRef>
+      <a:fontRef idx="minor">
+        <a:schemeClr val="lt1"/>
+      </a:fontRef>
+    </dgm:style>
+  </dgm:styleLbl>
+  <dgm:styleLbl name="asst1">
+    <dgm:scene3d>
+      <a:camera prst="orthographicFront"/>
+      <a:lightRig rig="threePt" dir="t"/>
+    </dgm:scene3d>
+    <dgm:sp3d/>
+    <dgm:txPr/>
+    <dgm:style>
+      <a:lnRef idx="0">
+        <a:scrgbClr r="0" g="0" b="0"/>
+      </a:lnRef>
+      <a:fillRef idx="3">
+        <a:scrgbClr r="0" g="0" b="0"/>
+      </a:fillRef>
+      <a:effectRef idx="2">
+        <a:scrgbClr r="0" g="0" b="0"/>
+      </a:effectRef>
+      <a:fontRef idx="minor">
+        <a:schemeClr val="lt1"/>
+      </a:fontRef>
+    </dgm:style>
+  </dgm:styleLbl>
+  <dgm:styleLbl name="asst2">
+    <dgm:scene3d>
+      <a:camera prst="orthographicFront"/>
+      <a:lightRig rig="threePt" dir="t"/>
+    </dgm:scene3d>
+    <dgm:sp3d/>
+    <dgm:txPr/>
+    <dgm:style>
+      <a:lnRef idx="0">
+        <a:scrgbClr r="0" g="0" b="0"/>
+      </a:lnRef>
+      <a:fillRef idx="3">
+        <a:scrgbClr r="0" g="0" b="0"/>
+      </a:fillRef>
+      <a:effectRef idx="2">
+        <a:scrgbClr r="0" g="0" b="0"/>
+      </a:effectRef>
+      <a:fontRef idx="minor">
+        <a:schemeClr val="lt1"/>
+      </a:fontRef>
+    </dgm:style>
+  </dgm:styleLbl>
+  <dgm:styleLbl name="asst3">
+    <dgm:scene3d>
+      <a:camera prst="orthographicFront"/>
+      <a:lightRig rig="threePt" dir="t"/>
+    </dgm:scene3d>
+    <dgm:sp3d/>
+    <dgm:txPr/>
+    <dgm:style>
+      <a:lnRef idx="0">
+        <a:scrgbClr r="0" g="0" b="0"/>
+      </a:lnRef>
+      <a:fillRef idx="3">
+        <a:scrgbClr r="0" g="0" b="0"/>
+      </a:fillRef>
+      <a:effectRef idx="2">
+        <a:scrgbClr r="0" g="0" b="0"/>
+      </a:effectRef>
+      <a:fontRef idx="minor">
+        <a:schemeClr val="lt1"/>
+      </a:fontRef>
+    </dgm:style>
+  </dgm:styleLbl>
+  <dgm:styleLbl name="asst4">
+    <dgm:scene3d>
+      <a:camera prst="orthographicFront"/>
+      <a:lightRig rig="threePt" dir="t"/>
+    </dgm:scene3d>
+    <dgm:sp3d/>
+    <dgm:txPr/>
+    <dgm:style>
+      <a:lnRef idx="0">
+        <a:scrgbClr r="0" g="0" b="0"/>
+      </a:lnRef>
+      <a:fillRef idx="3">
+        <a:scrgbClr r="0" g="0" b="0"/>
+      </a:fillRef>
+      <a:effectRef idx="2">
+        <a:scrgbClr r="0" g="0" b="0"/>
+      </a:effectRef>
+      <a:fontRef idx="minor">
+        <a:schemeClr val="lt1"/>
+      </a:fontRef>
+    </dgm:style>
+  </dgm:styleLbl>
+  <dgm:styleLbl name="parChTrans2D1">
+    <dgm:scene3d>
+      <a:camera prst="orthographicFront"/>
+      <a:lightRig rig="threePt" dir="t"/>
+    </dgm:scene3d>
+    <dgm:sp3d/>
+    <dgm:txPr/>
+    <dgm:style>
+      <a:lnRef idx="0">
+        <a:scrgbClr r="0" g="0" b="0"/>
+      </a:lnRef>
+      <a:fillRef idx="3">
+        <a:scrgbClr r="0" g="0" b="0"/>
+      </a:fillRef>
+      <a:effectRef idx="2">
+        <a:scrgbClr r="0" g="0" b="0"/>
+      </a:effectRef>
+      <a:fontRef idx="minor">
+        <a:schemeClr val="lt1"/>
+      </a:fontRef>
+    </dgm:style>
+  </dgm:styleLbl>
+  <dgm:styleLbl name="parChTrans2D2">
+    <dgm:scene3d>
+      <a:camera prst="orthographicFront"/>
+      <a:lightRig rig="threePt" dir="t"/>
+    </dgm:scene3d>
+    <dgm:sp3d/>
+    <dgm:txPr/>
+    <dgm:style>
+      <a:lnRef idx="0">
+        <a:scrgbClr r="0" g="0" b="0"/>
+      </a:lnRef>
+      <a:fillRef idx="3">
+        <a:scrgbClr r="0" g="0" b="0"/>
+      </a:fillRef>
+      <a:effectRef idx="2">
+        <a:scrgbClr r="0" g="0" b="0"/>
+      </a:effectRef>
+      <a:fontRef idx="minor">
+        <a:schemeClr val="lt1"/>
+      </a:fontRef>
+    </dgm:style>
+  </dgm:styleLbl>
+  <dgm:styleLbl name="parChTrans2D3">
+    <dgm:scene3d>
+      <a:camera prst="orthographicFront"/>
+      <a:lightRig rig="threePt" dir="t"/>
+    </dgm:scene3d>
+    <dgm:sp3d/>
+    <dgm:txPr/>
+    <dgm:style>
+      <a:lnRef idx="1">
+        <a:scrgbClr r="0" g="0" b="0"/>
+      </a:lnRef>
+      <a:fillRef idx="3">
+        <a:scrgbClr r="0" g="0" b="0"/>
+      </a:fillRef>
+      <a:effectRef idx="2">
+        <a:scrgbClr r="0" g="0" b="0"/>
+      </a:effectRef>
+      <a:fontRef idx="minor">
+        <a:schemeClr val="lt1"/>
+      </a:fontRef>
+    </dgm:style>
+  </dgm:styleLbl>
+  <dgm:styleLbl name="parChTrans2D4">
+    <dgm:scene3d>
+      <a:camera prst="orthographicFront"/>
+      <a:lightRig rig="threePt" dir="t"/>
+    </dgm:scene3d>
+    <dgm:sp3d/>
+    <dgm:txPr/>
+    <dgm:style>
+      <a:lnRef idx="1">
+        <a:scrgbClr r="0" g="0" b="0"/>
+      </a:lnRef>
+      <a:fillRef idx="3">
+        <a:scrgbClr r="0" g="0" b="0"/>
+      </a:fillRef>
+      <a:effectRef idx="2">
+        <a:scrgbClr r="0" g="0" b="0"/>
+      </a:effectRef>
+      <a:fontRef idx="minor">
+        <a:schemeClr val="lt1"/>
+      </a:fontRef>
+    </dgm:style>
+  </dgm:styleLbl>
+  <dgm:styleLbl name="parChTrans1D1">
+    <dgm:scene3d>
+      <a:camera prst="orthographicFront"/>
+      <a:lightRig rig="threePt" dir="t"/>
+    </dgm:scene3d>
+    <dgm:sp3d/>
+    <dgm:txPr/>
+    <dgm:style>
+      <a:lnRef idx="1">
+        <a:scrgbClr r="0" g="0" b="0"/>
+      </a:lnRef>
+      <a:fillRef idx="0">
+        <a:scrgbClr r="0" g="0" b="0"/>
+      </a:fillRef>
+      <a:effectRef idx="0">
+        <a:scrgbClr r="0" g="0" b="0"/>
+      </a:effectRef>
+      <a:fontRef idx="minor"/>
+    </dgm:style>
+  </dgm:styleLbl>
+  <dgm:styleLbl name="parChTrans1D2">
+    <dgm:scene3d>
+      <a:camera prst="orthographicFront"/>
+      <a:lightRig rig="threePt" dir="t"/>
+    </dgm:scene3d>
+    <dgm:sp3d/>
+    <dgm:txPr/>
+    <dgm:style>
+      <a:lnRef idx="1">
+        <a:scrgbClr r="0" g="0" b="0"/>
+      </a:lnRef>
+      <a:fillRef idx="0">
+        <a:scrgbClr r="0" g="0" b="0"/>
+      </a:fillRef>
+      <a:effectRef idx="0">
+        <a:scrgbClr r="0" g="0" b="0"/>
+      </a:effectRef>
+      <a:fontRef idx="minor"/>
+    </dgm:style>
+  </dgm:styleLbl>
+  <dgm:styleLbl name="parChTrans1D3">
+    <dgm:scene3d>
+      <a:camera prst="orthographicFront"/>
+      <a:lightRig rig="threePt" dir="t"/>
+    </dgm:scene3d>
+    <dgm:sp3d/>
+    <dgm:txPr/>
+    <dgm:style>
+      <a:lnRef idx="1">
+        <a:scrgbClr r="0" g="0" b="0"/>
+      </a:lnRef>
+      <a:fillRef idx="0">
+        <a:scrgbClr r="0" g="0" b="0"/>
+      </a:fillRef>
+      <a:effectRef idx="0">
+        <a:scrgbClr r="0" g="0" b="0"/>
+      </a:effectRef>
+      <a:fontRef idx="minor"/>
+    </dgm:style>
+  </dgm:styleLbl>
+  <dgm:styleLbl name="parChTrans1D4">
+    <dgm:scene3d>
+      <a:camera prst="orthographicFront"/>
+      <a:lightRig rig="threePt" dir="t"/>
+    </dgm:scene3d>
+    <dgm:sp3d/>
+    <dgm:txPr/>
+    <dgm:style>
+      <a:lnRef idx="1">
+        <a:scrgbClr r="0" g="0" b="0"/>
+      </a:lnRef>
+      <a:fillRef idx="0">
+        <a:scrgbClr r="0" g="0" b="0"/>
+      </a:fillRef>
+      <a:effectRef idx="0">
+        <a:scrgbClr r="0" g="0" b="0"/>
+      </a:effectRef>
+      <a:fontRef idx="minor"/>
+    </dgm:style>
+  </dgm:styleLbl>
+  <dgm:styleLbl name="fgAcc1">
+    <dgm:scene3d>
+      <a:camera prst="orthographicFront"/>
+      <a:lightRig rig="threePt" dir="t"/>
+    </dgm:scene3d>
+    <dgm:sp3d/>
+    <dgm:txPr/>
+    <dgm:style>
+      <a:lnRef idx="1">
+        <a:scrgbClr r="0" g="0" b="0"/>
+      </a:lnRef>
+      <a:fillRef idx="1">
+        <a:scrgbClr r="0" g="0" b="0"/>
+      </a:fillRef>
+      <a:effectRef idx="0">
+        <a:scrgbClr r="0" g="0" b="0"/>
+      </a:effectRef>
+      <a:fontRef idx="minor"/>
+    </dgm:style>
+  </dgm:styleLbl>
+  <dgm:styleLbl name="conFgAcc1">
+    <dgm:scene3d>
+      <a:camera prst="orthographicFront"/>
+      <a:lightRig rig="threePt" dir="t"/>
+    </dgm:scene3d>
+    <dgm:sp3d/>
+    <dgm:txPr/>
+    <dgm:style>
+      <a:lnRef idx="1">
+        <a:scrgbClr r="0" g="0" b="0"/>
+      </a:lnRef>
+      <a:fillRef idx="1">
+        <a:scrgbClr r="0" g="0" b="0"/>
+      </a:fillRef>
+      <a:effectRef idx="0">
+        <a:scrgbClr r="0" g="0" b="0"/>
+      </a:effectRef>
+      <a:fontRef idx="minor"/>
+    </dgm:style>
+  </dgm:styleLbl>
+  <dgm:styleLbl name="alignAcc1">
+    <dgm:scene3d>
+      <a:camera prst="orthographicFront"/>
+      <a:lightRig rig="threePt" dir="t"/>
+    </dgm:scene3d>
+    <dgm:sp3d/>
+    <dgm:txPr/>
+    <dgm:style>
+      <a:lnRef idx="1">
+        <a:scrgbClr r="0" g="0" b="0"/>
+      </a:lnRef>
+      <a:fillRef idx="1">
+        <a:scrgbClr r="0" g="0" b="0"/>
+      </a:fillRef>
+      <a:effectRef idx="0">
+        <a:scrgbClr r="0" g="0" b="0"/>
+      </a:effectRef>
+      <a:fontRef idx="minor"/>
+    </dgm:style>
+  </dgm:styleLbl>
+  <dgm:styleLbl name="trAlignAcc1">
+    <dgm:scene3d>
+      <a:camera prst="orthographicFront"/>
+      <a:lightRig rig="threePt" dir="t"/>
+    </dgm:scene3d>
+    <dgm:sp3d/>
+    <dgm:txPr/>
+    <dgm:style>
+      <a:lnRef idx="1">
+        <a:scrgbClr r="0" g="0" b="0"/>
+      </a:lnRef>
+      <a:fillRef idx="1">
+        <a:scrgbClr r="0" g="0" b="0"/>
+      </a:fillRef>
+      <a:effectRef idx="0">
+        <a:scrgbClr r="0" g="0" b="0"/>
+      </a:effectRef>
+      <a:fontRef idx="minor"/>
+    </dgm:style>
+  </dgm:styleLbl>
+  <dgm:styleLbl name="bgAcc1">
+    <dgm:scene3d>
+      <a:camera prst="orthographicFront"/>
+      <a:lightRig rig="threePt" dir="t"/>
+    </dgm:scene3d>
+    <dgm:sp3d/>
+    <dgm:txPr/>
+    <dgm:style>
+      <a:lnRef idx="1">
+        <a:scrgbClr r="0" g="0" b="0"/>
+      </a:lnRef>
+      <a:fillRef idx="1">
+        <a:scrgbClr r="0" g="0" b="0"/>
+      </a:fillRef>
+      <a:effectRef idx="0">
+        <a:scrgbClr r="0" g="0" b="0"/>
+      </a:effectRef>
+      <a:fontRef idx="minor"/>
+    </dgm:style>
+  </dgm:styleLbl>
+  <dgm:styleLbl name="solidFgAcc1">
+    <dgm:scene3d>
+      <a:camera prst="orthographicFront"/>
+      <a:lightRig rig="threePt" dir="t"/>
+    </dgm:scene3d>
+    <dgm:sp3d/>
+    <dgm:txPr/>
+    <dgm:style>
+      <a:lnRef idx="1">
+        <a:scrgbClr r="0" g="0" b="0"/>
+      </a:lnRef>
+      <a:fillRef idx="1">
+        <a:scrgbClr r="0" g="0" b="0"/>
+      </a:fillRef>
+      <a:effectRef idx="0">
+        <a:scrgbClr r="0" g="0" b="0"/>
+      </a:effectRef>
+      <a:fontRef idx="minor"/>
+    </dgm:style>
+  </dgm:styleLbl>
+  <dgm:styleLbl name="solidAlignAcc1">
+    <dgm:scene3d>
+      <a:camera prst="orthographicFront"/>
+      <a:lightRig rig="threePt" dir="t"/>
+    </dgm:scene3d>
+    <dgm:sp3d/>
+    <dgm:txPr/>
+    <dgm:style>
+      <a:lnRef idx="1">
+        <a:scrgbClr r="0" g="0" b="0"/>
+      </a:lnRef>
+      <a:fillRef idx="1">
+        <a:scrgbClr r="0" g="0" b="0"/>
+      </a:fillRef>
+      <a:effectRef idx="0">
+        <a:scrgbClr r="0" g="0" b="0"/>
+      </a:effectRef>
+      <a:fontRef idx="minor"/>
+    </dgm:style>
+  </dgm:styleLbl>
+  <dgm:styleLbl name="solidBgAcc1">
+    <dgm:scene3d>
+      <a:camera prst="orthographicFront"/>
+      <a:lightRig rig="threePt" dir="t"/>
+    </dgm:scene3d>
+    <dgm:sp3d/>
+    <dgm:txPr/>
+    <dgm:style>
+      <a:lnRef idx="1">
+        <a:scrgbClr r="0" g="0" b="0"/>
+      </a:lnRef>
+      <a:fillRef idx="1">
+        <a:scrgbClr r="0" g="0" b="0"/>
+      </a:fillRef>
+      <a:effectRef idx="0">
+        <a:scrgbClr r="0" g="0" b="0"/>
+      </a:effectRef>
+      <a:fontRef idx="minor"/>
+    </dgm:style>
+  </dgm:styleLbl>
+  <dgm:styleLbl name="fgAccFollowNode1">
+    <dgm:scene3d>
+      <a:camera prst="orthographicFront"/>
+      <a:lightRig rig="threePt" dir="t"/>
+    </dgm:scene3d>
+    <dgm:sp3d/>
+    <dgm:txPr/>
+    <dgm:style>
+      <a:lnRef idx="1">
+        <a:scrgbClr r="0" g="0" b="0"/>
+      </a:lnRef>
+      <a:fillRef idx="1">
+        <a:scrgbClr r="0" g="0" b="0"/>
+      </a:fillRef>
+      <a:effectRef idx="0">
+        <a:scrgbClr r="0" g="0" b="0"/>
+      </a:effectRef>
+      <a:fontRef idx="minor"/>
+    </dgm:style>
+  </dgm:styleLbl>
+  <dgm:styleLbl name="alignAccFollowNode1">
+    <dgm:scene3d>
+      <a:camera prst="orthographicFront"/>
+      <a:lightRig rig="threePt" dir="t"/>
+    </dgm:scene3d>
+    <dgm:sp3d/>
+    <dgm:txPr/>
+    <dgm:style>
+      <a:lnRef idx="1">
+        <a:scrgbClr r="0" g="0" b="0"/>
+      </a:lnRef>
+      <a:fillRef idx="1">
+        <a:scrgbClr r="0" g="0" b="0"/>
+      </a:fillRef>
+      <a:effectRef idx="0">
+        <a:scrgbClr r="0" g="0" b="0"/>
+      </a:effectRef>
+      <a:fontRef idx="minor"/>
+    </dgm:style>
+  </dgm:styleLbl>
+  <dgm:styleLbl name="bgAccFollowNode1">
+    <dgm:scene3d>
+      <a:camera prst="orthographicFront"/>
+      <a:lightRig rig="threePt" dir="t"/>
+    </dgm:scene3d>
+    <dgm:sp3d/>
+    <dgm:txPr/>
+    <dgm:style>
+      <a:lnRef idx="1">
+        <a:scrgbClr r="0" g="0" b="0"/>
+      </a:lnRef>
+      <a:fillRef idx="1">
+        <a:scrgbClr r="0" g="0" b="0"/>
+      </a:fillRef>
+      <a:effectRef idx="0">
+        <a:scrgbClr r="0" g="0" b="0"/>
+      </a:effectRef>
+      <a:fontRef idx="minor"/>
+    </dgm:style>
+  </dgm:styleLbl>
+  <dgm:styleLbl name="fgAcc0">
+    <dgm:scene3d>
+      <a:camera prst="orthographicFront"/>
+      <a:lightRig rig="threePt" dir="t"/>
+    </dgm:scene3d>
+    <dgm:sp3d/>
+    <dgm:txPr/>
+    <dgm:style>
+      <a:lnRef idx="1">
+        <a:scrgbClr r="0" g="0" b="0"/>
+      </a:lnRef>
+      <a:fillRef idx="1">
+        <a:scrgbClr r="0" g="0" b="0"/>
+      </a:fillRef>
+      <a:effectRef idx="0">
+        <a:scrgbClr r="0" g="0" b="0"/>
+      </a:effectRef>
+      <a:fontRef idx="minor"/>
+    </dgm:style>
+  </dgm:styleLbl>
+  <dgm:styleLbl name="fgAcc2">
+    <dgm:scene3d>
+      <a:camera prst="orthographicFront"/>
+      <a:lightRig rig="threePt" dir="t"/>
+    </dgm:scene3d>
+    <dgm:sp3d/>
+    <dgm:txPr/>
+    <dgm:style>
+      <a:lnRef idx="1">
+        <a:scrgbClr r="0" g="0" b="0"/>
+      </a:lnRef>
+      <a:fillRef idx="1">
+        <a:scrgbClr r="0" g="0" b="0"/>
+      </a:fillRef>
+      <a:effectRef idx="0">
+        <a:scrgbClr r="0" g="0" b="0"/>
+      </a:effectRef>
+      <a:fontRef idx="minor"/>
+    </dgm:style>
+  </dgm:styleLbl>
+  <dgm:styleLbl name="fgAcc3">
+    <dgm:scene3d>
+      <a:camera prst="orthographicFront"/>
+      <a:lightRig rig="threePt" dir="t"/>
+    </dgm:scene3d>
+    <dgm:sp3d/>
+    <dgm:txPr/>
+    <dgm:style>
+      <a:lnRef idx="1">
+        <a:scrgbClr r="0" g="0" b="0"/>
+      </a:lnRef>
+      <a:fillRef idx="1">
+        <a:scrgbClr r="0" g="0" b="0"/>
+      </a:fillRef>
+      <a:effectRef idx="0">
+        <a:scrgbClr r="0" g="0" b="0"/>
+      </a:effectRef>
+      <a:fontRef idx="minor"/>
+    </dgm:style>
+  </dgm:styleLbl>
+  <dgm:styleLbl name="fgAcc4">
+    <dgm:scene3d>
+      <a:camera prst="orthographicFront"/>
+      <a:lightRig rig="threePt" dir="t"/>
+    </dgm:scene3d>
+    <dgm:sp3d/>
+    <dgm:txPr/>
+    <dgm:style>
+      <a:lnRef idx="1">
+        <a:scrgbClr r="0" g="0" b="0"/>
+      </a:lnRef>
+      <a:fillRef idx="1">
+        <a:scrgbClr r="0" g="0" b="0"/>
+      </a:fillRef>
+      <a:effectRef idx="0">
+        <a:scrgbClr r="0" g="0" b="0"/>
+      </a:effectRef>
+      <a:fontRef idx="minor"/>
+    </dgm:style>
+  </dgm:styleLbl>
+  <dgm:styleLbl name="bgShp">
+    <dgm:scene3d>
+      <a:camera prst="orthographicFront"/>
+      <a:lightRig rig="threePt" dir="t"/>
+    </dgm:scene3d>
+    <dgm:sp3d/>
+    <dgm:txPr/>
+    <dgm:style>
+      <a:lnRef idx="0">
+        <a:scrgbClr r="0" g="0" b="0"/>
+      </a:lnRef>
+      <a:fillRef idx="1">
+        <a:scrgbClr r="0" g="0" b="0"/>
+      </a:fillRef>
+      <a:effectRef idx="2">
+        <a:scrgbClr r="0" g="0" b="0"/>
+      </a:effectRef>
+      <a:fontRef idx="minor"/>
+    </dgm:style>
+  </dgm:styleLbl>
+  <dgm:styleLbl name="dkBgShp">
+    <dgm:scene3d>
+      <a:camera prst="orthographicFront"/>
+      <a:lightRig rig="threePt" dir="t"/>
+    </dgm:scene3d>
+    <dgm:sp3d/>
+    <dgm:txPr/>
+    <dgm:style>
+      <a:lnRef idx="0">
+        <a:scrgbClr r="0" g="0" b="0"/>
+      </a:lnRef>
+      <a:fillRef idx="1">
+        <a:scrgbClr r="0" g="0" b="0"/>
+      </a:fillRef>
+      <a:effectRef idx="2">
+        <a:scrgbClr r="0" g="0" b="0"/>
+      </a:effectRef>
+      <a:fontRef idx="minor"/>
+    </dgm:style>
+  </dgm:styleLbl>
+  <dgm:styleLbl name="trBgShp">
+    <dgm:scene3d>
+      <a:camera prst="orthographicFront"/>
+      <a:lightRig rig="threePt" dir="t"/>
+    </dgm:scene3d>
+    <dgm:sp3d/>
+    <dgm:txPr/>
+    <dgm:style>
+      <a:lnRef idx="0">
+        <a:scrgbClr r="0" g="0" b="0"/>
+      </a:lnRef>
+      <a:fillRef idx="1">
+        <a:scrgbClr r="0" g="0" b="0"/>
+      </a:fillRef>
+      <a:effectRef idx="0">
+        <a:scrgbClr r="0" g="0" b="0"/>
+      </a:effectRef>
+      <a:fontRef idx="minor"/>
+    </dgm:style>
+  </dgm:styleLbl>
+  <dgm:styleLbl name="fgShp">
+    <dgm:scene3d>
+      <a:camera prst="orthographicFront"/>
+      <a:lightRig rig="threePt" dir="t"/>
+    </dgm:scene3d>
+    <dgm:sp3d/>
+    <dgm:txPr/>
+    <dgm:style>
+      <a:lnRef idx="0">
+        <a:scrgbClr r="0" g="0" b="0"/>
+      </a:lnRef>
+      <a:fillRef idx="3">
+        <a:scrgbClr r="0" g="0" b="0"/>
+      </a:fillRef>
+      <a:effectRef idx="2">
         <a:scrgbClr r="0" g="0" b="0"/>
       </a:effectRef>
       <a:fontRef idx="minor"/>
@@ -14291,7 +18138,7 @@
             <p:ph idx="1"/>
             <p:extLst>
               <p:ext uri="{D42A27DB-BD31-4B8C-83A1-F6EECF244321}">
-                <p14:modId xmlns:p14="http://schemas.microsoft.com/office/powerpoint/2010/main" val="14028400"/>
+                <p14:modId xmlns:p14="http://schemas.microsoft.com/office/powerpoint/2010/main" val="2611479262"/>
               </p:ext>
             </p:extLst>
           </p:nvPr>
@@ -14474,6 +18321,604 @@
     <p:extLst>
       <p:ext uri="{BB962C8B-B14F-4D97-AF65-F5344CB8AC3E}">
         <p14:creationId xmlns:p14="http://schemas.microsoft.com/office/powerpoint/2010/main" val="4242597432"/>
+      </p:ext>
+    </p:extLst>
+  </p:cSld>
+  <p:clrMapOvr>
+    <a:masterClrMapping/>
+  </p:clrMapOvr>
+</p:sld>
+</file>
+
+<file path=ppt/slides/slide5.xml><?xml version="1.0" encoding="utf-8"?>
+<p:sld xmlns:a="http://schemas.openxmlformats.org/drawingml/2006/main" xmlns:r="http://schemas.openxmlformats.org/officeDocument/2006/relationships" xmlns:p="http://schemas.openxmlformats.org/presentationml/2006/main">
+  <p:cSld>
+    <p:spTree>
+      <p:nvGrpSpPr>
+        <p:cNvPr id="1" name=""/>
+        <p:cNvGrpSpPr/>
+        <p:nvPr/>
+      </p:nvGrpSpPr>
+      <p:grpSpPr>
+        <a:xfrm>
+          <a:off x="0" y="0"/>
+          <a:ext cx="0" cy="0"/>
+          <a:chOff x="0" y="0"/>
+          <a:chExt cx="0" cy="0"/>
+        </a:xfrm>
+      </p:grpSpPr>
+      <p:grpSp>
+        <p:nvGrpSpPr>
+          <p:cNvPr id="5" name="Group 4"/>
+          <p:cNvGrpSpPr>
+            <a:grpSpLocks noGrp="1" noUngrp="1" noRot="1" noChangeAspect="1" noMove="1" noResize="1"/>
+          </p:cNvGrpSpPr>
+          <p:nvPr>
+            <p:extLst>
+              <p:ext uri="{386F3935-93C4-4BCD-93E2-E3B085C9AB24}">
+                <p16:designElem xmlns:p16="http://schemas.microsoft.com/office/powerpoint/2015/main" val="1"/>
+              </p:ext>
+            </p:extLst>
+          </p:nvPr>
+        </p:nvGrpSpPr>
+        <p:grpSpPr>
+          <a:xfrm>
+            <a:off x="3979389" y="482171"/>
+            <a:ext cx="7560115" cy="5149101"/>
+            <a:chOff x="3979389" y="482171"/>
+            <a:chExt cx="7560115" cy="5149101"/>
+          </a:xfrm>
+        </p:grpSpPr>
+        <p:sp>
+          <p:nvSpPr>
+            <p:cNvPr id="6" name="Rectangle 5"/>
+            <p:cNvSpPr/>
+            <p:nvPr>
+              <p:extLst>
+                <p:ext uri="{386F3935-93C4-4BCD-93E2-E3B085C9AB24}">
+                  <p16:designElem xmlns:p16="http://schemas.microsoft.com/office/powerpoint/2015/main" val="1"/>
+                </p:ext>
+              </p:extLst>
+            </p:nvPr>
+          </p:nvSpPr>
+          <p:spPr>
+            <a:xfrm>
+              <a:off x="3979389" y="482171"/>
+              <a:ext cx="7560115" cy="5149101"/>
+            </a:xfrm>
+            <a:prstGeom prst="rect">
+              <a:avLst/>
+            </a:prstGeom>
+            <a:blipFill dpi="0" rotWithShape="1">
+              <a:blip r:embed="rId2">
+                <a:alphaModFix amt="30000"/>
+              </a:blip>
+              <a:srcRect/>
+              <a:tile tx="0" ty="0" sx="100000" sy="100000" flip="none" algn="ctr"/>
+            </a:blipFill>
+            <a:ln w="76200" cmpd="sng">
+              <a:noFill/>
+              <a:miter lim="800000"/>
+            </a:ln>
+            <a:effectLst>
+              <a:outerShdw blurRad="127000" dist="228600" dir="4740000" sx="98000" sy="98000" algn="tl" rotWithShape="0">
+                <a:srgbClr val="000000">
+                  <a:alpha val="34000"/>
+                </a:srgbClr>
+              </a:outerShdw>
+            </a:effectLst>
+            <a:scene3d>
+              <a:camera prst="orthographicFront"/>
+              <a:lightRig rig="threePt" dir="t"/>
+            </a:scene3d>
+            <a:sp3d extrusionH="76200" contourW="12700" prstMaterial="matte">
+              <a:bevelT w="152400" h="50800" prst="softRound"/>
+              <a:extrusionClr>
+                <a:schemeClr val="tx2"/>
+              </a:extrusionClr>
+              <a:contourClr>
+                <a:schemeClr val="bg2"/>
+              </a:contourClr>
+            </a:sp3d>
+          </p:spPr>
+          <p:style>
+            <a:lnRef idx="1">
+              <a:schemeClr val="accent1"/>
+            </a:lnRef>
+            <a:fillRef idx="3">
+              <a:schemeClr val="accent1"/>
+            </a:fillRef>
+            <a:effectRef idx="2">
+              <a:schemeClr val="accent1"/>
+            </a:effectRef>
+            <a:fontRef idx="minor">
+              <a:schemeClr val="lt1"/>
+            </a:fontRef>
+          </p:style>
+          <p:txBody>
+            <a:bodyPr rtlCol="0" anchor="ctr"/>
+            <a:lstStyle/>
+            <a:p>
+              <a:pPr algn="ctr"/>
+              <a:endParaRPr lang="en-US"/>
+            </a:p>
+          </p:txBody>
+        </p:sp>
+        <p:sp>
+          <p:nvSpPr>
+            <p:cNvPr id="7" name="Rectangle 6"/>
+            <p:cNvSpPr/>
+            <p:nvPr>
+              <p:extLst>
+                <p:ext uri="{386F3935-93C4-4BCD-93E2-E3B085C9AB24}">
+                  <p16:designElem xmlns:p16="http://schemas.microsoft.com/office/powerpoint/2015/main" val="1"/>
+                </p:ext>
+              </p:extLst>
+            </p:nvPr>
+          </p:nvSpPr>
+          <p:spPr>
+            <a:xfrm>
+              <a:off x="4292448" y="812507"/>
+              <a:ext cx="6928279" cy="4466452"/>
+            </a:xfrm>
+            <a:prstGeom prst="rect">
+              <a:avLst/>
+            </a:prstGeom>
+            <a:gradFill>
+              <a:gsLst>
+                <a:gs pos="0">
+                  <a:srgbClr val="DADADA"/>
+                </a:gs>
+                <a:gs pos="100000">
+                  <a:srgbClr val="FFFFFE"/>
+                </a:gs>
+              </a:gsLst>
+              <a:lin ang="16200000" scaled="0"/>
+            </a:gradFill>
+            <a:ln w="38100" cmpd="sng">
+              <a:solidFill>
+                <a:schemeClr val="tx2">
+                  <a:lumMod val="25000"/>
+                </a:schemeClr>
+              </a:solidFill>
+              <a:miter lim="800000"/>
+            </a:ln>
+            <a:effectLst>
+              <a:innerShdw blurRad="63500" dist="88900" dir="14100000">
+                <a:srgbClr val="000000">
+                  <a:alpha val="30000"/>
+                </a:srgbClr>
+              </a:innerShdw>
+            </a:effectLst>
+            <a:scene3d>
+              <a:camera prst="orthographicFront"/>
+              <a:lightRig rig="threePt" dir="t"/>
+            </a:scene3d>
+            <a:sp3d>
+              <a:bevelT prst="relaxedInset"/>
+            </a:sp3d>
+          </p:spPr>
+          <p:style>
+            <a:lnRef idx="1">
+              <a:schemeClr val="accent1"/>
+            </a:lnRef>
+            <a:fillRef idx="3">
+              <a:schemeClr val="accent1"/>
+            </a:fillRef>
+            <a:effectRef idx="2">
+              <a:schemeClr val="accent1"/>
+            </a:effectRef>
+            <a:fontRef idx="minor">
+              <a:schemeClr val="lt1"/>
+            </a:fontRef>
+          </p:style>
+          <p:txBody>
+            <a:bodyPr rtlCol="0" anchor="ctr"/>
+            <a:lstStyle/>
+            <a:p>
+              <a:pPr algn="ctr"/>
+              <a:endParaRPr lang="en-US"/>
+            </a:p>
+          </p:txBody>
+        </p:sp>
+      </p:grpSp>
+      <p:pic>
+        <p:nvPicPr>
+          <p:cNvPr id="3" name="Picture 2"/>
+          <p:cNvPicPr>
+            <a:picLocks noChangeAspect="1"/>
+          </p:cNvPicPr>
+          <p:nvPr/>
+        </p:nvPicPr>
+        <p:blipFill>
+          <a:blip r:embed="rId3"/>
+          <a:stretch>
+            <a:fillRect/>
+          </a:stretch>
+        </p:blipFill>
+        <p:spPr>
+          <a:xfrm>
+            <a:off x="4618374" y="1164555"/>
+            <a:ext cx="6282919" cy="3769751"/>
+          </a:xfrm>
+          <a:prstGeom prst="rect">
+            <a:avLst/>
+          </a:prstGeom>
+        </p:spPr>
+      </p:pic>
+      <p:sp>
+        <p:nvSpPr>
+          <p:cNvPr id="2" name="Title 1"/>
+          <p:cNvSpPr>
+            <a:spLocks noGrp="1"/>
+          </p:cNvSpPr>
+          <p:nvPr>
+            <p:ph type="title"/>
+          </p:nvPr>
+        </p:nvSpPr>
+        <p:spPr>
+          <a:xfrm>
+            <a:off x="661251" y="1474970"/>
+            <a:ext cx="2821967" cy="3144914"/>
+          </a:xfrm>
+        </p:spPr>
+        <p:txBody>
+          <a:bodyPr anchor="ctr">
+            <a:normAutofit/>
+          </a:bodyPr>
+          <a:lstStyle/>
+          <a:p>
+            <a:r>
+              <a:rPr lang="en-US" dirty="0"/>
+              <a:t>Data Table Example</a:t>
+            </a:r>
+          </a:p>
+        </p:txBody>
+      </p:sp>
+    </p:spTree>
+    <p:extLst>
+      <p:ext uri="{BB962C8B-B14F-4D97-AF65-F5344CB8AC3E}">
+        <p14:creationId xmlns:p14="http://schemas.microsoft.com/office/powerpoint/2010/main" val="4228034329"/>
+      </p:ext>
+    </p:extLst>
+  </p:cSld>
+  <p:clrMapOvr>
+    <a:masterClrMapping/>
+  </p:clrMapOvr>
+</p:sld>
+</file>
+
+<file path=ppt/slides/slide6.xml><?xml version="1.0" encoding="utf-8"?>
+<p:sld xmlns:a="http://schemas.openxmlformats.org/drawingml/2006/main" xmlns:r="http://schemas.openxmlformats.org/officeDocument/2006/relationships" xmlns:p="http://schemas.openxmlformats.org/presentationml/2006/main">
+  <p:cSld>
+    <p:spTree>
+      <p:nvGrpSpPr>
+        <p:cNvPr id="1" name=""/>
+        <p:cNvGrpSpPr/>
+        <p:nvPr/>
+      </p:nvGrpSpPr>
+      <p:grpSpPr>
+        <a:xfrm>
+          <a:off x="0" y="0"/>
+          <a:ext cx="0" cy="0"/>
+          <a:chOff x="0" y="0"/>
+          <a:chExt cx="0" cy="0"/>
+        </a:xfrm>
+      </p:grpSpPr>
+      <p:grpSp>
+        <p:nvGrpSpPr>
+          <p:cNvPr id="5" name="Group 4"/>
+          <p:cNvGrpSpPr>
+            <a:grpSpLocks noGrp="1" noUngrp="1" noRot="1" noChangeAspect="1" noMove="1" noResize="1"/>
+          </p:cNvGrpSpPr>
+          <p:nvPr>
+            <p:extLst>
+              <p:ext uri="{386F3935-93C4-4BCD-93E2-E3B085C9AB24}">
+                <p16:designElem xmlns:p16="http://schemas.microsoft.com/office/powerpoint/2015/main" val="1"/>
+              </p:ext>
+            </p:extLst>
+          </p:nvPr>
+        </p:nvGrpSpPr>
+        <p:grpSpPr>
+          <a:xfrm>
+            <a:off x="632237" y="482171"/>
+            <a:ext cx="6104331" cy="5149101"/>
+            <a:chOff x="632237" y="482171"/>
+            <a:chExt cx="6104331" cy="5149101"/>
+          </a:xfrm>
+        </p:grpSpPr>
+        <p:sp>
+          <p:nvSpPr>
+            <p:cNvPr id="6" name="Rectangle 5"/>
+            <p:cNvSpPr/>
+            <p:nvPr>
+              <p:extLst>
+                <p:ext uri="{386F3935-93C4-4BCD-93E2-E3B085C9AB24}">
+                  <p16:designElem xmlns:p16="http://schemas.microsoft.com/office/powerpoint/2015/main" val="1"/>
+                </p:ext>
+              </p:extLst>
+            </p:nvPr>
+          </p:nvSpPr>
+          <p:spPr>
+            <a:xfrm>
+              <a:off x="632237" y="482171"/>
+              <a:ext cx="6104331" cy="5149101"/>
+            </a:xfrm>
+            <a:prstGeom prst="rect">
+              <a:avLst/>
+            </a:prstGeom>
+            <a:blipFill dpi="0" rotWithShape="1">
+              <a:blip r:embed="rId2">
+                <a:alphaModFix amt="30000"/>
+              </a:blip>
+              <a:srcRect/>
+              <a:tile tx="0" ty="0" sx="100000" sy="100000" flip="none" algn="ctr"/>
+            </a:blipFill>
+            <a:ln w="76200" cmpd="sng">
+              <a:noFill/>
+              <a:miter lim="800000"/>
+            </a:ln>
+            <a:effectLst>
+              <a:outerShdw blurRad="127000" dist="228600" dir="4740000" sx="98000" sy="98000" algn="tl" rotWithShape="0">
+                <a:srgbClr val="000000">
+                  <a:alpha val="34000"/>
+                </a:srgbClr>
+              </a:outerShdw>
+            </a:effectLst>
+            <a:scene3d>
+              <a:camera prst="orthographicFront"/>
+              <a:lightRig rig="threePt" dir="t"/>
+            </a:scene3d>
+            <a:sp3d extrusionH="76200" contourW="12700" prstMaterial="matte">
+              <a:bevelT w="152400" h="50800" prst="softRound"/>
+              <a:extrusionClr>
+                <a:schemeClr val="tx2"/>
+              </a:extrusionClr>
+              <a:contourClr>
+                <a:schemeClr val="bg2"/>
+              </a:contourClr>
+            </a:sp3d>
+          </p:spPr>
+          <p:style>
+            <a:lnRef idx="1">
+              <a:schemeClr val="accent1"/>
+            </a:lnRef>
+            <a:fillRef idx="3">
+              <a:schemeClr val="accent1"/>
+            </a:fillRef>
+            <a:effectRef idx="2">
+              <a:schemeClr val="accent1"/>
+            </a:effectRef>
+            <a:fontRef idx="minor">
+              <a:schemeClr val="lt1"/>
+            </a:fontRef>
+          </p:style>
+          <p:txBody>
+            <a:bodyPr rtlCol="0" anchor="ctr"/>
+            <a:lstStyle/>
+            <a:p>
+              <a:pPr algn="ctr"/>
+              <a:endParaRPr lang="en-US"/>
+            </a:p>
+          </p:txBody>
+        </p:sp>
+        <p:sp>
+          <p:nvSpPr>
+            <p:cNvPr id="7" name="Rectangle 6"/>
+            <p:cNvSpPr/>
+            <p:nvPr>
+              <p:extLst>
+                <p:ext uri="{386F3935-93C4-4BCD-93E2-E3B085C9AB24}">
+                  <p16:designElem xmlns:p16="http://schemas.microsoft.com/office/powerpoint/2015/main" val="1"/>
+                </p:ext>
+              </p:extLst>
+            </p:nvPr>
+          </p:nvSpPr>
+          <p:spPr>
+            <a:xfrm>
+              <a:off x="945296" y="812507"/>
+              <a:ext cx="5471355" cy="4466452"/>
+            </a:xfrm>
+            <a:prstGeom prst="rect">
+              <a:avLst/>
+            </a:prstGeom>
+            <a:gradFill>
+              <a:gsLst>
+                <a:gs pos="0">
+                  <a:srgbClr val="DADADA"/>
+                </a:gs>
+                <a:gs pos="100000">
+                  <a:srgbClr val="FFFFFE"/>
+                </a:gs>
+              </a:gsLst>
+              <a:lin ang="16200000" scaled="0"/>
+            </a:gradFill>
+            <a:ln w="38100" cmpd="sng">
+              <a:solidFill>
+                <a:schemeClr val="tx2">
+                  <a:lumMod val="25000"/>
+                </a:schemeClr>
+              </a:solidFill>
+              <a:miter lim="800000"/>
+            </a:ln>
+            <a:effectLst>
+              <a:innerShdw blurRad="63500" dist="88900" dir="14100000">
+                <a:srgbClr val="000000">
+                  <a:alpha val="30000"/>
+                </a:srgbClr>
+              </a:innerShdw>
+            </a:effectLst>
+            <a:scene3d>
+              <a:camera prst="orthographicFront"/>
+              <a:lightRig rig="threePt" dir="t"/>
+            </a:scene3d>
+            <a:sp3d>
+              <a:bevelT prst="relaxedInset"/>
+            </a:sp3d>
+          </p:spPr>
+          <p:style>
+            <a:lnRef idx="1">
+              <a:schemeClr val="accent1"/>
+            </a:lnRef>
+            <a:fillRef idx="3">
+              <a:schemeClr val="accent1"/>
+            </a:fillRef>
+            <a:effectRef idx="2">
+              <a:schemeClr val="accent1"/>
+            </a:effectRef>
+            <a:fontRef idx="minor">
+              <a:schemeClr val="lt1"/>
+            </a:fontRef>
+          </p:style>
+          <p:txBody>
+            <a:bodyPr rtlCol="0" anchor="ctr"/>
+            <a:lstStyle/>
+            <a:p>
+              <a:pPr algn="ctr"/>
+              <a:endParaRPr lang="en-US"/>
+            </a:p>
+          </p:txBody>
+        </p:sp>
+      </p:grpSp>
+      <p:pic>
+        <p:nvPicPr>
+          <p:cNvPr id="3" name="Picture 2"/>
+          <p:cNvPicPr>
+            <a:picLocks noChangeAspect="1"/>
+          </p:cNvPicPr>
+          <p:nvPr/>
+        </p:nvPicPr>
+        <p:blipFill>
+          <a:blip r:embed="rId3"/>
+          <a:stretch>
+            <a:fillRect/>
+          </a:stretch>
+        </p:blipFill>
+        <p:spPr>
+          <a:xfrm>
+            <a:off x="1271223" y="1178455"/>
+            <a:ext cx="4825148" cy="3741951"/>
+          </a:xfrm>
+          <a:prstGeom prst="rect">
+            <a:avLst/>
+          </a:prstGeom>
+        </p:spPr>
+      </p:pic>
+      <p:sp>
+        <p:nvSpPr>
+          <p:cNvPr id="2" name="Title 1"/>
+          <p:cNvSpPr>
+            <a:spLocks noGrp="1"/>
+          </p:cNvSpPr>
+          <p:nvPr>
+            <p:ph type="title"/>
+          </p:nvPr>
+        </p:nvSpPr>
+        <p:spPr>
+          <a:xfrm>
+            <a:off x="7227582" y="1474970"/>
+            <a:ext cx="3496796" cy="3152742"/>
+          </a:xfrm>
+        </p:spPr>
+        <p:txBody>
+          <a:bodyPr anchor="ctr">
+            <a:normAutofit/>
+          </a:bodyPr>
+          <a:lstStyle/>
+          <a:p>
+            <a:r>
+              <a:rPr lang="en-US" dirty="0"/>
+              <a:t>Angular Dynamic Search POC</a:t>
+            </a:r>
+          </a:p>
+        </p:txBody>
+      </p:sp>
+    </p:spTree>
+    <p:extLst>
+      <p:ext uri="{BB962C8B-B14F-4D97-AF65-F5344CB8AC3E}">
+        <p14:creationId xmlns:p14="http://schemas.microsoft.com/office/powerpoint/2010/main" val="1524851602"/>
+      </p:ext>
+    </p:extLst>
+  </p:cSld>
+  <p:clrMapOvr>
+    <a:masterClrMapping/>
+  </p:clrMapOvr>
+</p:sld>
+</file>
+
+<file path=ppt/slides/slide7.xml><?xml version="1.0" encoding="utf-8"?>
+<p:sld xmlns:a="http://schemas.openxmlformats.org/drawingml/2006/main" xmlns:r="http://schemas.openxmlformats.org/officeDocument/2006/relationships" xmlns:p="http://schemas.openxmlformats.org/presentationml/2006/main">
+  <p:cSld>
+    <p:spTree>
+      <p:nvGrpSpPr>
+        <p:cNvPr id="1" name=""/>
+        <p:cNvGrpSpPr/>
+        <p:nvPr/>
+      </p:nvGrpSpPr>
+      <p:grpSpPr>
+        <a:xfrm>
+          <a:off x="0" y="0"/>
+          <a:ext cx="0" cy="0"/>
+          <a:chOff x="0" y="0"/>
+          <a:chExt cx="0" cy="0"/>
+        </a:xfrm>
+      </p:grpSpPr>
+      <p:sp>
+        <p:nvSpPr>
+          <p:cNvPr id="2" name="Title 1"/>
+          <p:cNvSpPr>
+            <a:spLocks noGrp="1"/>
+          </p:cNvSpPr>
+          <p:nvPr>
+            <p:ph type="title"/>
+          </p:nvPr>
+        </p:nvSpPr>
+        <p:spPr>
+          <a:xfrm>
+            <a:off x="1451579" y="517649"/>
+            <a:ext cx="9291215" cy="1049235"/>
+          </a:xfrm>
+        </p:spPr>
+        <p:txBody>
+          <a:bodyPr/>
+          <a:lstStyle/>
+          <a:p>
+            <a:r>
+              <a:rPr lang="en-US" dirty="0"/>
+              <a:t>Tools</a:t>
+            </a:r>
+          </a:p>
+        </p:txBody>
+      </p:sp>
+      <p:graphicFrame>
+        <p:nvGraphicFramePr>
+          <p:cNvPr id="6" name="Content Placeholder 5"/>
+          <p:cNvGraphicFramePr>
+            <a:graphicFrameLocks noGrp="1"/>
+          </p:cNvGraphicFramePr>
+          <p:nvPr>
+            <p:ph idx="1"/>
+            <p:extLst>
+              <p:ext uri="{D42A27DB-BD31-4B8C-83A1-F6EECF244321}">
+                <p14:modId xmlns:p14="http://schemas.microsoft.com/office/powerpoint/2010/main" val="764137262"/>
+              </p:ext>
+            </p:extLst>
+          </p:nvPr>
+        </p:nvGraphicFramePr>
+        <p:xfrm>
+          <a:off x="1450974" y="1388593"/>
+          <a:ext cx="9291819" cy="3449638"/>
+        </p:xfrm>
+        <a:graphic>
+          <a:graphicData uri="http://schemas.openxmlformats.org/drawingml/2006/diagram">
+            <dgm:relIds xmlns:dgm="http://schemas.openxmlformats.org/drawingml/2006/diagram" xmlns:r="http://schemas.openxmlformats.org/officeDocument/2006/relationships" r:dm="rId2" r:lo="rId3" r:qs="rId4" r:cs="rId5"/>
+          </a:graphicData>
+        </a:graphic>
+      </p:graphicFrame>
+    </p:spTree>
+    <p:extLst>
+      <p:ext uri="{BB962C8B-B14F-4D97-AF65-F5344CB8AC3E}">
+        <p14:creationId xmlns:p14="http://schemas.microsoft.com/office/powerpoint/2010/main" val="2418774682"/>
       </p:ext>
     </p:extLst>
   </p:cSld>
